--- a/Test-Result/2021.02.25/figure_creator2.pptx
+++ b/Test-Result/2021.02.25/figure_creator2.pptx
@@ -5,15 +5,17 @@
     <p:sldMasterId id="2147483648" r:id="rId1"/>
   </p:sldMasterIdLst>
   <p:sldIdLst>
-    <p:sldId id="258" r:id="rId2"/>
-    <p:sldId id="260" r:id="rId3"/>
-    <p:sldId id="261" r:id="rId4"/>
-    <p:sldId id="262" r:id="rId5"/>
-    <p:sldId id="263" r:id="rId6"/>
-    <p:sldId id="264" r:id="rId7"/>
-    <p:sldId id="267" r:id="rId8"/>
-    <p:sldId id="268" r:id="rId9"/>
-    <p:sldId id="266" r:id="rId10"/>
+    <p:sldId id="270" r:id="rId2"/>
+    <p:sldId id="269" r:id="rId3"/>
+    <p:sldId id="266" r:id="rId4"/>
+    <p:sldId id="258" r:id="rId5"/>
+    <p:sldId id="260" r:id="rId6"/>
+    <p:sldId id="261" r:id="rId7"/>
+    <p:sldId id="262" r:id="rId8"/>
+    <p:sldId id="263" r:id="rId9"/>
+    <p:sldId id="264" r:id="rId10"/>
+    <p:sldId id="267" r:id="rId11"/>
+    <p:sldId id="268" r:id="rId12"/>
   </p:sldIdLst>
   <p:sldSz cx="12192000" cy="6858000"/>
   <p:notesSz cx="6858000" cy="9144000"/>
@@ -267,7 +269,7 @@
           <a:p>
             <a:fld id="{66DD5BDF-A040-4608-832A-6D0E3A5FEC92}" type="datetimeFigureOut">
               <a:rPr lang="en-US" smtClean="0"/>
-              <a:t>2/27/2021</a:t>
+              <a:t>3/1/2021</a:t>
             </a:fld>
             <a:endParaRPr lang="en-US"/>
           </a:p>
@@ -465,7 +467,7 @@
           <a:p>
             <a:fld id="{66DD5BDF-A040-4608-832A-6D0E3A5FEC92}" type="datetimeFigureOut">
               <a:rPr lang="en-US" smtClean="0"/>
-              <a:t>2/27/2021</a:t>
+              <a:t>3/1/2021</a:t>
             </a:fld>
             <a:endParaRPr lang="en-US"/>
           </a:p>
@@ -673,7 +675,7 @@
           <a:p>
             <a:fld id="{66DD5BDF-A040-4608-832A-6D0E3A5FEC92}" type="datetimeFigureOut">
               <a:rPr lang="en-US" smtClean="0"/>
-              <a:t>2/27/2021</a:t>
+              <a:t>3/1/2021</a:t>
             </a:fld>
             <a:endParaRPr lang="en-US"/>
           </a:p>
@@ -871,7 +873,7 @@
           <a:p>
             <a:fld id="{66DD5BDF-A040-4608-832A-6D0E3A5FEC92}" type="datetimeFigureOut">
               <a:rPr lang="en-US" smtClean="0"/>
-              <a:t>2/27/2021</a:t>
+              <a:t>3/1/2021</a:t>
             </a:fld>
             <a:endParaRPr lang="en-US"/>
           </a:p>
@@ -1146,7 +1148,7 @@
           <a:p>
             <a:fld id="{66DD5BDF-A040-4608-832A-6D0E3A5FEC92}" type="datetimeFigureOut">
               <a:rPr lang="en-US" smtClean="0"/>
-              <a:t>2/27/2021</a:t>
+              <a:t>3/1/2021</a:t>
             </a:fld>
             <a:endParaRPr lang="en-US"/>
           </a:p>
@@ -1411,7 +1413,7 @@
           <a:p>
             <a:fld id="{66DD5BDF-A040-4608-832A-6D0E3A5FEC92}" type="datetimeFigureOut">
               <a:rPr lang="en-US" smtClean="0"/>
-              <a:t>2/27/2021</a:t>
+              <a:t>3/1/2021</a:t>
             </a:fld>
             <a:endParaRPr lang="en-US"/>
           </a:p>
@@ -1823,7 +1825,7 @@
           <a:p>
             <a:fld id="{66DD5BDF-A040-4608-832A-6D0E3A5FEC92}" type="datetimeFigureOut">
               <a:rPr lang="en-US" smtClean="0"/>
-              <a:t>2/27/2021</a:t>
+              <a:t>3/1/2021</a:t>
             </a:fld>
             <a:endParaRPr lang="en-US"/>
           </a:p>
@@ -1964,7 +1966,7 @@
           <a:p>
             <a:fld id="{66DD5BDF-A040-4608-832A-6D0E3A5FEC92}" type="datetimeFigureOut">
               <a:rPr lang="en-US" smtClean="0"/>
-              <a:t>2/27/2021</a:t>
+              <a:t>3/1/2021</a:t>
             </a:fld>
             <a:endParaRPr lang="en-US"/>
           </a:p>
@@ -2077,7 +2079,7 @@
           <a:p>
             <a:fld id="{66DD5BDF-A040-4608-832A-6D0E3A5FEC92}" type="datetimeFigureOut">
               <a:rPr lang="en-US" smtClean="0"/>
-              <a:t>2/27/2021</a:t>
+              <a:t>3/1/2021</a:t>
             </a:fld>
             <a:endParaRPr lang="en-US"/>
           </a:p>
@@ -2388,7 +2390,7 @@
           <a:p>
             <a:fld id="{66DD5BDF-A040-4608-832A-6D0E3A5FEC92}" type="datetimeFigureOut">
               <a:rPr lang="en-US" smtClean="0"/>
-              <a:t>2/27/2021</a:t>
+              <a:t>3/1/2021</a:t>
             </a:fld>
             <a:endParaRPr lang="en-US"/>
           </a:p>
@@ -2676,7 +2678,7 @@
           <a:p>
             <a:fld id="{66DD5BDF-A040-4608-832A-6D0E3A5FEC92}" type="datetimeFigureOut">
               <a:rPr lang="en-US" smtClean="0"/>
-              <a:t>2/27/2021</a:t>
+              <a:t>3/1/2021</a:t>
             </a:fld>
             <a:endParaRPr lang="en-US"/>
           </a:p>
@@ -2917,7 +2919,7 @@
           <a:p>
             <a:fld id="{66DD5BDF-A040-4608-832A-6D0E3A5FEC92}" type="datetimeFigureOut">
               <a:rPr lang="en-US" smtClean="0"/>
-              <a:t>2/27/2021</a:t>
+              <a:t>3/1/2021</a:t>
             </a:fld>
             <a:endParaRPr lang="en-US"/>
           </a:p>
@@ -3334,12 +3336,127 @@
           <a:chExt cx="0" cy="0"/>
         </a:xfrm>
       </p:grpSpPr>
-      <p:sp>
-        <p:nvSpPr>
-          <p:cNvPr id="26" name="TextBox 25">
-            <a:extLst>
-              <a:ext uri="{FF2B5EF4-FFF2-40B4-BE49-F238E27FC236}">
-                <a16:creationId xmlns:a16="http://schemas.microsoft.com/office/drawing/2014/main" id="{D34C47F3-F2BA-4F4B-AD35-AB2638C842AF}"/>
+      <p:pic>
+        <p:nvPicPr>
+          <p:cNvPr id="5" name="Content Placeholder 4">
+            <a:extLst>
+              <a:ext uri="{FF2B5EF4-FFF2-40B4-BE49-F238E27FC236}">
+                <a16:creationId xmlns:a16="http://schemas.microsoft.com/office/drawing/2014/main" id="{8CE69101-2962-48FE-93AB-3E71FAB703EA}"/>
+              </a:ext>
+            </a:extLst>
+          </p:cNvPr>
+          <p:cNvPicPr>
+            <a:picLocks noGrp="1" noChangeAspect="1"/>
+          </p:cNvPicPr>
+          <p:nvPr>
+            <p:ph idx="1"/>
+          </p:nvPr>
+        </p:nvPicPr>
+        <p:blipFill>
+          <a:blip r:embed="rId2">
+            <a:extLst>
+              <a:ext uri="{28A0092B-C50C-407E-A947-70E740481C1C}">
+                <a14:useLocalDpi xmlns:a14="http://schemas.microsoft.com/office/drawing/2010/main" val="0"/>
+              </a:ext>
+            </a:extLst>
+          </a:blip>
+          <a:stretch>
+            <a:fillRect/>
+          </a:stretch>
+        </p:blipFill>
+        <p:spPr>
+          <a:xfrm>
+            <a:off x="6982943" y="259080"/>
+            <a:ext cx="5071897" cy="4351338"/>
+          </a:xfrm>
+        </p:spPr>
+      </p:pic>
+      <p:pic>
+        <p:nvPicPr>
+          <p:cNvPr id="7" name="Picture 6">
+            <a:extLst>
+              <a:ext uri="{FF2B5EF4-FFF2-40B4-BE49-F238E27FC236}">
+                <a16:creationId xmlns:a16="http://schemas.microsoft.com/office/drawing/2014/main" id="{00116288-EB32-403A-AF84-4A8B5B5176E4}"/>
+              </a:ext>
+            </a:extLst>
+          </p:cNvPr>
+          <p:cNvPicPr>
+            <a:picLocks noChangeAspect="1"/>
+          </p:cNvPicPr>
+          <p:nvPr/>
+        </p:nvPicPr>
+        <p:blipFill>
+          <a:blip r:embed="rId3">
+            <a:extLst>
+              <a:ext uri="{28A0092B-C50C-407E-A947-70E740481C1C}">
+                <a14:useLocalDpi xmlns:a14="http://schemas.microsoft.com/office/drawing/2010/main" val="0"/>
+              </a:ext>
+            </a:extLst>
+          </a:blip>
+          <a:stretch>
+            <a:fillRect/>
+          </a:stretch>
+        </p:blipFill>
+        <p:spPr>
+          <a:xfrm>
+            <a:off x="441960" y="259080"/>
+            <a:ext cx="6315658" cy="5052526"/>
+          </a:xfrm>
+          <a:prstGeom prst="rect">
+            <a:avLst/>
+          </a:prstGeom>
+        </p:spPr>
+      </p:pic>
+      <p:cxnSp>
+        <p:nvCxnSpPr>
+          <p:cNvPr id="10" name="Straight Arrow Connector 9">
+            <a:extLst>
+              <a:ext uri="{FF2B5EF4-FFF2-40B4-BE49-F238E27FC236}">
+                <a16:creationId xmlns:a16="http://schemas.microsoft.com/office/drawing/2014/main" id="{0C46624A-6F8F-4F9E-AF28-13B23783F8F4}"/>
+              </a:ext>
+            </a:extLst>
+          </p:cNvPr>
+          <p:cNvCxnSpPr>
+            <a:cxnSpLocks/>
+          </p:cNvCxnSpPr>
+          <p:nvPr/>
+        </p:nvCxnSpPr>
+        <p:spPr>
+          <a:xfrm flipV="1">
+            <a:off x="9941767" y="4519400"/>
+            <a:ext cx="0" cy="533126"/>
+          </a:xfrm>
+          <a:prstGeom prst="straightConnector1">
+            <a:avLst/>
+          </a:prstGeom>
+          <a:ln w="28575">
+            <a:solidFill>
+              <a:schemeClr val="tx1"/>
+            </a:solidFill>
+            <a:tailEnd type="triangle"/>
+          </a:ln>
+        </p:spPr>
+        <p:style>
+          <a:lnRef idx="1">
+            <a:schemeClr val="accent1"/>
+          </a:lnRef>
+          <a:fillRef idx="0">
+            <a:schemeClr val="accent1"/>
+          </a:fillRef>
+          <a:effectRef idx="0">
+            <a:schemeClr val="accent1"/>
+          </a:effectRef>
+          <a:fontRef idx="minor">
+            <a:schemeClr val="tx1"/>
+          </a:fontRef>
+        </p:style>
+      </p:cxnSp>
+      <p:sp>
+        <p:nvSpPr>
+          <p:cNvPr id="13" name="TextBox 12">
+            <a:extLst>
+              <a:ext uri="{FF2B5EF4-FFF2-40B4-BE49-F238E27FC236}">
+                <a16:creationId xmlns:a16="http://schemas.microsoft.com/office/drawing/2014/main" id="{D59ABA66-EEED-4661-9827-9F973DF4BB30}"/>
               </a:ext>
             </a:extLst>
           </p:cNvPr>
@@ -3348,7 +3465,240 @@
         </p:nvSpPr>
         <p:spPr>
           <a:xfrm>
-            <a:off x="4765950" y="3794173"/>
+            <a:off x="8266922" y="5052526"/>
+            <a:ext cx="3368351" cy="923330"/>
+          </a:xfrm>
+          <a:prstGeom prst="rect">
+            <a:avLst/>
+          </a:prstGeom>
+          <a:noFill/>
+        </p:spPr>
+        <p:txBody>
+          <a:bodyPr wrap="square" rtlCol="0">
+            <a:spAutoFit/>
+          </a:bodyPr>
+          <a:lstStyle/>
+          <a:p>
+            <a:r>
+              <a:rPr lang="en-US" dirty="0"/>
+              <a:t>Experimental data will be expended. </a:t>
+            </a:r>
+          </a:p>
+          <a:p>
+            <a:r>
+              <a:rPr lang="en-US" dirty="0"/>
+              <a:t>Above 100 kHz (102.5 105)</a:t>
+            </a:r>
+          </a:p>
+        </p:txBody>
+      </p:sp>
+    </p:spTree>
+    <p:extLst>
+      <p:ext uri="{BB962C8B-B14F-4D97-AF65-F5344CB8AC3E}">
+        <p14:creationId xmlns:p14="http://schemas.microsoft.com/office/powerpoint/2010/main" val="3118665400"/>
+      </p:ext>
+    </p:extLst>
+  </p:cSld>
+  <p:clrMapOvr>
+    <a:masterClrMapping/>
+  </p:clrMapOvr>
+</p:sld>
+</file>
+
+<file path=ppt/slides/slide10.xml><?xml version="1.0" encoding="utf-8"?>
+<p:sld xmlns:a="http://schemas.openxmlformats.org/drawingml/2006/main" xmlns:r="http://schemas.openxmlformats.org/officeDocument/2006/relationships" xmlns:p="http://schemas.openxmlformats.org/presentationml/2006/main">
+  <p:cSld>
+    <p:spTree>
+      <p:nvGrpSpPr>
+        <p:cNvPr id="1" name=""/>
+        <p:cNvGrpSpPr/>
+        <p:nvPr/>
+      </p:nvGrpSpPr>
+      <p:grpSpPr>
+        <a:xfrm>
+          <a:off x="0" y="0"/>
+          <a:ext cx="0" cy="0"/>
+          <a:chOff x="0" y="0"/>
+          <a:chExt cx="0" cy="0"/>
+        </a:xfrm>
+      </p:grpSpPr>
+      <p:sp>
+        <p:nvSpPr>
+          <p:cNvPr id="27" name="Rectangle 26">
+            <a:extLst>
+              <a:ext uri="{FF2B5EF4-FFF2-40B4-BE49-F238E27FC236}">
+                <a16:creationId xmlns:a16="http://schemas.microsoft.com/office/drawing/2014/main" id="{7AA556A3-1515-4015-BBBE-EAB2CF64DC47}"/>
+              </a:ext>
+            </a:extLst>
+          </p:cNvPr>
+          <p:cNvSpPr/>
+          <p:nvPr/>
+        </p:nvSpPr>
+        <p:spPr>
+          <a:xfrm>
+            <a:off x="3782590" y="78941"/>
+            <a:ext cx="4637784" cy="6611309"/>
+          </a:xfrm>
+          <a:prstGeom prst="rect">
+            <a:avLst/>
+          </a:prstGeom>
+          <a:solidFill>
+            <a:schemeClr val="bg1"/>
+          </a:solidFill>
+          <a:ln>
+            <a:solidFill>
+              <a:schemeClr val="bg1"/>
+            </a:solidFill>
+          </a:ln>
+        </p:spPr>
+        <p:style>
+          <a:lnRef idx="2">
+            <a:schemeClr val="accent1">
+              <a:shade val="50000"/>
+            </a:schemeClr>
+          </a:lnRef>
+          <a:fillRef idx="1">
+            <a:schemeClr val="accent1"/>
+          </a:fillRef>
+          <a:effectRef idx="0">
+            <a:schemeClr val="accent1"/>
+          </a:effectRef>
+          <a:fontRef idx="minor">
+            <a:schemeClr val="lt1"/>
+          </a:fontRef>
+        </p:style>
+        <p:txBody>
+          <a:bodyPr rtlCol="0" anchor="ctr"/>
+          <a:lstStyle/>
+          <a:p>
+            <a:pPr algn="ctr"/>
+            <a:endParaRPr lang="en-US"/>
+          </a:p>
+        </p:txBody>
+      </p:sp>
+      <p:pic>
+        <p:nvPicPr>
+          <p:cNvPr id="7" name="Picture 6">
+            <a:extLst>
+              <a:ext uri="{FF2B5EF4-FFF2-40B4-BE49-F238E27FC236}">
+                <a16:creationId xmlns:a16="http://schemas.microsoft.com/office/drawing/2014/main" id="{ABF3F6DA-7E29-4E8A-8B08-E48AFA9B8BA2}"/>
+              </a:ext>
+            </a:extLst>
+          </p:cNvPr>
+          <p:cNvPicPr>
+            <a:picLocks noChangeAspect="1"/>
+          </p:cNvPicPr>
+          <p:nvPr/>
+        </p:nvPicPr>
+        <p:blipFill>
+          <a:blip r:embed="rId2">
+            <a:extLst>
+              <a:ext uri="{28A0092B-C50C-407E-A947-70E740481C1C}">
+                <a14:useLocalDpi xmlns:a14="http://schemas.microsoft.com/office/drawing/2010/main" val="0"/>
+              </a:ext>
+            </a:extLst>
+          </a:blip>
+          <a:stretch>
+            <a:fillRect/>
+          </a:stretch>
+        </p:blipFill>
+        <p:spPr>
+          <a:xfrm>
+            <a:off x="3999854" y="4562041"/>
+            <a:ext cx="4282440" cy="1905000"/>
+          </a:xfrm>
+          <a:prstGeom prst="rect">
+            <a:avLst/>
+          </a:prstGeom>
+        </p:spPr>
+      </p:pic>
+      <p:pic>
+        <p:nvPicPr>
+          <p:cNvPr id="5" name="Picture 4">
+            <a:extLst>
+              <a:ext uri="{FF2B5EF4-FFF2-40B4-BE49-F238E27FC236}">
+                <a16:creationId xmlns:a16="http://schemas.microsoft.com/office/drawing/2014/main" id="{1028364E-CE7F-4639-9D02-6B341F68FD70}"/>
+              </a:ext>
+            </a:extLst>
+          </p:cNvPr>
+          <p:cNvPicPr>
+            <a:picLocks noChangeAspect="1"/>
+          </p:cNvPicPr>
+          <p:nvPr/>
+        </p:nvPicPr>
+        <p:blipFill>
+          <a:blip r:embed="rId3">
+            <a:extLst>
+              <a:ext uri="{28A0092B-C50C-407E-A947-70E740481C1C}">
+                <a14:useLocalDpi xmlns:a14="http://schemas.microsoft.com/office/drawing/2010/main" val="0"/>
+              </a:ext>
+            </a:extLst>
+          </a:blip>
+          <a:stretch>
+            <a:fillRect/>
+          </a:stretch>
+        </p:blipFill>
+        <p:spPr>
+          <a:xfrm>
+            <a:off x="3999854" y="2192428"/>
+            <a:ext cx="4282440" cy="1905000"/>
+          </a:xfrm>
+          <a:prstGeom prst="rect">
+            <a:avLst/>
+          </a:prstGeom>
+        </p:spPr>
+      </p:pic>
+      <p:pic>
+        <p:nvPicPr>
+          <p:cNvPr id="3" name="Picture 2">
+            <a:extLst>
+              <a:ext uri="{FF2B5EF4-FFF2-40B4-BE49-F238E27FC236}">
+                <a16:creationId xmlns:a16="http://schemas.microsoft.com/office/drawing/2014/main" id="{A43A30D8-C826-435F-ABD8-8AE14AC0FDD2}"/>
+              </a:ext>
+            </a:extLst>
+          </p:cNvPr>
+          <p:cNvPicPr>
+            <a:picLocks noChangeAspect="1"/>
+          </p:cNvPicPr>
+          <p:nvPr/>
+        </p:nvPicPr>
+        <p:blipFill>
+          <a:blip r:embed="rId4">
+            <a:extLst>
+              <a:ext uri="{28A0092B-C50C-407E-A947-70E740481C1C}">
+                <a14:useLocalDpi xmlns:a14="http://schemas.microsoft.com/office/drawing/2010/main" val="0"/>
+              </a:ext>
+            </a:extLst>
+          </a:blip>
+          <a:stretch>
+            <a:fillRect/>
+          </a:stretch>
+        </p:blipFill>
+        <p:spPr>
+          <a:xfrm>
+            <a:off x="3999854" y="245510"/>
+            <a:ext cx="4282440" cy="1905000"/>
+          </a:xfrm>
+          <a:prstGeom prst="rect">
+            <a:avLst/>
+          </a:prstGeom>
+        </p:spPr>
+      </p:pic>
+      <p:sp>
+        <p:nvSpPr>
+          <p:cNvPr id="26" name="TextBox 25">
+            <a:extLst>
+              <a:ext uri="{FF2B5EF4-FFF2-40B4-BE49-F238E27FC236}">
+                <a16:creationId xmlns:a16="http://schemas.microsoft.com/office/drawing/2014/main" id="{D34C47F3-F2BA-4F4B-AD35-AB2638C842AF}"/>
+              </a:ext>
+            </a:extLst>
+          </p:cNvPr>
+          <p:cNvSpPr txBox="1"/>
+          <p:nvPr/>
+        </p:nvSpPr>
+        <p:spPr>
+          <a:xfrm>
+            <a:off x="4987738" y="4128870"/>
             <a:ext cx="862759" cy="276999"/>
           </a:xfrm>
           <a:prstGeom prst="rect">
@@ -3386,7 +3736,7 @@
         </p:nvSpPr>
         <p:spPr>
           <a:xfrm rot="5400000">
-            <a:off x="4899362" y="3460389"/>
+            <a:off x="5121150" y="3739805"/>
             <a:ext cx="234583" cy="1224111"/>
           </a:xfrm>
           <a:prstGeom prst="rightBrace">
@@ -3438,7 +3788,7 @@
         </p:nvSpPr>
         <p:spPr>
           <a:xfrm rot="5400000">
-            <a:off x="7348181" y="3459118"/>
+            <a:off x="7076701" y="3733400"/>
             <a:ext cx="234583" cy="1224111"/>
           </a:xfrm>
           <a:prstGeom prst="rightBrace">
@@ -3490,7 +3840,7 @@
         </p:nvSpPr>
         <p:spPr>
           <a:xfrm>
-            <a:off x="7214769" y="3800580"/>
+            <a:off x="6940493" y="4119476"/>
             <a:ext cx="862759" cy="276999"/>
           </a:xfrm>
           <a:prstGeom prst="rect">
@@ -3514,12 +3864,149 @@
           </a:p>
         </p:txBody>
       </p:sp>
+      <p:sp>
+        <p:nvSpPr>
+          <p:cNvPr id="14" name="TextBox 13">
+            <a:extLst>
+              <a:ext uri="{FF2B5EF4-FFF2-40B4-BE49-F238E27FC236}">
+                <a16:creationId xmlns:a16="http://schemas.microsoft.com/office/drawing/2014/main" id="{1E3BE4A2-C302-4235-AA09-BC0613C21FEF}"/>
+              </a:ext>
+            </a:extLst>
+          </p:cNvPr>
+          <p:cNvSpPr txBox="1"/>
+          <p:nvPr/>
+        </p:nvSpPr>
+        <p:spPr>
+          <a:xfrm>
+            <a:off x="10618631" y="386366"/>
+            <a:ext cx="1236372" cy="1200329"/>
+          </a:xfrm>
+          <a:prstGeom prst="rect">
+            <a:avLst/>
+          </a:prstGeom>
+          <a:noFill/>
+        </p:spPr>
+        <p:txBody>
+          <a:bodyPr wrap="square" rtlCol="0">
+            <a:spAutoFit/>
+          </a:bodyPr>
+          <a:lstStyle/>
+          <a:p>
+            <a:r>
+              <a:rPr lang="en-US" dirty="0"/>
+              <a:t>D=0.6</a:t>
+            </a:r>
+          </a:p>
+          <a:p>
+            <a:r>
+              <a:rPr lang="en-US" dirty="0"/>
+              <a:t>F=80</a:t>
+            </a:r>
+          </a:p>
+          <a:p>
+            <a:r>
+              <a:rPr lang="en-US" dirty="0"/>
+              <a:t>L2</a:t>
+            </a:r>
+          </a:p>
+          <a:p>
+            <a:r>
+              <a:rPr lang="en-US" dirty="0"/>
+              <a:t>Case E</a:t>
+            </a:r>
+          </a:p>
+        </p:txBody>
+      </p:sp>
+    </p:spTree>
+    <p:extLst>
+      <p:ext uri="{BB962C8B-B14F-4D97-AF65-F5344CB8AC3E}">
+        <p14:creationId xmlns:p14="http://schemas.microsoft.com/office/powerpoint/2010/main" val="26212360"/>
+      </p:ext>
+    </p:extLst>
+  </p:cSld>
+  <p:clrMapOvr>
+    <a:masterClrMapping/>
+  </p:clrMapOvr>
+</p:sld>
+</file>
+
+<file path=ppt/slides/slide11.xml><?xml version="1.0" encoding="utf-8"?>
+<p:sld xmlns:a="http://schemas.openxmlformats.org/drawingml/2006/main" xmlns:r="http://schemas.openxmlformats.org/officeDocument/2006/relationships" xmlns:p="http://schemas.openxmlformats.org/presentationml/2006/main">
+  <p:cSld>
+    <p:spTree>
+      <p:nvGrpSpPr>
+        <p:cNvPr id="1" name=""/>
+        <p:cNvGrpSpPr/>
+        <p:nvPr/>
+      </p:nvGrpSpPr>
+      <p:grpSpPr>
+        <a:xfrm>
+          <a:off x="0" y="0"/>
+          <a:ext cx="0" cy="0"/>
+          <a:chOff x="0" y="0"/>
+          <a:chExt cx="0" cy="0"/>
+        </a:xfrm>
+      </p:grpSpPr>
+      <p:sp>
+        <p:nvSpPr>
+          <p:cNvPr id="27" name="Rectangle 26">
+            <a:extLst>
+              <a:ext uri="{FF2B5EF4-FFF2-40B4-BE49-F238E27FC236}">
+                <a16:creationId xmlns:a16="http://schemas.microsoft.com/office/drawing/2014/main" id="{7AA556A3-1515-4015-BBBE-EAB2CF64DC47}"/>
+              </a:ext>
+            </a:extLst>
+          </p:cNvPr>
+          <p:cNvSpPr/>
+          <p:nvPr/>
+        </p:nvSpPr>
+        <p:spPr>
+          <a:xfrm>
+            <a:off x="3782590" y="78941"/>
+            <a:ext cx="4637784" cy="6611309"/>
+          </a:xfrm>
+          <a:prstGeom prst="rect">
+            <a:avLst/>
+          </a:prstGeom>
+          <a:solidFill>
+            <a:schemeClr val="bg1"/>
+          </a:solidFill>
+          <a:ln>
+            <a:solidFill>
+              <a:schemeClr val="bg1"/>
+            </a:solidFill>
+          </a:ln>
+        </p:spPr>
+        <p:style>
+          <a:lnRef idx="2">
+            <a:schemeClr val="accent1">
+              <a:shade val="50000"/>
+            </a:schemeClr>
+          </a:lnRef>
+          <a:fillRef idx="1">
+            <a:schemeClr val="accent1"/>
+          </a:fillRef>
+          <a:effectRef idx="0">
+            <a:schemeClr val="accent1"/>
+          </a:effectRef>
+          <a:fontRef idx="minor">
+            <a:schemeClr val="lt1"/>
+          </a:fontRef>
+        </p:style>
+        <p:txBody>
+          <a:bodyPr rtlCol="0" anchor="ctr"/>
+          <a:lstStyle/>
+          <a:p>
+            <a:pPr algn="ctr"/>
+            <a:endParaRPr lang="en-US"/>
+          </a:p>
+        </p:txBody>
+      </p:sp>
       <p:pic>
         <p:nvPicPr>
-          <p:cNvPr id="4" name="Picture 3">
-            <a:extLst>
-              <a:ext uri="{FF2B5EF4-FFF2-40B4-BE49-F238E27FC236}">
-                <a16:creationId xmlns:a16="http://schemas.microsoft.com/office/drawing/2014/main" id="{B4E19EF0-CBFC-45DE-A251-5990D3EE55B3}"/>
+          <p:cNvPr id="7" name="Picture 6">
+            <a:extLst>
+              <a:ext uri="{FF2B5EF4-FFF2-40B4-BE49-F238E27FC236}">
+                <a16:creationId xmlns:a16="http://schemas.microsoft.com/office/drawing/2014/main" id="{22849C23-E55D-4F03-B74C-FD9B02B4B1F2}"/>
               </a:ext>
             </a:extLst>
           </p:cNvPr>
@@ -3542,8 +4029,8 @@
         </p:blipFill>
         <p:spPr>
           <a:xfrm>
-            <a:off x="3808614" y="657634"/>
-            <a:ext cx="4762500" cy="1905000"/>
+            <a:off x="3999854" y="4562041"/>
+            <a:ext cx="4282440" cy="1905000"/>
           </a:xfrm>
           <a:prstGeom prst="rect">
             <a:avLst/>
@@ -3552,10 +4039,10 @@
       </p:pic>
       <p:pic>
         <p:nvPicPr>
-          <p:cNvPr id="7" name="Picture 6">
-            <a:extLst>
-              <a:ext uri="{FF2B5EF4-FFF2-40B4-BE49-F238E27FC236}">
-                <a16:creationId xmlns:a16="http://schemas.microsoft.com/office/drawing/2014/main" id="{23ADE1E3-4988-4DBC-9DA8-69B23886F6C3}"/>
+          <p:cNvPr id="5" name="Picture 4">
+            <a:extLst>
+              <a:ext uri="{FF2B5EF4-FFF2-40B4-BE49-F238E27FC236}">
+                <a16:creationId xmlns:a16="http://schemas.microsoft.com/office/drawing/2014/main" id="{978F9F87-D92E-4CA9-9CEE-9247A6DE49FC}"/>
               </a:ext>
             </a:extLst>
           </p:cNvPr>
@@ -3578,8 +4065,8 @@
         </p:blipFill>
         <p:spPr>
           <a:xfrm>
-            <a:off x="3781464" y="2598751"/>
-            <a:ext cx="2377440" cy="1188720"/>
+            <a:off x="3999854" y="2192428"/>
+            <a:ext cx="4282440" cy="1905000"/>
           </a:xfrm>
           <a:prstGeom prst="rect">
             <a:avLst/>
@@ -3588,10 +4075,10 @@
       </p:pic>
       <p:pic>
         <p:nvPicPr>
-          <p:cNvPr id="9" name="Picture 8">
-            <a:extLst>
-              <a:ext uri="{FF2B5EF4-FFF2-40B4-BE49-F238E27FC236}">
-                <a16:creationId xmlns:a16="http://schemas.microsoft.com/office/drawing/2014/main" id="{1C221754-8143-446A-AE41-5A7FFDAAA024}"/>
+          <p:cNvPr id="3" name="Picture 2">
+            <a:extLst>
+              <a:ext uri="{FF2B5EF4-FFF2-40B4-BE49-F238E27FC236}">
+                <a16:creationId xmlns:a16="http://schemas.microsoft.com/office/drawing/2014/main" id="{E33D798A-AAC7-4EFE-99ED-B60B89BF9BAB}"/>
               </a:ext>
             </a:extLst>
           </p:cNvPr>
@@ -3614,92 +4101,20 @@
         </p:blipFill>
         <p:spPr>
           <a:xfrm>
-            <a:off x="6206654" y="2598750"/>
-            <a:ext cx="2377440" cy="1188720"/>
+            <a:off x="3999854" y="245510"/>
+            <a:ext cx="4282440" cy="1905000"/>
           </a:xfrm>
           <a:prstGeom prst="rect">
             <a:avLst/>
           </a:prstGeom>
         </p:spPr>
       </p:pic>
-      <p:pic>
-        <p:nvPicPr>
-          <p:cNvPr id="12" name="Picture 11">
-            <a:extLst>
-              <a:ext uri="{FF2B5EF4-FFF2-40B4-BE49-F238E27FC236}">
-                <a16:creationId xmlns:a16="http://schemas.microsoft.com/office/drawing/2014/main" id="{F7FEA451-39DB-400F-AB8F-D1B6C0E3666D}"/>
-              </a:ext>
-            </a:extLst>
-          </p:cNvPr>
-          <p:cNvPicPr>
-            <a:picLocks noChangeAspect="1"/>
-          </p:cNvPicPr>
-          <p:nvPr/>
-        </p:nvPicPr>
-        <p:blipFill>
-          <a:blip r:embed="rId5">
-            <a:extLst>
-              <a:ext uri="{28A0092B-C50C-407E-A947-70E740481C1C}">
-                <a14:useLocalDpi xmlns:a14="http://schemas.microsoft.com/office/drawing/2010/main" val="0"/>
-              </a:ext>
-            </a:extLst>
-          </a:blip>
-          <a:stretch>
-            <a:fillRect/>
-          </a:stretch>
-        </p:blipFill>
-        <p:spPr>
-          <a:xfrm>
-            <a:off x="6233804" y="4339996"/>
-            <a:ext cx="2377440" cy="1188720"/>
-          </a:xfrm>
-          <a:prstGeom prst="rect">
-            <a:avLst/>
-          </a:prstGeom>
-        </p:spPr>
-      </p:pic>
-      <p:pic>
-        <p:nvPicPr>
-          <p:cNvPr id="15" name="Picture 14">
-            <a:extLst>
-              <a:ext uri="{FF2B5EF4-FFF2-40B4-BE49-F238E27FC236}">
-                <a16:creationId xmlns:a16="http://schemas.microsoft.com/office/drawing/2014/main" id="{8EE36984-5D26-4FE4-9E41-4C8249092E11}"/>
-              </a:ext>
-            </a:extLst>
-          </p:cNvPr>
-          <p:cNvPicPr>
-            <a:picLocks noChangeAspect="1"/>
-          </p:cNvPicPr>
-          <p:nvPr/>
-        </p:nvPicPr>
-        <p:blipFill>
-          <a:blip r:embed="rId6">
-            <a:extLst>
-              <a:ext uri="{28A0092B-C50C-407E-A947-70E740481C1C}">
-                <a14:useLocalDpi xmlns:a14="http://schemas.microsoft.com/office/drawing/2010/main" val="0"/>
-              </a:ext>
-            </a:extLst>
-          </a:blip>
-          <a:stretch>
-            <a:fillRect/>
-          </a:stretch>
-        </p:blipFill>
-        <p:spPr>
-          <a:xfrm>
-            <a:off x="3768340" y="4345865"/>
-            <a:ext cx="2377440" cy="1188720"/>
-          </a:xfrm>
-          <a:prstGeom prst="rect">
-            <a:avLst/>
-          </a:prstGeom>
-        </p:spPr>
-      </p:pic>
-      <p:sp>
-        <p:nvSpPr>
-          <p:cNvPr id="17" name="TextBox 16">
-            <a:extLst>
-              <a:ext uri="{FF2B5EF4-FFF2-40B4-BE49-F238E27FC236}">
-                <a16:creationId xmlns:a16="http://schemas.microsoft.com/office/drawing/2014/main" id="{13D3D558-BEF4-4EF4-84EB-F268FD734E13}"/>
+      <p:sp>
+        <p:nvSpPr>
+          <p:cNvPr id="26" name="TextBox 25">
+            <a:extLst>
+              <a:ext uri="{FF2B5EF4-FFF2-40B4-BE49-F238E27FC236}">
+                <a16:creationId xmlns:a16="http://schemas.microsoft.com/office/drawing/2014/main" id="{D34C47F3-F2BA-4F4B-AD35-AB2638C842AF}"/>
               </a:ext>
             </a:extLst>
           </p:cNvPr>
@@ -3708,8 +4123,8 @@
         </p:nvSpPr>
         <p:spPr>
           <a:xfrm>
-            <a:off x="10586434" y="386366"/>
-            <a:ext cx="1236372" cy="923330"/>
+            <a:off x="4987738" y="4128870"/>
+            <a:ext cx="862759" cy="276999"/>
           </a:xfrm>
           <a:prstGeom prst="rect">
             <a:avLst/>
@@ -3723,6 +4138,186 @@
           <a:lstStyle/>
           <a:p>
             <a:r>
+              <a:rPr lang="en-US" sz="1200" dirty="0">
+                <a:latin typeface="Times New Roman" panose="02020603050405020304" pitchFamily="18" charset="0"/>
+                <a:cs typeface="Times New Roman" panose="02020603050405020304" pitchFamily="18" charset="0"/>
+              </a:rPr>
+              <a:t>Zoom</a:t>
+            </a:r>
+          </a:p>
+        </p:txBody>
+      </p:sp>
+      <p:sp>
+        <p:nvSpPr>
+          <p:cNvPr id="30" name="Right Brace 29">
+            <a:extLst>
+              <a:ext uri="{FF2B5EF4-FFF2-40B4-BE49-F238E27FC236}">
+                <a16:creationId xmlns:a16="http://schemas.microsoft.com/office/drawing/2014/main" id="{39C286CD-2492-4AD6-B92D-02C104E45B2A}"/>
+              </a:ext>
+            </a:extLst>
+          </p:cNvPr>
+          <p:cNvSpPr/>
+          <p:nvPr/>
+        </p:nvSpPr>
+        <p:spPr>
+          <a:xfrm rot="5400000">
+            <a:off x="5121150" y="3739805"/>
+            <a:ext cx="234583" cy="1224111"/>
+          </a:xfrm>
+          <a:prstGeom prst="rightBrace">
+            <a:avLst/>
+          </a:prstGeom>
+          <a:ln w="19050">
+            <a:solidFill>
+              <a:schemeClr val="tx1">
+                <a:lumMod val="65000"/>
+                <a:lumOff val="35000"/>
+              </a:schemeClr>
+            </a:solidFill>
+          </a:ln>
+        </p:spPr>
+        <p:style>
+          <a:lnRef idx="1">
+            <a:schemeClr val="accent1"/>
+          </a:lnRef>
+          <a:fillRef idx="0">
+            <a:schemeClr val="accent1"/>
+          </a:fillRef>
+          <a:effectRef idx="0">
+            <a:schemeClr val="accent1"/>
+          </a:effectRef>
+          <a:fontRef idx="minor">
+            <a:schemeClr val="tx1"/>
+          </a:fontRef>
+        </p:style>
+        <p:txBody>
+          <a:bodyPr rtlCol="0" anchor="ctr"/>
+          <a:lstStyle/>
+          <a:p>
+            <a:pPr algn="ctr"/>
+            <a:endParaRPr lang="en-US"/>
+          </a:p>
+        </p:txBody>
+      </p:sp>
+      <p:sp>
+        <p:nvSpPr>
+          <p:cNvPr id="31" name="Right Brace 30">
+            <a:extLst>
+              <a:ext uri="{FF2B5EF4-FFF2-40B4-BE49-F238E27FC236}">
+                <a16:creationId xmlns:a16="http://schemas.microsoft.com/office/drawing/2014/main" id="{45AABD34-09EE-41B6-B9EE-C5ABE48164FD}"/>
+              </a:ext>
+            </a:extLst>
+          </p:cNvPr>
+          <p:cNvSpPr/>
+          <p:nvPr/>
+        </p:nvSpPr>
+        <p:spPr>
+          <a:xfrm rot="5400000">
+            <a:off x="7076701" y="3733400"/>
+            <a:ext cx="234583" cy="1224111"/>
+          </a:xfrm>
+          <a:prstGeom prst="rightBrace">
+            <a:avLst/>
+          </a:prstGeom>
+          <a:ln w="19050">
+            <a:solidFill>
+              <a:schemeClr val="tx1">
+                <a:lumMod val="65000"/>
+                <a:lumOff val="35000"/>
+              </a:schemeClr>
+            </a:solidFill>
+          </a:ln>
+        </p:spPr>
+        <p:style>
+          <a:lnRef idx="1">
+            <a:schemeClr val="accent1"/>
+          </a:lnRef>
+          <a:fillRef idx="0">
+            <a:schemeClr val="accent1"/>
+          </a:fillRef>
+          <a:effectRef idx="0">
+            <a:schemeClr val="accent1"/>
+          </a:effectRef>
+          <a:fontRef idx="minor">
+            <a:schemeClr val="tx1"/>
+          </a:fontRef>
+        </p:style>
+        <p:txBody>
+          <a:bodyPr rtlCol="0" anchor="ctr"/>
+          <a:lstStyle/>
+          <a:p>
+            <a:pPr algn="ctr"/>
+            <a:endParaRPr lang="en-US"/>
+          </a:p>
+        </p:txBody>
+      </p:sp>
+      <p:sp>
+        <p:nvSpPr>
+          <p:cNvPr id="32" name="TextBox 31">
+            <a:extLst>
+              <a:ext uri="{FF2B5EF4-FFF2-40B4-BE49-F238E27FC236}">
+                <a16:creationId xmlns:a16="http://schemas.microsoft.com/office/drawing/2014/main" id="{3CA8E243-CBFD-4FA4-B602-A82004D54655}"/>
+              </a:ext>
+            </a:extLst>
+          </p:cNvPr>
+          <p:cNvSpPr txBox="1"/>
+          <p:nvPr/>
+        </p:nvSpPr>
+        <p:spPr>
+          <a:xfrm>
+            <a:off x="6940493" y="4119476"/>
+            <a:ext cx="862759" cy="276999"/>
+          </a:xfrm>
+          <a:prstGeom prst="rect">
+            <a:avLst/>
+          </a:prstGeom>
+          <a:noFill/>
+        </p:spPr>
+        <p:txBody>
+          <a:bodyPr wrap="square" rtlCol="0">
+            <a:spAutoFit/>
+          </a:bodyPr>
+          <a:lstStyle/>
+          <a:p>
+            <a:r>
+              <a:rPr lang="en-US" sz="1200" dirty="0">
+                <a:latin typeface="Times New Roman" panose="02020603050405020304" pitchFamily="18" charset="0"/>
+                <a:cs typeface="Times New Roman" panose="02020603050405020304" pitchFamily="18" charset="0"/>
+              </a:rPr>
+              <a:t>Zoom</a:t>
+            </a:r>
+          </a:p>
+        </p:txBody>
+      </p:sp>
+      <p:sp>
+        <p:nvSpPr>
+          <p:cNvPr id="14" name="TextBox 13">
+            <a:extLst>
+              <a:ext uri="{FF2B5EF4-FFF2-40B4-BE49-F238E27FC236}">
+                <a16:creationId xmlns:a16="http://schemas.microsoft.com/office/drawing/2014/main" id="{1E3BE4A2-C302-4235-AA09-BC0613C21FEF}"/>
+              </a:ext>
+            </a:extLst>
+          </p:cNvPr>
+          <p:cNvSpPr txBox="1"/>
+          <p:nvPr/>
+        </p:nvSpPr>
+        <p:spPr>
+          <a:xfrm>
+            <a:off x="10618631" y="386366"/>
+            <a:ext cx="1236372" cy="1200329"/>
+          </a:xfrm>
+          <a:prstGeom prst="rect">
+            <a:avLst/>
+          </a:prstGeom>
+          <a:noFill/>
+        </p:spPr>
+        <p:txBody>
+          <a:bodyPr wrap="square" rtlCol="0">
+            <a:spAutoFit/>
+          </a:bodyPr>
+          <a:lstStyle/>
+          <a:p>
+            <a:r>
               <a:rPr lang="en-US" dirty="0"/>
               <a:t>D=0.6</a:t>
             </a:r>
@@ -3739,272 +4334,18 @@
               <a:t>L1</a:t>
             </a:r>
           </a:p>
-        </p:txBody>
-      </p:sp>
-      <p:sp>
-        <p:nvSpPr>
-          <p:cNvPr id="19" name="Rectangle 18">
-            <a:extLst>
-              <a:ext uri="{FF2B5EF4-FFF2-40B4-BE49-F238E27FC236}">
-                <a16:creationId xmlns:a16="http://schemas.microsoft.com/office/drawing/2014/main" id="{4CC925EF-5EAF-474A-B475-5529B544A6B1}"/>
-              </a:ext>
-            </a:extLst>
-          </p:cNvPr>
-          <p:cNvSpPr/>
-          <p:nvPr/>
-        </p:nvSpPr>
-        <p:spPr>
-          <a:xfrm>
-            <a:off x="3781463" y="2595426"/>
-            <a:ext cx="2377440" cy="1188720"/>
-          </a:xfrm>
-          <a:prstGeom prst="rect">
-            <a:avLst/>
-          </a:prstGeom>
-          <a:noFill/>
-          <a:ln>
-            <a:solidFill>
-              <a:schemeClr val="tx1"/>
-            </a:solidFill>
-          </a:ln>
-        </p:spPr>
-        <p:style>
-          <a:lnRef idx="2">
-            <a:schemeClr val="accent1">
-              <a:shade val="50000"/>
-            </a:schemeClr>
-          </a:lnRef>
-          <a:fillRef idx="1">
-            <a:schemeClr val="accent1"/>
-          </a:fillRef>
-          <a:effectRef idx="0">
-            <a:schemeClr val="accent1"/>
-          </a:effectRef>
-          <a:fontRef idx="minor">
-            <a:schemeClr val="lt1"/>
-          </a:fontRef>
-        </p:style>
-        <p:txBody>
-          <a:bodyPr rtlCol="0" anchor="ctr"/>
-          <a:lstStyle/>
-          <a:p>
-            <a:pPr algn="ctr"/>
-            <a:endParaRPr lang="en-US"/>
-          </a:p>
-        </p:txBody>
-      </p:sp>
-      <p:sp>
-        <p:nvSpPr>
-          <p:cNvPr id="24" name="Rectangle 23">
-            <a:extLst>
-              <a:ext uri="{FF2B5EF4-FFF2-40B4-BE49-F238E27FC236}">
-                <a16:creationId xmlns:a16="http://schemas.microsoft.com/office/drawing/2014/main" id="{726C0D7B-61C7-422B-A92A-7D10303D237D}"/>
-              </a:ext>
-            </a:extLst>
-          </p:cNvPr>
-          <p:cNvSpPr/>
-          <p:nvPr/>
-        </p:nvSpPr>
-        <p:spPr>
-          <a:xfrm>
-            <a:off x="3781463" y="657634"/>
-            <a:ext cx="4789651" cy="1905000"/>
-          </a:xfrm>
-          <a:prstGeom prst="rect">
-            <a:avLst/>
-          </a:prstGeom>
-          <a:noFill/>
-          <a:ln>
-            <a:solidFill>
-              <a:schemeClr val="tx1"/>
-            </a:solidFill>
-          </a:ln>
-        </p:spPr>
-        <p:style>
-          <a:lnRef idx="2">
-            <a:schemeClr val="accent1">
-              <a:shade val="50000"/>
-            </a:schemeClr>
-          </a:lnRef>
-          <a:fillRef idx="1">
-            <a:schemeClr val="accent1"/>
-          </a:fillRef>
-          <a:effectRef idx="0">
-            <a:schemeClr val="accent1"/>
-          </a:effectRef>
-          <a:fontRef idx="minor">
-            <a:schemeClr val="lt1"/>
-          </a:fontRef>
-        </p:style>
-        <p:txBody>
-          <a:bodyPr rtlCol="0" anchor="ctr"/>
-          <a:lstStyle/>
-          <a:p>
-            <a:pPr algn="ctr"/>
-            <a:endParaRPr lang="en-US"/>
-          </a:p>
-        </p:txBody>
-      </p:sp>
-      <p:sp>
-        <p:nvSpPr>
-          <p:cNvPr id="28" name="Rectangle 27">
-            <a:extLst>
-              <a:ext uri="{FF2B5EF4-FFF2-40B4-BE49-F238E27FC236}">
-                <a16:creationId xmlns:a16="http://schemas.microsoft.com/office/drawing/2014/main" id="{41DE0E1B-CC0F-4209-AF24-240157C85658}"/>
-              </a:ext>
-            </a:extLst>
-          </p:cNvPr>
-          <p:cNvSpPr/>
-          <p:nvPr/>
-        </p:nvSpPr>
-        <p:spPr>
-          <a:xfrm>
-            <a:off x="6206654" y="2595426"/>
-            <a:ext cx="2377440" cy="1188720"/>
-          </a:xfrm>
-          <a:prstGeom prst="rect">
-            <a:avLst/>
-          </a:prstGeom>
-          <a:noFill/>
-          <a:ln>
-            <a:solidFill>
-              <a:schemeClr val="tx1"/>
-            </a:solidFill>
-          </a:ln>
-        </p:spPr>
-        <p:style>
-          <a:lnRef idx="2">
-            <a:schemeClr val="accent1">
-              <a:shade val="50000"/>
-            </a:schemeClr>
-          </a:lnRef>
-          <a:fillRef idx="1">
-            <a:schemeClr val="accent1"/>
-          </a:fillRef>
-          <a:effectRef idx="0">
-            <a:schemeClr val="accent1"/>
-          </a:effectRef>
-          <a:fontRef idx="minor">
-            <a:schemeClr val="lt1"/>
-          </a:fontRef>
-        </p:style>
-        <p:txBody>
-          <a:bodyPr rtlCol="0" anchor="ctr"/>
-          <a:lstStyle/>
-          <a:p>
-            <a:pPr algn="ctr"/>
-            <a:endParaRPr lang="en-US"/>
-          </a:p>
-        </p:txBody>
-      </p:sp>
-      <p:sp>
-        <p:nvSpPr>
-          <p:cNvPr id="29" name="Rectangle 28">
-            <a:extLst>
-              <a:ext uri="{FF2B5EF4-FFF2-40B4-BE49-F238E27FC236}">
-                <a16:creationId xmlns:a16="http://schemas.microsoft.com/office/drawing/2014/main" id="{C8625AF3-0E60-4FD7-AE2D-C1AE322A3858}"/>
-              </a:ext>
-            </a:extLst>
-          </p:cNvPr>
-          <p:cNvSpPr/>
-          <p:nvPr/>
-        </p:nvSpPr>
-        <p:spPr>
-          <a:xfrm>
-            <a:off x="3768340" y="4339996"/>
-            <a:ext cx="2377440" cy="1188720"/>
-          </a:xfrm>
-          <a:prstGeom prst="rect">
-            <a:avLst/>
-          </a:prstGeom>
-          <a:noFill/>
-          <a:ln>
-            <a:solidFill>
-              <a:schemeClr val="tx1"/>
-            </a:solidFill>
-          </a:ln>
-        </p:spPr>
-        <p:style>
-          <a:lnRef idx="2">
-            <a:schemeClr val="accent1">
-              <a:shade val="50000"/>
-            </a:schemeClr>
-          </a:lnRef>
-          <a:fillRef idx="1">
-            <a:schemeClr val="accent1"/>
-          </a:fillRef>
-          <a:effectRef idx="0">
-            <a:schemeClr val="accent1"/>
-          </a:effectRef>
-          <a:fontRef idx="minor">
-            <a:schemeClr val="lt1"/>
-          </a:fontRef>
-        </p:style>
-        <p:txBody>
-          <a:bodyPr rtlCol="0" anchor="ctr"/>
-          <a:lstStyle/>
-          <a:p>
-            <a:pPr algn="ctr"/>
-            <a:endParaRPr lang="en-US"/>
-          </a:p>
-        </p:txBody>
-      </p:sp>
-      <p:sp>
-        <p:nvSpPr>
-          <p:cNvPr id="33" name="Rectangle 32">
-            <a:extLst>
-              <a:ext uri="{FF2B5EF4-FFF2-40B4-BE49-F238E27FC236}">
-                <a16:creationId xmlns:a16="http://schemas.microsoft.com/office/drawing/2014/main" id="{02C813AC-B562-494A-A877-BD44E10FF476}"/>
-              </a:ext>
-            </a:extLst>
-          </p:cNvPr>
-          <p:cNvSpPr/>
-          <p:nvPr/>
-        </p:nvSpPr>
-        <p:spPr>
-          <a:xfrm>
-            <a:off x="6233804" y="4336672"/>
-            <a:ext cx="2377440" cy="1188720"/>
-          </a:xfrm>
-          <a:prstGeom prst="rect">
-            <a:avLst/>
-          </a:prstGeom>
-          <a:noFill/>
-          <a:ln>
-            <a:solidFill>
-              <a:schemeClr val="tx1"/>
-            </a:solidFill>
-          </a:ln>
-        </p:spPr>
-        <p:style>
-          <a:lnRef idx="2">
-            <a:schemeClr val="accent1">
-              <a:shade val="50000"/>
-            </a:schemeClr>
-          </a:lnRef>
-          <a:fillRef idx="1">
-            <a:schemeClr val="accent1"/>
-          </a:fillRef>
-          <a:effectRef idx="0">
-            <a:schemeClr val="accent1"/>
-          </a:effectRef>
-          <a:fontRef idx="minor">
-            <a:schemeClr val="lt1"/>
-          </a:fontRef>
-        </p:style>
-        <p:txBody>
-          <a:bodyPr rtlCol="0" anchor="ctr"/>
-          <a:lstStyle/>
-          <a:p>
-            <a:pPr algn="ctr"/>
-            <a:endParaRPr lang="en-US"/>
+          <a:p>
+            <a:r>
+              <a:rPr lang="en-US" dirty="0"/>
+              <a:t>Case F</a:t>
+            </a:r>
           </a:p>
         </p:txBody>
       </p:sp>
     </p:spTree>
     <p:extLst>
       <p:ext uri="{BB962C8B-B14F-4D97-AF65-F5344CB8AC3E}">
-        <p14:creationId xmlns:p14="http://schemas.microsoft.com/office/powerpoint/2010/main" val="731901455"/>
+        <p14:creationId xmlns:p14="http://schemas.microsoft.com/office/powerpoint/2010/main" val="3535557337"/>
       </p:ext>
     </p:extLst>
   </p:cSld>
@@ -4031,12 +4372,1859 @@
           <a:chExt cx="0" cy="0"/>
         </a:xfrm>
       </p:grpSpPr>
-      <p:sp>
-        <p:nvSpPr>
-          <p:cNvPr id="27" name="Rectangle 26">
-            <a:extLst>
-              <a:ext uri="{FF2B5EF4-FFF2-40B4-BE49-F238E27FC236}">
-                <a16:creationId xmlns:a16="http://schemas.microsoft.com/office/drawing/2014/main" id="{7AA556A3-1515-4015-BBBE-EAB2CF64DC47}"/>
+      <mc:AlternateContent xmlns:mc="http://schemas.openxmlformats.org/markup-compatibility/2006" xmlns:a14="http://schemas.microsoft.com/office/drawing/2010/main">
+        <mc:Choice Requires="a14">
+          <p:sp>
+            <p:nvSpPr>
+              <p:cNvPr id="4" name="Rectangle 3">
+                <a:extLst>
+                  <a:ext uri="{FF2B5EF4-FFF2-40B4-BE49-F238E27FC236}">
+                    <a16:creationId xmlns:a16="http://schemas.microsoft.com/office/drawing/2014/main" id="{6F7A2180-9704-40B6-82CC-A78D433F9E56}"/>
+                  </a:ext>
+                </a:extLst>
+              </p:cNvPr>
+              <p:cNvSpPr/>
+              <p:nvPr/>
+            </p:nvSpPr>
+            <p:spPr>
+              <a:xfrm>
+                <a:off x="6951677" y="342833"/>
+                <a:ext cx="2435290" cy="1352939"/>
+              </a:xfrm>
+              <a:prstGeom prst="rect">
+                <a:avLst/>
+              </a:prstGeom>
+              <a:noFill/>
+              <a:ln w="38100">
+                <a:solidFill>
+                  <a:schemeClr val="tx1"/>
+                </a:solidFill>
+              </a:ln>
+            </p:spPr>
+            <p:style>
+              <a:lnRef idx="2">
+                <a:schemeClr val="accent1">
+                  <a:shade val="50000"/>
+                </a:schemeClr>
+              </a:lnRef>
+              <a:fillRef idx="1">
+                <a:schemeClr val="accent1"/>
+              </a:fillRef>
+              <a:effectRef idx="0">
+                <a:schemeClr val="accent1"/>
+              </a:effectRef>
+              <a:fontRef idx="minor">
+                <a:schemeClr val="lt1"/>
+              </a:fontRef>
+            </p:style>
+            <p:txBody>
+              <a:bodyPr rtlCol="0" anchor="ctr"/>
+              <a:lstStyle/>
+              <a:p>
+                <a:pPr algn="ctr"/>
+                <a:endParaRPr lang="en-US" dirty="0">
+                  <a:solidFill>
+                    <a:schemeClr val="tx1"/>
+                  </a:solidFill>
+                  <a:latin typeface="Times New Roman" panose="02020603050405020304" pitchFamily="18" charset="0"/>
+                  <a:cs typeface="Times New Roman" panose="02020603050405020304" pitchFamily="18" charset="0"/>
+                </a:endParaRPr>
+              </a:p>
+              <a:p>
+                <a:pPr algn="ctr"/>
+                <a:r>
+                  <a:rPr lang="en-US" dirty="0">
+                    <a:solidFill>
+                      <a:schemeClr val="tx1"/>
+                    </a:solidFill>
+                    <a:latin typeface="Times New Roman" panose="02020603050405020304" pitchFamily="18" charset="0"/>
+                    <a:cs typeface="Times New Roman" panose="02020603050405020304" pitchFamily="18" charset="0"/>
+                  </a:rPr>
+                  <a:t>Constant IPT Power</a:t>
+                </a:r>
+              </a:p>
+              <a:p>
+                <a:pPr algn="ctr"/>
+                <a:r>
+                  <a:rPr lang="en-US" dirty="0">
+                    <a:solidFill>
+                      <a:schemeClr val="tx1"/>
+                    </a:solidFill>
+                    <a:latin typeface="Times New Roman" panose="02020603050405020304" pitchFamily="18" charset="0"/>
+                    <a:cs typeface="Times New Roman" panose="02020603050405020304" pitchFamily="18" charset="0"/>
+                  </a:rPr>
+                  <a:t>(</a:t>
+                </a:r>
+                <a14:m>
+                  <m:oMath xmlns:m="http://schemas.openxmlformats.org/officeDocument/2006/math">
+                    <m:sSub>
+                      <m:sSubPr>
+                        <m:ctrlPr>
+                          <a:rPr lang="en-US" i="1">
+                            <a:solidFill>
+                              <a:schemeClr val="tx1"/>
+                            </a:solidFill>
+                            <a:latin typeface="Cambria Math" panose="02040503050406030204" pitchFamily="18" charset="0"/>
+                            <a:cs typeface="Times New Roman" panose="02020603050405020304" pitchFamily="18" charset="0"/>
+                          </a:rPr>
+                        </m:ctrlPr>
+                      </m:sSubPr>
+                      <m:e>
+                        <m:r>
+                          <a:rPr lang="en-US" i="1">
+                            <a:solidFill>
+                              <a:schemeClr val="tx1"/>
+                            </a:solidFill>
+                            <a:latin typeface="Cambria Math" panose="02040503050406030204" pitchFamily="18" charset="0"/>
+                            <a:cs typeface="Times New Roman" panose="02020603050405020304" pitchFamily="18" charset="0"/>
+                          </a:rPr>
+                          <m:t>𝑓</m:t>
+                        </m:r>
+                      </m:e>
+                      <m:sub>
+                        <m:r>
+                          <a:rPr lang="en-US" i="1">
+                            <a:solidFill>
+                              <a:schemeClr val="tx1"/>
+                            </a:solidFill>
+                            <a:latin typeface="Cambria Math" panose="02040503050406030204" pitchFamily="18" charset="0"/>
+                            <a:cs typeface="Times New Roman" panose="02020603050405020304" pitchFamily="18" charset="0"/>
+                          </a:rPr>
+                          <m:t>𝑜𝑝</m:t>
+                        </m:r>
+                      </m:sub>
+                    </m:sSub>
+                  </m:oMath>
+                </a14:m>
+                <a:r>
+                  <a:rPr lang="en-US" dirty="0">
+                    <a:solidFill>
+                      <a:schemeClr val="tx1"/>
+                    </a:solidFill>
+                    <a:latin typeface="Times New Roman" panose="02020603050405020304" pitchFamily="18" charset="0"/>
+                    <a:cs typeface="Times New Roman" panose="02020603050405020304" pitchFamily="18" charset="0"/>
+                  </a:rPr>
+                  <a:t>=77kHz)</a:t>
+                </a:r>
+              </a:p>
+              <a:p>
+                <a:pPr algn="ctr"/>
+                <a:r>
+                  <a:rPr lang="en-US" dirty="0">
+                    <a:solidFill>
+                      <a:schemeClr val="tx1"/>
+                    </a:solidFill>
+                    <a:latin typeface="Times New Roman" panose="02020603050405020304" pitchFamily="18" charset="0"/>
+                    <a:cs typeface="Times New Roman" panose="02020603050405020304" pitchFamily="18" charset="0"/>
+                  </a:rPr>
+                  <a:t>(</a:t>
+                </a:r>
+                <a14:m>
+                  <m:oMath xmlns:m="http://schemas.openxmlformats.org/officeDocument/2006/math">
+                    <m:r>
+                      <a:rPr lang="en-US" i="1">
+                        <a:solidFill>
+                          <a:schemeClr val="tx1"/>
+                        </a:solidFill>
+                        <a:latin typeface="Cambria Math" panose="02040503050406030204" pitchFamily="18" charset="0"/>
+                        <a:cs typeface="Times New Roman" panose="02020603050405020304" pitchFamily="18" charset="0"/>
+                      </a:rPr>
+                      <m:t>𝐷</m:t>
+                    </m:r>
+                  </m:oMath>
+                </a14:m>
+                <a:r>
+                  <a:rPr lang="en-US" dirty="0">
+                    <a:solidFill>
+                      <a:schemeClr val="tx1"/>
+                    </a:solidFill>
+                    <a:latin typeface="Times New Roman" panose="02020603050405020304" pitchFamily="18" charset="0"/>
+                    <a:cs typeface="Times New Roman" panose="02020603050405020304" pitchFamily="18" charset="0"/>
+                  </a:rPr>
+                  <a:t>=0.75)</a:t>
+                </a:r>
+              </a:p>
+              <a:p>
+                <a:pPr algn="ctr"/>
+                <a:r>
+                  <a:rPr lang="en-US" dirty="0">
+                    <a:solidFill>
+                      <a:schemeClr val="tx1"/>
+                    </a:solidFill>
+                    <a:latin typeface="Times New Roman" panose="02020603050405020304" pitchFamily="18" charset="0"/>
+                    <a:cs typeface="Times New Roman" panose="02020603050405020304" pitchFamily="18" charset="0"/>
+                  </a:rPr>
+                  <a:t>(</a:t>
+                </a:r>
+                <a14:m>
+                  <m:oMath xmlns:m="http://schemas.openxmlformats.org/officeDocument/2006/math">
+                    <m:sSub>
+                      <m:sSubPr>
+                        <m:ctrlPr>
+                          <a:rPr lang="en-US" i="1">
+                            <a:solidFill>
+                              <a:schemeClr val="tx1"/>
+                            </a:solidFill>
+                            <a:latin typeface="Cambria Math" panose="02040503050406030204" pitchFamily="18" charset="0"/>
+                            <a:cs typeface="Times New Roman" panose="02020603050405020304" pitchFamily="18" charset="0"/>
+                          </a:rPr>
+                        </m:ctrlPr>
+                      </m:sSubPr>
+                      <m:e>
+                        <m:r>
+                          <a:rPr lang="en-US" i="1">
+                            <a:solidFill>
+                              <a:schemeClr val="tx1"/>
+                            </a:solidFill>
+                            <a:latin typeface="Cambria Math" panose="02040503050406030204" pitchFamily="18" charset="0"/>
+                            <a:cs typeface="Times New Roman" panose="02020603050405020304" pitchFamily="18" charset="0"/>
+                          </a:rPr>
+                          <m:t>𝑇</m:t>
+                        </m:r>
+                      </m:e>
+                      <m:sub>
+                        <m:r>
+                          <a:rPr lang="en-US" i="1">
+                            <a:solidFill>
+                              <a:schemeClr val="tx1"/>
+                            </a:solidFill>
+                            <a:latin typeface="Cambria Math" panose="02040503050406030204" pitchFamily="18" charset="0"/>
+                            <a:cs typeface="Times New Roman" panose="02020603050405020304" pitchFamily="18" charset="0"/>
+                          </a:rPr>
+                          <m:t>𝐿</m:t>
+                        </m:r>
+                      </m:sub>
+                    </m:sSub>
+                  </m:oMath>
+                </a14:m>
+                <a:r>
+                  <a:rPr lang="en-US" dirty="0">
+                    <a:solidFill>
+                      <a:schemeClr val="tx1"/>
+                    </a:solidFill>
+                    <a:latin typeface="Times New Roman" panose="02020603050405020304" pitchFamily="18" charset="0"/>
+                    <a:cs typeface="Times New Roman" panose="02020603050405020304" pitchFamily="18" charset="0"/>
+                  </a:rPr>
+                  <a:t>= x1)</a:t>
+                </a:r>
+              </a:p>
+              <a:p>
+                <a:pPr algn="ctr"/>
+                <a:endParaRPr lang="en-US" dirty="0">
+                  <a:solidFill>
+                    <a:schemeClr val="tx1"/>
+                  </a:solidFill>
+                  <a:latin typeface="Times New Roman" panose="02020603050405020304" pitchFamily="18" charset="0"/>
+                  <a:cs typeface="Times New Roman" panose="02020603050405020304" pitchFamily="18" charset="0"/>
+                </a:endParaRPr>
+              </a:p>
+              <a:p>
+                <a:pPr algn="ctr"/>
+                <a:endParaRPr lang="en-US" dirty="0">
+                  <a:solidFill>
+                    <a:schemeClr val="tx1"/>
+                  </a:solidFill>
+                  <a:latin typeface="Times New Roman" panose="02020603050405020304" pitchFamily="18" charset="0"/>
+                  <a:cs typeface="Times New Roman" panose="02020603050405020304" pitchFamily="18" charset="0"/>
+                </a:endParaRPr>
+              </a:p>
+            </p:txBody>
+          </p:sp>
+        </mc:Choice>
+        <mc:Fallback xmlns="">
+          <p:sp>
+            <p:nvSpPr>
+              <p:cNvPr id="4" name="Rectangle 3">
+                <a:extLst>
+                  <a:ext uri="{FF2B5EF4-FFF2-40B4-BE49-F238E27FC236}">
+                    <a16:creationId xmlns:a16="http://schemas.microsoft.com/office/drawing/2014/main" id="{6F7A2180-9704-40B6-82CC-A78D433F9E56}"/>
+                  </a:ext>
+                </a:extLst>
+              </p:cNvPr>
+              <p:cNvSpPr>
+                <a:spLocks noRot="1" noChangeAspect="1" noMove="1" noResize="1" noEditPoints="1" noAdjustHandles="1" noChangeArrowheads="1" noChangeShapeType="1" noTextEdit="1"/>
+              </p:cNvSpPr>
+              <p:nvPr/>
+            </p:nvSpPr>
+            <p:spPr>
+              <a:xfrm>
+                <a:off x="6951677" y="342833"/>
+                <a:ext cx="2435290" cy="1352939"/>
+              </a:xfrm>
+              <a:prstGeom prst="rect">
+                <a:avLst/>
+              </a:prstGeom>
+              <a:blipFill>
+                <a:blip r:embed="rId2"/>
+                <a:stretch>
+                  <a:fillRect t="-5702"/>
+                </a:stretch>
+              </a:blipFill>
+              <a:ln w="38100">
+                <a:solidFill>
+                  <a:schemeClr val="tx1"/>
+                </a:solidFill>
+              </a:ln>
+            </p:spPr>
+            <p:txBody>
+              <a:bodyPr/>
+              <a:lstStyle/>
+              <a:p>
+                <a:r>
+                  <a:rPr lang="en-US">
+                    <a:noFill/>
+                  </a:rPr>
+                  <a:t> </a:t>
+                </a:r>
+              </a:p>
+            </p:txBody>
+          </p:sp>
+        </mc:Fallback>
+      </mc:AlternateContent>
+      <mc:AlternateContent xmlns:mc="http://schemas.openxmlformats.org/markup-compatibility/2006" xmlns:a14="http://schemas.microsoft.com/office/drawing/2010/main">
+        <mc:Choice Requires="a14">
+          <p:sp>
+            <p:nvSpPr>
+              <p:cNvPr id="5" name="Rectangle: Rounded Corners 4">
+                <a:extLst>
+                  <a:ext uri="{FF2B5EF4-FFF2-40B4-BE49-F238E27FC236}">
+                    <a16:creationId xmlns:a16="http://schemas.microsoft.com/office/drawing/2014/main" id="{9B224573-C9E6-4C65-A2B1-A12CF067E3AA}"/>
+                  </a:ext>
+                </a:extLst>
+              </p:cNvPr>
+              <p:cNvSpPr/>
+              <p:nvPr/>
+            </p:nvSpPr>
+            <p:spPr>
+              <a:xfrm>
+                <a:off x="3077419" y="369508"/>
+                <a:ext cx="2624378" cy="1303555"/>
+              </a:xfrm>
+              <a:prstGeom prst="roundRect">
+                <a:avLst/>
+              </a:prstGeom>
+              <a:noFill/>
+              <a:ln w="28575">
+                <a:solidFill>
+                  <a:schemeClr val="tx1"/>
+                </a:solidFill>
+              </a:ln>
+            </p:spPr>
+            <p:style>
+              <a:lnRef idx="2">
+                <a:schemeClr val="accent1">
+                  <a:shade val="50000"/>
+                </a:schemeClr>
+              </a:lnRef>
+              <a:fillRef idx="1">
+                <a:schemeClr val="accent1"/>
+              </a:fillRef>
+              <a:effectRef idx="0">
+                <a:schemeClr val="accent1"/>
+              </a:effectRef>
+              <a:fontRef idx="minor">
+                <a:schemeClr val="lt1"/>
+              </a:fontRef>
+            </p:style>
+            <p:txBody>
+              <a:bodyPr rtlCol="0" anchor="ctr"/>
+              <a:lstStyle/>
+              <a:p>
+                <a:pPr algn="ctr"/>
+                <a:r>
+                  <a:rPr lang="en-US" dirty="0">
+                    <a:solidFill>
+                      <a:schemeClr val="tx1"/>
+                    </a:solidFill>
+                    <a:latin typeface="Times New Roman" panose="02020603050405020304" pitchFamily="18" charset="0"/>
+                    <a:cs typeface="Times New Roman" panose="02020603050405020304" pitchFamily="18" charset="0"/>
+                  </a:rPr>
+                  <a:t>Initial Operation</a:t>
+                </a:r>
+              </a:p>
+              <a:p>
+                <a:pPr algn="ctr"/>
+                <a:r>
+                  <a:rPr lang="en-US" dirty="0">
+                    <a:solidFill>
+                      <a:schemeClr val="tx1"/>
+                    </a:solidFill>
+                    <a:latin typeface="Times New Roman" panose="02020603050405020304" pitchFamily="18" charset="0"/>
+                    <a:cs typeface="Times New Roman" panose="02020603050405020304" pitchFamily="18" charset="0"/>
+                  </a:rPr>
+                  <a:t>(</a:t>
+                </a:r>
+                <a14:m>
+                  <m:oMath xmlns:m="http://schemas.openxmlformats.org/officeDocument/2006/math">
+                    <m:sSub>
+                      <m:sSubPr>
+                        <m:ctrlPr>
+                          <a:rPr lang="en-US" i="1">
+                            <a:solidFill>
+                              <a:schemeClr val="tx1"/>
+                            </a:solidFill>
+                            <a:latin typeface="Cambria Math" panose="02040503050406030204" pitchFamily="18" charset="0"/>
+                            <a:cs typeface="Times New Roman" panose="02020603050405020304" pitchFamily="18" charset="0"/>
+                          </a:rPr>
+                        </m:ctrlPr>
+                      </m:sSubPr>
+                      <m:e>
+                        <m:r>
+                          <a:rPr lang="en-US" i="1">
+                            <a:solidFill>
+                              <a:schemeClr val="tx1"/>
+                            </a:solidFill>
+                            <a:latin typeface="Cambria Math" panose="02040503050406030204" pitchFamily="18" charset="0"/>
+                            <a:cs typeface="Times New Roman" panose="02020603050405020304" pitchFamily="18" charset="0"/>
+                          </a:rPr>
+                          <m:t>𝑓</m:t>
+                        </m:r>
+                      </m:e>
+                      <m:sub>
+                        <m:r>
+                          <a:rPr lang="en-US" i="1">
+                            <a:solidFill>
+                              <a:schemeClr val="tx1"/>
+                            </a:solidFill>
+                            <a:latin typeface="Cambria Math" panose="02040503050406030204" pitchFamily="18" charset="0"/>
+                            <a:cs typeface="Times New Roman" panose="02020603050405020304" pitchFamily="18" charset="0"/>
+                          </a:rPr>
+                          <m:t>𝑜𝑝</m:t>
+                        </m:r>
+                      </m:sub>
+                    </m:sSub>
+                  </m:oMath>
+                </a14:m>
+                <a:r>
+                  <a:rPr lang="en-US" dirty="0">
+                    <a:solidFill>
+                      <a:schemeClr val="tx1"/>
+                    </a:solidFill>
+                    <a:latin typeface="Times New Roman" panose="02020603050405020304" pitchFamily="18" charset="0"/>
+                    <a:cs typeface="Times New Roman" panose="02020603050405020304" pitchFamily="18" charset="0"/>
+                  </a:rPr>
+                  <a:t>=86.5kHz)</a:t>
+                </a:r>
+              </a:p>
+              <a:p>
+                <a:pPr algn="ctr"/>
+                <a:r>
+                  <a:rPr lang="en-US" dirty="0">
+                    <a:solidFill>
+                      <a:schemeClr val="tx1"/>
+                    </a:solidFill>
+                    <a:latin typeface="Times New Roman" panose="02020603050405020304" pitchFamily="18" charset="0"/>
+                    <a:cs typeface="Times New Roman" panose="02020603050405020304" pitchFamily="18" charset="0"/>
+                  </a:rPr>
+                  <a:t>(</a:t>
+                </a:r>
+                <a14:m>
+                  <m:oMath xmlns:m="http://schemas.openxmlformats.org/officeDocument/2006/math">
+                    <m:r>
+                      <a:rPr lang="en-US" i="1">
+                        <a:solidFill>
+                          <a:schemeClr val="tx1"/>
+                        </a:solidFill>
+                        <a:latin typeface="Cambria Math" panose="02040503050406030204" pitchFamily="18" charset="0"/>
+                        <a:cs typeface="Times New Roman" panose="02020603050405020304" pitchFamily="18" charset="0"/>
+                      </a:rPr>
+                      <m:t>𝐷</m:t>
+                    </m:r>
+                  </m:oMath>
+                </a14:m>
+                <a:r>
+                  <a:rPr lang="en-US" dirty="0">
+                    <a:solidFill>
+                      <a:schemeClr val="tx1"/>
+                    </a:solidFill>
+                    <a:latin typeface="Times New Roman" panose="02020603050405020304" pitchFamily="18" charset="0"/>
+                    <a:cs typeface="Times New Roman" panose="02020603050405020304" pitchFamily="18" charset="0"/>
+                  </a:rPr>
+                  <a:t>=0.6)</a:t>
+                </a:r>
+              </a:p>
+              <a:p>
+                <a:pPr algn="ctr"/>
+                <a:r>
+                  <a:rPr lang="en-US" dirty="0">
+                    <a:solidFill>
+                      <a:schemeClr val="tx1"/>
+                    </a:solidFill>
+                    <a:latin typeface="Times New Roman" panose="02020603050405020304" pitchFamily="18" charset="0"/>
+                    <a:cs typeface="Times New Roman" panose="02020603050405020304" pitchFamily="18" charset="0"/>
+                  </a:rPr>
+                  <a:t>(</a:t>
+                </a:r>
+                <a14:m>
+                  <m:oMath xmlns:m="http://schemas.openxmlformats.org/officeDocument/2006/math">
+                    <m:sSub>
+                      <m:sSubPr>
+                        <m:ctrlPr>
+                          <a:rPr lang="en-US" i="1">
+                            <a:solidFill>
+                              <a:schemeClr val="tx1"/>
+                            </a:solidFill>
+                            <a:latin typeface="Cambria Math" panose="02040503050406030204" pitchFamily="18" charset="0"/>
+                            <a:cs typeface="Times New Roman" panose="02020603050405020304" pitchFamily="18" charset="0"/>
+                          </a:rPr>
+                        </m:ctrlPr>
+                      </m:sSubPr>
+                      <m:e>
+                        <m:r>
+                          <a:rPr lang="en-US" i="1">
+                            <a:solidFill>
+                              <a:schemeClr val="tx1"/>
+                            </a:solidFill>
+                            <a:latin typeface="Cambria Math" panose="02040503050406030204" pitchFamily="18" charset="0"/>
+                            <a:cs typeface="Times New Roman" panose="02020603050405020304" pitchFamily="18" charset="0"/>
+                          </a:rPr>
+                          <m:t>𝑇</m:t>
+                        </m:r>
+                      </m:e>
+                      <m:sub>
+                        <m:r>
+                          <a:rPr lang="en-US" i="1">
+                            <a:solidFill>
+                              <a:schemeClr val="tx1"/>
+                            </a:solidFill>
+                            <a:latin typeface="Cambria Math" panose="02040503050406030204" pitchFamily="18" charset="0"/>
+                            <a:cs typeface="Times New Roman" panose="02020603050405020304" pitchFamily="18" charset="0"/>
+                          </a:rPr>
+                          <m:t>𝐿</m:t>
+                        </m:r>
+                      </m:sub>
+                    </m:sSub>
+                  </m:oMath>
+                </a14:m>
+                <a:r>
+                  <a:rPr lang="en-US" dirty="0">
+                    <a:solidFill>
+                      <a:schemeClr val="tx1"/>
+                    </a:solidFill>
+                    <a:latin typeface="Times New Roman" panose="02020603050405020304" pitchFamily="18" charset="0"/>
+                    <a:cs typeface="Times New Roman" panose="02020603050405020304" pitchFamily="18" charset="0"/>
+                  </a:rPr>
+                  <a:t>= x1)</a:t>
+                </a:r>
+                <a:endParaRPr lang="en-US" dirty="0"/>
+              </a:p>
+            </p:txBody>
+          </p:sp>
+        </mc:Choice>
+        <mc:Fallback xmlns="">
+          <p:sp>
+            <p:nvSpPr>
+              <p:cNvPr id="5" name="Rectangle: Rounded Corners 4">
+                <a:extLst>
+                  <a:ext uri="{FF2B5EF4-FFF2-40B4-BE49-F238E27FC236}">
+                    <a16:creationId xmlns:a16="http://schemas.microsoft.com/office/drawing/2014/main" id="{9B224573-C9E6-4C65-A2B1-A12CF067E3AA}"/>
+                  </a:ext>
+                </a:extLst>
+              </p:cNvPr>
+              <p:cNvSpPr>
+                <a:spLocks noRot="1" noChangeAspect="1" noMove="1" noResize="1" noEditPoints="1" noAdjustHandles="1" noChangeArrowheads="1" noChangeShapeType="1" noTextEdit="1"/>
+              </p:cNvSpPr>
+              <p:nvPr/>
+            </p:nvSpPr>
+            <p:spPr>
+              <a:xfrm>
+                <a:off x="3077419" y="369508"/>
+                <a:ext cx="2624378" cy="1303555"/>
+              </a:xfrm>
+              <a:prstGeom prst="roundRect">
+                <a:avLst/>
+              </a:prstGeom>
+              <a:blipFill>
+                <a:blip r:embed="rId3"/>
+                <a:stretch>
+                  <a:fillRect b="-2294"/>
+                </a:stretch>
+              </a:blipFill>
+              <a:ln w="28575">
+                <a:solidFill>
+                  <a:schemeClr val="tx1"/>
+                </a:solidFill>
+              </a:ln>
+            </p:spPr>
+            <p:txBody>
+              <a:bodyPr/>
+              <a:lstStyle/>
+              <a:p>
+                <a:r>
+                  <a:rPr lang="en-US">
+                    <a:noFill/>
+                  </a:rPr>
+                  <a:t> </a:t>
+                </a:r>
+              </a:p>
+            </p:txBody>
+          </p:sp>
+        </mc:Fallback>
+      </mc:AlternateContent>
+      <p:cxnSp>
+        <p:nvCxnSpPr>
+          <p:cNvPr id="6" name="Straight Arrow Connector 5">
+            <a:extLst>
+              <a:ext uri="{FF2B5EF4-FFF2-40B4-BE49-F238E27FC236}">
+                <a16:creationId xmlns:a16="http://schemas.microsoft.com/office/drawing/2014/main" id="{0C239125-51B4-4F85-AEBD-C3C854946FB4}"/>
+              </a:ext>
+            </a:extLst>
+          </p:cNvPr>
+          <p:cNvCxnSpPr>
+            <a:cxnSpLocks/>
+            <a:stCxn id="5" idx="3"/>
+            <a:endCxn id="4" idx="1"/>
+          </p:cNvCxnSpPr>
+          <p:nvPr/>
+        </p:nvCxnSpPr>
+        <p:spPr>
+          <a:xfrm flipV="1">
+            <a:off x="5701797" y="1019303"/>
+            <a:ext cx="1249880" cy="1983"/>
+          </a:xfrm>
+          <a:prstGeom prst="straightConnector1">
+            <a:avLst/>
+          </a:prstGeom>
+          <a:ln w="28575">
+            <a:solidFill>
+              <a:schemeClr val="tx1"/>
+            </a:solidFill>
+            <a:tailEnd type="triangle"/>
+          </a:ln>
+        </p:spPr>
+        <p:style>
+          <a:lnRef idx="1">
+            <a:schemeClr val="accent1"/>
+          </a:lnRef>
+          <a:fillRef idx="0">
+            <a:schemeClr val="accent1"/>
+          </a:fillRef>
+          <a:effectRef idx="0">
+            <a:schemeClr val="accent1"/>
+          </a:effectRef>
+          <a:fontRef idx="minor">
+            <a:schemeClr val="tx1"/>
+          </a:fontRef>
+        </p:style>
+      </p:cxnSp>
+      <p:sp>
+        <p:nvSpPr>
+          <p:cNvPr id="7" name="TextBox 6">
+            <a:extLst>
+              <a:ext uri="{FF2B5EF4-FFF2-40B4-BE49-F238E27FC236}">
+                <a16:creationId xmlns:a16="http://schemas.microsoft.com/office/drawing/2014/main" id="{7F831811-6699-4087-9C87-2E4CBC606982}"/>
+              </a:ext>
+            </a:extLst>
+          </p:cNvPr>
+          <p:cNvSpPr txBox="1"/>
+          <p:nvPr/>
+        </p:nvSpPr>
+        <p:spPr>
+          <a:xfrm>
+            <a:off x="5920105" y="249542"/>
+            <a:ext cx="1387806" cy="738664"/>
+          </a:xfrm>
+          <a:prstGeom prst="rect">
+            <a:avLst/>
+          </a:prstGeom>
+          <a:noFill/>
+        </p:spPr>
+        <p:txBody>
+          <a:bodyPr wrap="square" rtlCol="0">
+            <a:spAutoFit/>
+          </a:bodyPr>
+          <a:lstStyle/>
+          <a:p>
+            <a:r>
+              <a:rPr lang="en-US" sz="1400" dirty="0"/>
+              <a:t>Motor </a:t>
+            </a:r>
+          </a:p>
+          <a:p>
+            <a:r>
+              <a:rPr lang="en-US" sz="1400" dirty="0"/>
+              <a:t>Speed </a:t>
+            </a:r>
+          </a:p>
+          <a:p>
+            <a:r>
+              <a:rPr lang="en-US" sz="1400" dirty="0"/>
+              <a:t>Control</a:t>
+            </a:r>
+          </a:p>
+        </p:txBody>
+      </p:sp>
+      <mc:AlternateContent xmlns:mc="http://schemas.openxmlformats.org/markup-compatibility/2006" xmlns:a14="http://schemas.microsoft.com/office/drawing/2010/main">
+        <mc:Choice Requires="a14">
+          <p:sp>
+            <p:nvSpPr>
+              <p:cNvPr id="8" name="Rectangle 7">
+                <a:extLst>
+                  <a:ext uri="{FF2B5EF4-FFF2-40B4-BE49-F238E27FC236}">
+                    <a16:creationId xmlns:a16="http://schemas.microsoft.com/office/drawing/2014/main" id="{84B914C7-CE02-4106-BFCC-38656CF79C39}"/>
+                  </a:ext>
+                </a:extLst>
+              </p:cNvPr>
+              <p:cNvSpPr/>
+              <p:nvPr/>
+            </p:nvSpPr>
+            <p:spPr>
+              <a:xfrm>
+                <a:off x="6951677" y="2592325"/>
+                <a:ext cx="2435290" cy="1352939"/>
+              </a:xfrm>
+              <a:prstGeom prst="rect">
+                <a:avLst/>
+              </a:prstGeom>
+              <a:noFill/>
+              <a:ln w="38100">
+                <a:solidFill>
+                  <a:schemeClr val="tx1"/>
+                </a:solidFill>
+              </a:ln>
+            </p:spPr>
+            <p:style>
+              <a:lnRef idx="2">
+                <a:schemeClr val="accent1">
+                  <a:shade val="50000"/>
+                </a:schemeClr>
+              </a:lnRef>
+              <a:fillRef idx="1">
+                <a:schemeClr val="accent1"/>
+              </a:fillRef>
+              <a:effectRef idx="0">
+                <a:schemeClr val="accent1"/>
+              </a:effectRef>
+              <a:fontRef idx="minor">
+                <a:schemeClr val="lt1"/>
+              </a:fontRef>
+            </p:style>
+            <p:txBody>
+              <a:bodyPr rtlCol="0" anchor="ctr"/>
+              <a:lstStyle/>
+              <a:p>
+                <a:pPr algn="ctr"/>
+                <a:endParaRPr lang="en-US" dirty="0">
+                  <a:solidFill>
+                    <a:schemeClr val="tx1"/>
+                  </a:solidFill>
+                  <a:latin typeface="Times New Roman" panose="02020603050405020304" pitchFamily="18" charset="0"/>
+                  <a:cs typeface="Times New Roman" panose="02020603050405020304" pitchFamily="18" charset="0"/>
+                </a:endParaRPr>
+              </a:p>
+              <a:p>
+                <a:pPr algn="ctr"/>
+                <a:r>
+                  <a:rPr lang="en-US" dirty="0">
+                    <a:solidFill>
+                      <a:schemeClr val="tx1"/>
+                    </a:solidFill>
+                    <a:latin typeface="Times New Roman" panose="02020603050405020304" pitchFamily="18" charset="0"/>
+                    <a:cs typeface="Times New Roman" panose="02020603050405020304" pitchFamily="18" charset="0"/>
+                  </a:rPr>
+                  <a:t>Constant IPT Power</a:t>
+                </a:r>
+              </a:p>
+              <a:p>
+                <a:pPr algn="ctr"/>
+                <a:r>
+                  <a:rPr lang="en-US" dirty="0">
+                    <a:solidFill>
+                      <a:schemeClr val="tx1"/>
+                    </a:solidFill>
+                    <a:latin typeface="Times New Roman" panose="02020603050405020304" pitchFamily="18" charset="0"/>
+                    <a:cs typeface="Times New Roman" panose="02020603050405020304" pitchFamily="18" charset="0"/>
+                  </a:rPr>
+                  <a:t>(</a:t>
+                </a:r>
+                <a14:m>
+                  <m:oMath xmlns:m="http://schemas.openxmlformats.org/officeDocument/2006/math">
+                    <m:sSub>
+                      <m:sSubPr>
+                        <m:ctrlPr>
+                          <a:rPr lang="en-US" i="1">
+                            <a:solidFill>
+                              <a:schemeClr val="tx1"/>
+                            </a:solidFill>
+                            <a:latin typeface="Cambria Math" panose="02040503050406030204" pitchFamily="18" charset="0"/>
+                            <a:cs typeface="Times New Roman" panose="02020603050405020304" pitchFamily="18" charset="0"/>
+                          </a:rPr>
+                        </m:ctrlPr>
+                      </m:sSubPr>
+                      <m:e>
+                        <m:r>
+                          <a:rPr lang="en-US" i="1">
+                            <a:solidFill>
+                              <a:schemeClr val="tx1"/>
+                            </a:solidFill>
+                            <a:latin typeface="Cambria Math" panose="02040503050406030204" pitchFamily="18" charset="0"/>
+                            <a:cs typeface="Times New Roman" panose="02020603050405020304" pitchFamily="18" charset="0"/>
+                          </a:rPr>
+                          <m:t>𝑓</m:t>
+                        </m:r>
+                      </m:e>
+                      <m:sub>
+                        <m:r>
+                          <a:rPr lang="en-US" i="1">
+                            <a:solidFill>
+                              <a:schemeClr val="tx1"/>
+                            </a:solidFill>
+                            <a:latin typeface="Cambria Math" panose="02040503050406030204" pitchFamily="18" charset="0"/>
+                            <a:cs typeface="Times New Roman" panose="02020603050405020304" pitchFamily="18" charset="0"/>
+                          </a:rPr>
+                          <m:t>𝑜𝑝</m:t>
+                        </m:r>
+                      </m:sub>
+                    </m:sSub>
+                  </m:oMath>
+                </a14:m>
+                <a:r>
+                  <a:rPr lang="en-US" dirty="0">
+                    <a:solidFill>
+                      <a:schemeClr val="tx1"/>
+                    </a:solidFill>
+                    <a:latin typeface="Times New Roman" panose="02020603050405020304" pitchFamily="18" charset="0"/>
+                    <a:cs typeface="Times New Roman" panose="02020603050405020304" pitchFamily="18" charset="0"/>
+                  </a:rPr>
+                  <a:t>=77kHz)</a:t>
+                </a:r>
+              </a:p>
+              <a:p>
+                <a:pPr algn="ctr"/>
+                <a:r>
+                  <a:rPr lang="en-US" dirty="0">
+                    <a:solidFill>
+                      <a:schemeClr val="tx1"/>
+                    </a:solidFill>
+                    <a:latin typeface="Times New Roman" panose="02020603050405020304" pitchFamily="18" charset="0"/>
+                    <a:cs typeface="Times New Roman" panose="02020603050405020304" pitchFamily="18" charset="0"/>
+                  </a:rPr>
+                  <a:t>(</a:t>
+                </a:r>
+                <a14:m>
+                  <m:oMath xmlns:m="http://schemas.openxmlformats.org/officeDocument/2006/math">
+                    <m:r>
+                      <a:rPr lang="en-US" i="1">
+                        <a:solidFill>
+                          <a:schemeClr val="tx1"/>
+                        </a:solidFill>
+                        <a:latin typeface="Cambria Math" panose="02040503050406030204" pitchFamily="18" charset="0"/>
+                        <a:cs typeface="Times New Roman" panose="02020603050405020304" pitchFamily="18" charset="0"/>
+                      </a:rPr>
+                      <m:t>𝐷</m:t>
+                    </m:r>
+                  </m:oMath>
+                </a14:m>
+                <a:r>
+                  <a:rPr lang="en-US" dirty="0">
+                    <a:solidFill>
+                      <a:schemeClr val="tx1"/>
+                    </a:solidFill>
+                    <a:latin typeface="Times New Roman" panose="02020603050405020304" pitchFamily="18" charset="0"/>
+                    <a:cs typeface="Times New Roman" panose="02020603050405020304" pitchFamily="18" charset="0"/>
+                  </a:rPr>
+                  <a:t>=0.75)</a:t>
+                </a:r>
+              </a:p>
+              <a:p>
+                <a:pPr algn="ctr"/>
+                <a:r>
+                  <a:rPr lang="en-US" dirty="0">
+                    <a:solidFill>
+                      <a:schemeClr val="tx1"/>
+                    </a:solidFill>
+                    <a:latin typeface="Times New Roman" panose="02020603050405020304" pitchFamily="18" charset="0"/>
+                    <a:cs typeface="Times New Roman" panose="02020603050405020304" pitchFamily="18" charset="0"/>
+                  </a:rPr>
+                  <a:t>(</a:t>
+                </a:r>
+                <a14:m>
+                  <m:oMath xmlns:m="http://schemas.openxmlformats.org/officeDocument/2006/math">
+                    <m:sSub>
+                      <m:sSubPr>
+                        <m:ctrlPr>
+                          <a:rPr lang="en-US" i="1">
+                            <a:solidFill>
+                              <a:schemeClr val="tx1"/>
+                            </a:solidFill>
+                            <a:latin typeface="Cambria Math" panose="02040503050406030204" pitchFamily="18" charset="0"/>
+                            <a:cs typeface="Times New Roman" panose="02020603050405020304" pitchFamily="18" charset="0"/>
+                          </a:rPr>
+                        </m:ctrlPr>
+                      </m:sSubPr>
+                      <m:e>
+                        <m:r>
+                          <a:rPr lang="en-US" i="1">
+                            <a:solidFill>
+                              <a:schemeClr val="tx1"/>
+                            </a:solidFill>
+                            <a:latin typeface="Cambria Math" panose="02040503050406030204" pitchFamily="18" charset="0"/>
+                            <a:cs typeface="Times New Roman" panose="02020603050405020304" pitchFamily="18" charset="0"/>
+                          </a:rPr>
+                          <m:t>𝑇</m:t>
+                        </m:r>
+                      </m:e>
+                      <m:sub>
+                        <m:r>
+                          <a:rPr lang="en-US" i="1">
+                            <a:solidFill>
+                              <a:schemeClr val="tx1"/>
+                            </a:solidFill>
+                            <a:latin typeface="Cambria Math" panose="02040503050406030204" pitchFamily="18" charset="0"/>
+                            <a:cs typeface="Times New Roman" panose="02020603050405020304" pitchFamily="18" charset="0"/>
+                          </a:rPr>
+                          <m:t>𝐿</m:t>
+                        </m:r>
+                      </m:sub>
+                    </m:sSub>
+                  </m:oMath>
+                </a14:m>
+                <a:r>
+                  <a:rPr lang="en-US" dirty="0">
+                    <a:solidFill>
+                      <a:schemeClr val="tx1"/>
+                    </a:solidFill>
+                    <a:latin typeface="Times New Roman" panose="02020603050405020304" pitchFamily="18" charset="0"/>
+                    <a:cs typeface="Times New Roman" panose="02020603050405020304" pitchFamily="18" charset="0"/>
+                  </a:rPr>
+                  <a:t>= x2)</a:t>
+                </a:r>
+              </a:p>
+              <a:p>
+                <a:pPr algn="ctr"/>
+                <a:endParaRPr lang="en-US" dirty="0">
+                  <a:solidFill>
+                    <a:schemeClr val="tx1"/>
+                  </a:solidFill>
+                  <a:latin typeface="Times New Roman" panose="02020603050405020304" pitchFamily="18" charset="0"/>
+                  <a:cs typeface="Times New Roman" panose="02020603050405020304" pitchFamily="18" charset="0"/>
+                </a:endParaRPr>
+              </a:p>
+              <a:p>
+                <a:pPr algn="ctr"/>
+                <a:endParaRPr lang="en-US" dirty="0">
+                  <a:solidFill>
+                    <a:schemeClr val="tx1"/>
+                  </a:solidFill>
+                  <a:latin typeface="Times New Roman" panose="02020603050405020304" pitchFamily="18" charset="0"/>
+                  <a:cs typeface="Times New Roman" panose="02020603050405020304" pitchFamily="18" charset="0"/>
+                </a:endParaRPr>
+              </a:p>
+            </p:txBody>
+          </p:sp>
+        </mc:Choice>
+        <mc:Fallback xmlns="">
+          <p:sp>
+            <p:nvSpPr>
+              <p:cNvPr id="8" name="Rectangle 7">
+                <a:extLst>
+                  <a:ext uri="{FF2B5EF4-FFF2-40B4-BE49-F238E27FC236}">
+                    <a16:creationId xmlns:a16="http://schemas.microsoft.com/office/drawing/2014/main" id="{84B914C7-CE02-4106-BFCC-38656CF79C39}"/>
+                  </a:ext>
+                </a:extLst>
+              </p:cNvPr>
+              <p:cNvSpPr>
+                <a:spLocks noRot="1" noChangeAspect="1" noMove="1" noResize="1" noEditPoints="1" noAdjustHandles="1" noChangeArrowheads="1" noChangeShapeType="1" noTextEdit="1"/>
+              </p:cNvSpPr>
+              <p:nvPr/>
+            </p:nvSpPr>
+            <p:spPr>
+              <a:xfrm>
+                <a:off x="6951677" y="2592325"/>
+                <a:ext cx="2435290" cy="1352939"/>
+              </a:xfrm>
+              <a:prstGeom prst="rect">
+                <a:avLst/>
+              </a:prstGeom>
+              <a:blipFill>
+                <a:blip r:embed="rId4"/>
+                <a:stretch>
+                  <a:fillRect t="-5702"/>
+                </a:stretch>
+              </a:blipFill>
+              <a:ln w="38100">
+                <a:solidFill>
+                  <a:schemeClr val="tx1"/>
+                </a:solidFill>
+              </a:ln>
+            </p:spPr>
+            <p:txBody>
+              <a:bodyPr/>
+              <a:lstStyle/>
+              <a:p>
+                <a:r>
+                  <a:rPr lang="en-US">
+                    <a:noFill/>
+                  </a:rPr>
+                  <a:t> </a:t>
+                </a:r>
+              </a:p>
+            </p:txBody>
+          </p:sp>
+        </mc:Fallback>
+      </mc:AlternateContent>
+      <p:cxnSp>
+        <p:nvCxnSpPr>
+          <p:cNvPr id="9" name="Straight Arrow Connector 8">
+            <a:extLst>
+              <a:ext uri="{FF2B5EF4-FFF2-40B4-BE49-F238E27FC236}">
+                <a16:creationId xmlns:a16="http://schemas.microsoft.com/office/drawing/2014/main" id="{ED2DAEA5-8928-4A74-9F1A-3D909AA95922}"/>
+              </a:ext>
+            </a:extLst>
+          </p:cNvPr>
+          <p:cNvCxnSpPr>
+            <a:cxnSpLocks/>
+            <a:stCxn id="4" idx="2"/>
+            <a:endCxn id="8" idx="0"/>
+          </p:cNvCxnSpPr>
+          <p:nvPr/>
+        </p:nvCxnSpPr>
+        <p:spPr>
+          <a:xfrm>
+            <a:off x="8169322" y="1695772"/>
+            <a:ext cx="0" cy="896553"/>
+          </a:xfrm>
+          <a:prstGeom prst="straightConnector1">
+            <a:avLst/>
+          </a:prstGeom>
+          <a:ln w="28575">
+            <a:solidFill>
+              <a:schemeClr val="tx1"/>
+            </a:solidFill>
+            <a:tailEnd type="triangle"/>
+          </a:ln>
+        </p:spPr>
+        <p:style>
+          <a:lnRef idx="1">
+            <a:schemeClr val="accent1"/>
+          </a:lnRef>
+          <a:fillRef idx="0">
+            <a:schemeClr val="accent1"/>
+          </a:fillRef>
+          <a:effectRef idx="0">
+            <a:schemeClr val="accent1"/>
+          </a:effectRef>
+          <a:fontRef idx="minor">
+            <a:schemeClr val="tx1"/>
+          </a:fontRef>
+        </p:style>
+      </p:cxnSp>
+      <p:sp>
+        <p:nvSpPr>
+          <p:cNvPr id="10" name="TextBox 9">
+            <a:extLst>
+              <a:ext uri="{FF2B5EF4-FFF2-40B4-BE49-F238E27FC236}">
+                <a16:creationId xmlns:a16="http://schemas.microsoft.com/office/drawing/2014/main" id="{3A50A2AC-F5E7-42FF-9F8F-E66E6D477EC8}"/>
+              </a:ext>
+            </a:extLst>
+          </p:cNvPr>
+          <p:cNvSpPr txBox="1"/>
+          <p:nvPr/>
+        </p:nvSpPr>
+        <p:spPr>
+          <a:xfrm rot="10800000" flipV="1">
+            <a:off x="7625113" y="1901813"/>
+            <a:ext cx="2393712" cy="523220"/>
+          </a:xfrm>
+          <a:prstGeom prst="rect">
+            <a:avLst/>
+          </a:prstGeom>
+          <a:noFill/>
+        </p:spPr>
+        <p:txBody>
+          <a:bodyPr wrap="square" rtlCol="0">
+            <a:spAutoFit/>
+          </a:bodyPr>
+          <a:lstStyle/>
+          <a:p>
+            <a:pPr algn="ctr"/>
+            <a:r>
+              <a:rPr lang="en-US" sz="1400" dirty="0"/>
+              <a:t>Motor Load</a:t>
+            </a:r>
+          </a:p>
+          <a:p>
+            <a:pPr algn="ctr"/>
+            <a:r>
+              <a:rPr lang="en-US" sz="1400" dirty="0"/>
+              <a:t> Changes</a:t>
+            </a:r>
+          </a:p>
+        </p:txBody>
+      </p:sp>
+      <p:cxnSp>
+        <p:nvCxnSpPr>
+          <p:cNvPr id="11" name="Straight Arrow Connector 10">
+            <a:extLst>
+              <a:ext uri="{FF2B5EF4-FFF2-40B4-BE49-F238E27FC236}">
+                <a16:creationId xmlns:a16="http://schemas.microsoft.com/office/drawing/2014/main" id="{E8B069FB-DEAD-4571-B1C0-E275A2F9705D}"/>
+              </a:ext>
+            </a:extLst>
+          </p:cNvPr>
+          <p:cNvCxnSpPr>
+            <a:cxnSpLocks/>
+            <a:stCxn id="8" idx="2"/>
+            <a:endCxn id="12" idx="0"/>
+          </p:cNvCxnSpPr>
+          <p:nvPr/>
+        </p:nvCxnSpPr>
+        <p:spPr>
+          <a:xfrm>
+            <a:off x="8169322" y="3945264"/>
+            <a:ext cx="0" cy="907010"/>
+          </a:xfrm>
+          <a:prstGeom prst="straightConnector1">
+            <a:avLst/>
+          </a:prstGeom>
+          <a:ln w="28575">
+            <a:solidFill>
+              <a:schemeClr val="tx1"/>
+            </a:solidFill>
+            <a:tailEnd type="triangle"/>
+          </a:ln>
+        </p:spPr>
+        <p:style>
+          <a:lnRef idx="1">
+            <a:schemeClr val="accent1"/>
+          </a:lnRef>
+          <a:fillRef idx="0">
+            <a:schemeClr val="accent1"/>
+          </a:fillRef>
+          <a:effectRef idx="0">
+            <a:schemeClr val="accent1"/>
+          </a:effectRef>
+          <a:fontRef idx="minor">
+            <a:schemeClr val="tx1"/>
+          </a:fontRef>
+        </p:style>
+      </p:cxnSp>
+      <mc:AlternateContent xmlns:mc="http://schemas.openxmlformats.org/markup-compatibility/2006" xmlns:a14="http://schemas.microsoft.com/office/drawing/2010/main">
+        <mc:Choice Requires="a14">
+          <p:sp>
+            <p:nvSpPr>
+              <p:cNvPr id="12" name="Rectangle 11">
+                <a:extLst>
+                  <a:ext uri="{FF2B5EF4-FFF2-40B4-BE49-F238E27FC236}">
+                    <a16:creationId xmlns:a16="http://schemas.microsoft.com/office/drawing/2014/main" id="{0087B85C-86CB-4CEA-9002-58436B59CDC7}"/>
+                  </a:ext>
+                </a:extLst>
+              </p:cNvPr>
+              <p:cNvSpPr/>
+              <p:nvPr/>
+            </p:nvSpPr>
+            <p:spPr>
+              <a:xfrm>
+                <a:off x="6951677" y="4852274"/>
+                <a:ext cx="2435290" cy="1352939"/>
+              </a:xfrm>
+              <a:prstGeom prst="rect">
+                <a:avLst/>
+              </a:prstGeom>
+              <a:noFill/>
+              <a:ln w="38100">
+                <a:solidFill>
+                  <a:schemeClr val="tx1"/>
+                </a:solidFill>
+              </a:ln>
+            </p:spPr>
+            <p:style>
+              <a:lnRef idx="2">
+                <a:schemeClr val="accent1">
+                  <a:shade val="50000"/>
+                </a:schemeClr>
+              </a:lnRef>
+              <a:fillRef idx="1">
+                <a:schemeClr val="accent1"/>
+              </a:fillRef>
+              <a:effectRef idx="0">
+                <a:schemeClr val="accent1"/>
+              </a:effectRef>
+              <a:fontRef idx="minor">
+                <a:schemeClr val="lt1"/>
+              </a:fontRef>
+            </p:style>
+            <p:txBody>
+              <a:bodyPr rtlCol="0" anchor="ctr"/>
+              <a:lstStyle/>
+              <a:p>
+                <a:pPr algn="ctr"/>
+                <a:endParaRPr lang="en-US" dirty="0">
+                  <a:solidFill>
+                    <a:schemeClr val="tx1"/>
+                  </a:solidFill>
+                  <a:latin typeface="Times New Roman" panose="02020603050405020304" pitchFamily="18" charset="0"/>
+                  <a:cs typeface="Times New Roman" panose="02020603050405020304" pitchFamily="18" charset="0"/>
+                </a:endParaRPr>
+              </a:p>
+              <a:p>
+                <a:pPr algn="ctr"/>
+                <a:r>
+                  <a:rPr lang="en-US" dirty="0">
+                    <a:solidFill>
+                      <a:schemeClr val="tx1"/>
+                    </a:solidFill>
+                    <a:latin typeface="Times New Roman" panose="02020603050405020304" pitchFamily="18" charset="0"/>
+                    <a:cs typeface="Times New Roman" panose="02020603050405020304" pitchFamily="18" charset="0"/>
+                  </a:rPr>
+                  <a:t>Constant IPT Power</a:t>
+                </a:r>
+              </a:p>
+              <a:p>
+                <a:pPr algn="ctr"/>
+                <a:r>
+                  <a:rPr lang="en-US" dirty="0">
+                    <a:solidFill>
+                      <a:schemeClr val="tx1"/>
+                    </a:solidFill>
+                    <a:latin typeface="Times New Roman" panose="02020603050405020304" pitchFamily="18" charset="0"/>
+                    <a:cs typeface="Times New Roman" panose="02020603050405020304" pitchFamily="18" charset="0"/>
+                  </a:rPr>
+                  <a:t>(</a:t>
+                </a:r>
+                <a14:m>
+                  <m:oMath xmlns:m="http://schemas.openxmlformats.org/officeDocument/2006/math">
+                    <m:sSub>
+                      <m:sSubPr>
+                        <m:ctrlPr>
+                          <a:rPr lang="en-US" i="1">
+                            <a:solidFill>
+                              <a:schemeClr val="tx1"/>
+                            </a:solidFill>
+                            <a:latin typeface="Cambria Math" panose="02040503050406030204" pitchFamily="18" charset="0"/>
+                            <a:cs typeface="Times New Roman" panose="02020603050405020304" pitchFamily="18" charset="0"/>
+                          </a:rPr>
+                        </m:ctrlPr>
+                      </m:sSubPr>
+                      <m:e>
+                        <m:r>
+                          <a:rPr lang="en-US" i="1">
+                            <a:solidFill>
+                              <a:schemeClr val="tx1"/>
+                            </a:solidFill>
+                            <a:latin typeface="Cambria Math" panose="02040503050406030204" pitchFamily="18" charset="0"/>
+                            <a:cs typeface="Times New Roman" panose="02020603050405020304" pitchFamily="18" charset="0"/>
+                          </a:rPr>
+                          <m:t>𝑓</m:t>
+                        </m:r>
+                      </m:e>
+                      <m:sub>
+                        <m:r>
+                          <a:rPr lang="en-US" i="1">
+                            <a:solidFill>
+                              <a:schemeClr val="tx1"/>
+                            </a:solidFill>
+                            <a:latin typeface="Cambria Math" panose="02040503050406030204" pitchFamily="18" charset="0"/>
+                            <a:cs typeface="Times New Roman" panose="02020603050405020304" pitchFamily="18" charset="0"/>
+                          </a:rPr>
+                          <m:t>𝑜𝑝</m:t>
+                        </m:r>
+                      </m:sub>
+                    </m:sSub>
+                  </m:oMath>
+                </a14:m>
+                <a:r>
+                  <a:rPr lang="en-US" dirty="0">
+                    <a:solidFill>
+                      <a:schemeClr val="tx1"/>
+                    </a:solidFill>
+                    <a:latin typeface="Times New Roman" panose="02020603050405020304" pitchFamily="18" charset="0"/>
+                    <a:cs typeface="Times New Roman" panose="02020603050405020304" pitchFamily="18" charset="0"/>
+                  </a:rPr>
+                  <a:t>=86.5kHz)</a:t>
+                </a:r>
+              </a:p>
+              <a:p>
+                <a:pPr algn="ctr"/>
+                <a:r>
+                  <a:rPr lang="en-US" dirty="0">
+                    <a:solidFill>
+                      <a:schemeClr val="tx1"/>
+                    </a:solidFill>
+                    <a:latin typeface="Times New Roman" panose="02020603050405020304" pitchFamily="18" charset="0"/>
+                    <a:cs typeface="Times New Roman" panose="02020603050405020304" pitchFamily="18" charset="0"/>
+                  </a:rPr>
+                  <a:t>(</a:t>
+                </a:r>
+                <a14:m>
+                  <m:oMath xmlns:m="http://schemas.openxmlformats.org/officeDocument/2006/math">
+                    <m:r>
+                      <a:rPr lang="en-US" i="1">
+                        <a:solidFill>
+                          <a:schemeClr val="tx1"/>
+                        </a:solidFill>
+                        <a:latin typeface="Cambria Math" panose="02040503050406030204" pitchFamily="18" charset="0"/>
+                        <a:cs typeface="Times New Roman" panose="02020603050405020304" pitchFamily="18" charset="0"/>
+                      </a:rPr>
+                      <m:t>𝐷</m:t>
+                    </m:r>
+                  </m:oMath>
+                </a14:m>
+                <a:r>
+                  <a:rPr lang="en-US" dirty="0">
+                    <a:solidFill>
+                      <a:schemeClr val="tx1"/>
+                    </a:solidFill>
+                    <a:latin typeface="Times New Roman" panose="02020603050405020304" pitchFamily="18" charset="0"/>
+                    <a:cs typeface="Times New Roman" panose="02020603050405020304" pitchFamily="18" charset="0"/>
+                  </a:rPr>
+                  <a:t>=0.6)</a:t>
+                </a:r>
+              </a:p>
+              <a:p>
+                <a:pPr algn="ctr"/>
+                <a:r>
+                  <a:rPr lang="en-US" dirty="0">
+                    <a:solidFill>
+                      <a:schemeClr val="tx1"/>
+                    </a:solidFill>
+                    <a:latin typeface="Times New Roman" panose="02020603050405020304" pitchFamily="18" charset="0"/>
+                    <a:cs typeface="Times New Roman" panose="02020603050405020304" pitchFamily="18" charset="0"/>
+                  </a:rPr>
+                  <a:t>(</a:t>
+                </a:r>
+                <a14:m>
+                  <m:oMath xmlns:m="http://schemas.openxmlformats.org/officeDocument/2006/math">
+                    <m:sSub>
+                      <m:sSubPr>
+                        <m:ctrlPr>
+                          <a:rPr lang="en-US" i="1">
+                            <a:solidFill>
+                              <a:schemeClr val="tx1"/>
+                            </a:solidFill>
+                            <a:latin typeface="Cambria Math" panose="02040503050406030204" pitchFamily="18" charset="0"/>
+                            <a:cs typeface="Times New Roman" panose="02020603050405020304" pitchFamily="18" charset="0"/>
+                          </a:rPr>
+                        </m:ctrlPr>
+                      </m:sSubPr>
+                      <m:e>
+                        <m:r>
+                          <a:rPr lang="en-US" i="1">
+                            <a:solidFill>
+                              <a:schemeClr val="tx1"/>
+                            </a:solidFill>
+                            <a:latin typeface="Cambria Math" panose="02040503050406030204" pitchFamily="18" charset="0"/>
+                            <a:cs typeface="Times New Roman" panose="02020603050405020304" pitchFamily="18" charset="0"/>
+                          </a:rPr>
+                          <m:t>𝑇</m:t>
+                        </m:r>
+                      </m:e>
+                      <m:sub>
+                        <m:r>
+                          <a:rPr lang="en-US" i="1">
+                            <a:solidFill>
+                              <a:schemeClr val="tx1"/>
+                            </a:solidFill>
+                            <a:latin typeface="Cambria Math" panose="02040503050406030204" pitchFamily="18" charset="0"/>
+                            <a:cs typeface="Times New Roman" panose="02020603050405020304" pitchFamily="18" charset="0"/>
+                          </a:rPr>
+                          <m:t>𝐿</m:t>
+                        </m:r>
+                      </m:sub>
+                    </m:sSub>
+                  </m:oMath>
+                </a14:m>
+                <a:r>
+                  <a:rPr lang="en-US" dirty="0">
+                    <a:solidFill>
+                      <a:schemeClr val="tx1"/>
+                    </a:solidFill>
+                    <a:latin typeface="Times New Roman" panose="02020603050405020304" pitchFamily="18" charset="0"/>
+                    <a:cs typeface="Times New Roman" panose="02020603050405020304" pitchFamily="18" charset="0"/>
+                  </a:rPr>
+                  <a:t>= x2)</a:t>
+                </a:r>
+              </a:p>
+              <a:p>
+                <a:pPr algn="ctr"/>
+                <a:endParaRPr lang="en-US" dirty="0">
+                  <a:solidFill>
+                    <a:schemeClr val="tx1"/>
+                  </a:solidFill>
+                  <a:latin typeface="Times New Roman" panose="02020603050405020304" pitchFamily="18" charset="0"/>
+                  <a:cs typeface="Times New Roman" panose="02020603050405020304" pitchFamily="18" charset="0"/>
+                </a:endParaRPr>
+              </a:p>
+              <a:p>
+                <a:pPr algn="ctr"/>
+                <a:endParaRPr lang="en-US" dirty="0">
+                  <a:solidFill>
+                    <a:schemeClr val="tx1"/>
+                  </a:solidFill>
+                  <a:latin typeface="Times New Roman" panose="02020603050405020304" pitchFamily="18" charset="0"/>
+                  <a:cs typeface="Times New Roman" panose="02020603050405020304" pitchFamily="18" charset="0"/>
+                </a:endParaRPr>
+              </a:p>
+            </p:txBody>
+          </p:sp>
+        </mc:Choice>
+        <mc:Fallback xmlns="">
+          <p:sp>
+            <p:nvSpPr>
+              <p:cNvPr id="12" name="Rectangle 11">
+                <a:extLst>
+                  <a:ext uri="{FF2B5EF4-FFF2-40B4-BE49-F238E27FC236}">
+                    <a16:creationId xmlns:a16="http://schemas.microsoft.com/office/drawing/2014/main" id="{0087B85C-86CB-4CEA-9002-58436B59CDC7}"/>
+                  </a:ext>
+                </a:extLst>
+              </p:cNvPr>
+              <p:cNvSpPr>
+                <a:spLocks noRot="1" noChangeAspect="1" noMove="1" noResize="1" noEditPoints="1" noAdjustHandles="1" noChangeArrowheads="1" noChangeShapeType="1" noTextEdit="1"/>
+              </p:cNvSpPr>
+              <p:nvPr/>
+            </p:nvSpPr>
+            <p:spPr>
+              <a:xfrm>
+                <a:off x="6951677" y="4852274"/>
+                <a:ext cx="2435290" cy="1352939"/>
+              </a:xfrm>
+              <a:prstGeom prst="rect">
+                <a:avLst/>
+              </a:prstGeom>
+              <a:blipFill>
+                <a:blip r:embed="rId5"/>
+                <a:stretch>
+                  <a:fillRect t="-5702"/>
+                </a:stretch>
+              </a:blipFill>
+              <a:ln w="38100">
+                <a:solidFill>
+                  <a:schemeClr val="tx1"/>
+                </a:solidFill>
+              </a:ln>
+            </p:spPr>
+            <p:txBody>
+              <a:bodyPr/>
+              <a:lstStyle/>
+              <a:p>
+                <a:r>
+                  <a:rPr lang="en-US">
+                    <a:noFill/>
+                  </a:rPr>
+                  <a:t> </a:t>
+                </a:r>
+              </a:p>
+            </p:txBody>
+          </p:sp>
+        </mc:Fallback>
+      </mc:AlternateContent>
+      <p:sp>
+        <p:nvSpPr>
+          <p:cNvPr id="13" name="TextBox 12">
+            <a:extLst>
+              <a:ext uri="{FF2B5EF4-FFF2-40B4-BE49-F238E27FC236}">
+                <a16:creationId xmlns:a16="http://schemas.microsoft.com/office/drawing/2014/main" id="{6ABB0886-FCDE-4445-83B4-74170090CB06}"/>
+              </a:ext>
+            </a:extLst>
+          </p:cNvPr>
+          <p:cNvSpPr txBox="1"/>
+          <p:nvPr/>
+        </p:nvSpPr>
+        <p:spPr>
+          <a:xfrm>
+            <a:off x="7484531" y="4072386"/>
+            <a:ext cx="2674876" cy="738664"/>
+          </a:xfrm>
+          <a:prstGeom prst="rect">
+            <a:avLst/>
+          </a:prstGeom>
+          <a:noFill/>
+        </p:spPr>
+        <p:txBody>
+          <a:bodyPr wrap="square" rtlCol="0">
+            <a:spAutoFit/>
+          </a:bodyPr>
+          <a:lstStyle/>
+          <a:p>
+            <a:pPr algn="ctr"/>
+            <a:r>
+              <a:rPr lang="en-US" sz="1400" dirty="0"/>
+              <a:t>Motor </a:t>
+            </a:r>
+          </a:p>
+          <a:p>
+            <a:pPr algn="ctr"/>
+            <a:r>
+              <a:rPr lang="en-US" sz="1400" dirty="0"/>
+              <a:t>Speed </a:t>
+            </a:r>
+          </a:p>
+          <a:p>
+            <a:pPr algn="ctr"/>
+            <a:r>
+              <a:rPr lang="en-US" sz="1400" dirty="0"/>
+              <a:t>Control</a:t>
+            </a:r>
+          </a:p>
+        </p:txBody>
+      </p:sp>
+      <mc:AlternateContent xmlns:mc="http://schemas.openxmlformats.org/markup-compatibility/2006" xmlns:a14="http://schemas.microsoft.com/office/drawing/2010/main">
+        <mc:Choice Requires="a14">
+          <p:sp>
+            <p:nvSpPr>
+              <p:cNvPr id="14" name="Rectangle 13">
+                <a:extLst>
+                  <a:ext uri="{FF2B5EF4-FFF2-40B4-BE49-F238E27FC236}">
+                    <a16:creationId xmlns:a16="http://schemas.microsoft.com/office/drawing/2014/main" id="{AA839320-023B-43C8-9A9A-54D5AB09D793}"/>
+                  </a:ext>
+                </a:extLst>
+              </p:cNvPr>
+              <p:cNvSpPr/>
+              <p:nvPr/>
+            </p:nvSpPr>
+            <p:spPr>
+              <a:xfrm>
+                <a:off x="3171963" y="4848599"/>
+                <a:ext cx="2435290" cy="1352939"/>
+              </a:xfrm>
+              <a:prstGeom prst="rect">
+                <a:avLst/>
+              </a:prstGeom>
+              <a:noFill/>
+              <a:ln w="38100">
+                <a:solidFill>
+                  <a:schemeClr val="tx1"/>
+                </a:solidFill>
+              </a:ln>
+            </p:spPr>
+            <p:style>
+              <a:lnRef idx="2">
+                <a:schemeClr val="accent1">
+                  <a:shade val="50000"/>
+                </a:schemeClr>
+              </a:lnRef>
+              <a:fillRef idx="1">
+                <a:schemeClr val="accent1"/>
+              </a:fillRef>
+              <a:effectRef idx="0">
+                <a:schemeClr val="accent1"/>
+              </a:effectRef>
+              <a:fontRef idx="minor">
+                <a:schemeClr val="lt1"/>
+              </a:fontRef>
+            </p:style>
+            <p:txBody>
+              <a:bodyPr rtlCol="0" anchor="ctr"/>
+              <a:lstStyle/>
+              <a:p>
+                <a:pPr algn="ctr"/>
+                <a:endParaRPr lang="en-US" dirty="0">
+                  <a:solidFill>
+                    <a:schemeClr val="tx1"/>
+                  </a:solidFill>
+                  <a:latin typeface="Times New Roman" panose="02020603050405020304" pitchFamily="18" charset="0"/>
+                  <a:cs typeface="Times New Roman" panose="02020603050405020304" pitchFamily="18" charset="0"/>
+                </a:endParaRPr>
+              </a:p>
+              <a:p>
+                <a:pPr algn="ctr"/>
+                <a:r>
+                  <a:rPr lang="en-US" dirty="0">
+                    <a:solidFill>
+                      <a:schemeClr val="tx1"/>
+                    </a:solidFill>
+                    <a:latin typeface="Times New Roman" panose="02020603050405020304" pitchFamily="18" charset="0"/>
+                    <a:cs typeface="Times New Roman" panose="02020603050405020304" pitchFamily="18" charset="0"/>
+                  </a:rPr>
+                  <a:t>Constant Motor Power</a:t>
+                </a:r>
+              </a:p>
+              <a:p>
+                <a:pPr algn="ctr"/>
+                <a:r>
+                  <a:rPr lang="en-US" dirty="0">
+                    <a:solidFill>
+                      <a:schemeClr val="tx1"/>
+                    </a:solidFill>
+                    <a:latin typeface="Times New Roman" panose="02020603050405020304" pitchFamily="18" charset="0"/>
+                    <a:cs typeface="Times New Roman" panose="02020603050405020304" pitchFamily="18" charset="0"/>
+                  </a:rPr>
+                  <a:t>(</a:t>
+                </a:r>
+                <a14:m>
+                  <m:oMath xmlns:m="http://schemas.openxmlformats.org/officeDocument/2006/math">
+                    <m:sSub>
+                      <m:sSubPr>
+                        <m:ctrlPr>
+                          <a:rPr lang="en-US" i="1">
+                            <a:solidFill>
+                              <a:schemeClr val="tx1"/>
+                            </a:solidFill>
+                            <a:latin typeface="Cambria Math" panose="02040503050406030204" pitchFamily="18" charset="0"/>
+                            <a:cs typeface="Times New Roman" panose="02020603050405020304" pitchFamily="18" charset="0"/>
+                          </a:rPr>
+                        </m:ctrlPr>
+                      </m:sSubPr>
+                      <m:e>
+                        <m:r>
+                          <a:rPr lang="en-US" i="1">
+                            <a:solidFill>
+                              <a:schemeClr val="tx1"/>
+                            </a:solidFill>
+                            <a:latin typeface="Cambria Math" panose="02040503050406030204" pitchFamily="18" charset="0"/>
+                            <a:cs typeface="Times New Roman" panose="02020603050405020304" pitchFamily="18" charset="0"/>
+                          </a:rPr>
+                          <m:t>𝑓</m:t>
+                        </m:r>
+                      </m:e>
+                      <m:sub>
+                        <m:r>
+                          <a:rPr lang="en-US" i="1">
+                            <a:solidFill>
+                              <a:schemeClr val="tx1"/>
+                            </a:solidFill>
+                            <a:latin typeface="Cambria Math" panose="02040503050406030204" pitchFamily="18" charset="0"/>
+                            <a:cs typeface="Times New Roman" panose="02020603050405020304" pitchFamily="18" charset="0"/>
+                          </a:rPr>
+                          <m:t>𝑜𝑝</m:t>
+                        </m:r>
+                      </m:sub>
+                    </m:sSub>
+                    <m:r>
+                      <a:rPr lang="en-US" b="0" i="0" smtClean="0">
+                        <a:solidFill>
+                          <a:schemeClr val="tx1"/>
+                        </a:solidFill>
+                        <a:latin typeface="Cambria Math" panose="02040503050406030204" pitchFamily="18" charset="0"/>
+                        <a:cs typeface="Times New Roman" panose="02020603050405020304" pitchFamily="18" charset="0"/>
+                      </a:rPr>
+                      <m:t>=80</m:t>
+                    </m:r>
+                  </m:oMath>
+                </a14:m>
+                <a:r>
+                  <a:rPr lang="en-US" dirty="0">
+                    <a:solidFill>
+                      <a:schemeClr val="tx1"/>
+                    </a:solidFill>
+                    <a:latin typeface="Times New Roman" panose="02020603050405020304" pitchFamily="18" charset="0"/>
+                    <a:cs typeface="Times New Roman" panose="02020603050405020304" pitchFamily="18" charset="0"/>
+                  </a:rPr>
+                  <a:t>kHz)</a:t>
+                </a:r>
+              </a:p>
+              <a:p>
+                <a:pPr algn="ctr"/>
+                <a:r>
+                  <a:rPr lang="en-US" dirty="0">
+                    <a:solidFill>
+                      <a:schemeClr val="tx1"/>
+                    </a:solidFill>
+                    <a:latin typeface="Times New Roman" panose="02020603050405020304" pitchFamily="18" charset="0"/>
+                    <a:cs typeface="Times New Roman" panose="02020603050405020304" pitchFamily="18" charset="0"/>
+                  </a:rPr>
+                  <a:t>(</a:t>
+                </a:r>
+                <a14:m>
+                  <m:oMath xmlns:m="http://schemas.openxmlformats.org/officeDocument/2006/math">
+                    <m:r>
+                      <a:rPr lang="en-US" i="1">
+                        <a:solidFill>
+                          <a:schemeClr val="tx1"/>
+                        </a:solidFill>
+                        <a:latin typeface="Cambria Math" panose="02040503050406030204" pitchFamily="18" charset="0"/>
+                        <a:cs typeface="Times New Roman" panose="02020603050405020304" pitchFamily="18" charset="0"/>
+                      </a:rPr>
+                      <m:t>𝐷</m:t>
+                    </m:r>
+                  </m:oMath>
+                </a14:m>
+                <a:r>
+                  <a:rPr lang="en-US" dirty="0">
+                    <a:solidFill>
+                      <a:schemeClr val="tx1"/>
+                    </a:solidFill>
+                    <a:latin typeface="Times New Roman" panose="02020603050405020304" pitchFamily="18" charset="0"/>
+                    <a:cs typeface="Times New Roman" panose="02020603050405020304" pitchFamily="18" charset="0"/>
+                  </a:rPr>
+                  <a:t>=0.6)</a:t>
+                </a:r>
+              </a:p>
+              <a:p>
+                <a:pPr algn="ctr"/>
+                <a:r>
+                  <a:rPr lang="en-US" dirty="0">
+                    <a:solidFill>
+                      <a:schemeClr val="tx1"/>
+                    </a:solidFill>
+                    <a:latin typeface="Times New Roman" panose="02020603050405020304" pitchFamily="18" charset="0"/>
+                    <a:cs typeface="Times New Roman" panose="02020603050405020304" pitchFamily="18" charset="0"/>
+                  </a:rPr>
+                  <a:t>(</a:t>
+                </a:r>
+                <a14:m>
+                  <m:oMath xmlns:m="http://schemas.openxmlformats.org/officeDocument/2006/math">
+                    <m:sSub>
+                      <m:sSubPr>
+                        <m:ctrlPr>
+                          <a:rPr lang="en-US" i="1">
+                            <a:solidFill>
+                              <a:schemeClr val="tx1"/>
+                            </a:solidFill>
+                            <a:latin typeface="Cambria Math" panose="02040503050406030204" pitchFamily="18" charset="0"/>
+                            <a:cs typeface="Times New Roman" panose="02020603050405020304" pitchFamily="18" charset="0"/>
+                          </a:rPr>
+                        </m:ctrlPr>
+                      </m:sSubPr>
+                      <m:e>
+                        <m:r>
+                          <a:rPr lang="en-US" i="1">
+                            <a:solidFill>
+                              <a:schemeClr val="tx1"/>
+                            </a:solidFill>
+                            <a:latin typeface="Cambria Math" panose="02040503050406030204" pitchFamily="18" charset="0"/>
+                            <a:cs typeface="Times New Roman" panose="02020603050405020304" pitchFamily="18" charset="0"/>
+                          </a:rPr>
+                          <m:t>𝑇</m:t>
+                        </m:r>
+                      </m:e>
+                      <m:sub>
+                        <m:r>
+                          <a:rPr lang="en-US" i="1">
+                            <a:solidFill>
+                              <a:schemeClr val="tx1"/>
+                            </a:solidFill>
+                            <a:latin typeface="Cambria Math" panose="02040503050406030204" pitchFamily="18" charset="0"/>
+                            <a:cs typeface="Times New Roman" panose="02020603050405020304" pitchFamily="18" charset="0"/>
+                          </a:rPr>
+                          <m:t>𝐿</m:t>
+                        </m:r>
+                      </m:sub>
+                    </m:sSub>
+                  </m:oMath>
+                </a14:m>
+                <a:r>
+                  <a:rPr lang="en-US" dirty="0">
+                    <a:solidFill>
+                      <a:schemeClr val="tx1"/>
+                    </a:solidFill>
+                    <a:latin typeface="Times New Roman" panose="02020603050405020304" pitchFamily="18" charset="0"/>
+                    <a:cs typeface="Times New Roman" panose="02020603050405020304" pitchFamily="18" charset="0"/>
+                  </a:rPr>
+                  <a:t>= x2)</a:t>
+                </a:r>
+              </a:p>
+              <a:p>
+                <a:pPr algn="ctr"/>
+                <a:endParaRPr lang="en-US" dirty="0">
+                  <a:solidFill>
+                    <a:schemeClr val="tx1"/>
+                  </a:solidFill>
+                  <a:latin typeface="Times New Roman" panose="02020603050405020304" pitchFamily="18" charset="0"/>
+                  <a:cs typeface="Times New Roman" panose="02020603050405020304" pitchFamily="18" charset="0"/>
+                </a:endParaRPr>
+              </a:p>
+              <a:p>
+                <a:pPr algn="ctr"/>
+                <a:endParaRPr lang="en-US" dirty="0">
+                  <a:solidFill>
+                    <a:schemeClr val="tx1"/>
+                  </a:solidFill>
+                  <a:latin typeface="Times New Roman" panose="02020603050405020304" pitchFamily="18" charset="0"/>
+                  <a:cs typeface="Times New Roman" panose="02020603050405020304" pitchFamily="18" charset="0"/>
+                </a:endParaRPr>
+              </a:p>
+            </p:txBody>
+          </p:sp>
+        </mc:Choice>
+        <mc:Fallback xmlns="">
+          <p:sp>
+            <p:nvSpPr>
+              <p:cNvPr id="14" name="Rectangle 13">
+                <a:extLst>
+                  <a:ext uri="{FF2B5EF4-FFF2-40B4-BE49-F238E27FC236}">
+                    <a16:creationId xmlns:a16="http://schemas.microsoft.com/office/drawing/2014/main" id="{AA839320-023B-43C8-9A9A-54D5AB09D793}"/>
+                  </a:ext>
+                </a:extLst>
+              </p:cNvPr>
+              <p:cNvSpPr>
+                <a:spLocks noRot="1" noChangeAspect="1" noMove="1" noResize="1" noEditPoints="1" noAdjustHandles="1" noChangeArrowheads="1" noChangeShapeType="1" noTextEdit="1"/>
+              </p:cNvSpPr>
+              <p:nvPr/>
+            </p:nvSpPr>
+            <p:spPr>
+              <a:xfrm>
+                <a:off x="3171963" y="4848599"/>
+                <a:ext cx="2435290" cy="1352939"/>
+              </a:xfrm>
+              <a:prstGeom prst="rect">
+                <a:avLst/>
+              </a:prstGeom>
+              <a:blipFill>
+                <a:blip r:embed="rId6"/>
+                <a:stretch>
+                  <a:fillRect t="-5702"/>
+                </a:stretch>
+              </a:blipFill>
+              <a:ln w="38100">
+                <a:solidFill>
+                  <a:schemeClr val="tx1"/>
+                </a:solidFill>
+              </a:ln>
+            </p:spPr>
+            <p:txBody>
+              <a:bodyPr/>
+              <a:lstStyle/>
+              <a:p>
+                <a:r>
+                  <a:rPr lang="en-US">
+                    <a:noFill/>
+                  </a:rPr>
+                  <a:t> </a:t>
+                </a:r>
+              </a:p>
+            </p:txBody>
+          </p:sp>
+        </mc:Fallback>
+      </mc:AlternateContent>
+      <p:sp>
+        <p:nvSpPr>
+          <p:cNvPr id="15" name="TextBox 14">
+            <a:extLst>
+              <a:ext uri="{FF2B5EF4-FFF2-40B4-BE49-F238E27FC236}">
+                <a16:creationId xmlns:a16="http://schemas.microsoft.com/office/drawing/2014/main" id="{0E905681-5537-4909-AA77-4546C8775EEA}"/>
+              </a:ext>
+            </a:extLst>
+          </p:cNvPr>
+          <p:cNvSpPr txBox="1"/>
+          <p:nvPr/>
+        </p:nvSpPr>
+        <p:spPr>
+          <a:xfrm>
+            <a:off x="5346365" y="5717450"/>
+            <a:ext cx="1698463" cy="523220"/>
+          </a:xfrm>
+          <a:prstGeom prst="rect">
+            <a:avLst/>
+          </a:prstGeom>
+          <a:noFill/>
+        </p:spPr>
+        <p:txBody>
+          <a:bodyPr wrap="square" rtlCol="0">
+            <a:spAutoFit/>
+          </a:bodyPr>
+          <a:lstStyle/>
+          <a:p>
+            <a:pPr algn="ctr"/>
+            <a:r>
+              <a:rPr lang="en-US" sz="1400" dirty="0"/>
+              <a:t>IPT Power</a:t>
+            </a:r>
+          </a:p>
+          <a:p>
+            <a:pPr algn="ctr"/>
+            <a:r>
+              <a:rPr lang="en-US" sz="1400" dirty="0"/>
+              <a:t> Control</a:t>
+            </a:r>
+          </a:p>
+        </p:txBody>
+      </p:sp>
+      <p:sp>
+        <p:nvSpPr>
+          <p:cNvPr id="16" name="Oval 15">
+            <a:extLst>
+              <a:ext uri="{FF2B5EF4-FFF2-40B4-BE49-F238E27FC236}">
+                <a16:creationId xmlns:a16="http://schemas.microsoft.com/office/drawing/2014/main" id="{3C6AB6FC-0DEB-4F94-A308-BF28390B721D}"/>
               </a:ext>
             </a:extLst>
           </p:cNvPr>
@@ -4045,18 +6233,16 @@
         </p:nvSpPr>
         <p:spPr>
           <a:xfrm>
-            <a:off x="3782590" y="78941"/>
-            <a:ext cx="4637784" cy="6611309"/>
-          </a:xfrm>
-          <a:prstGeom prst="rect">
-            <a:avLst/>
-          </a:prstGeom>
-          <a:solidFill>
-            <a:schemeClr val="bg1"/>
-          </a:solidFill>
-          <a:ln>
+            <a:off x="2665074" y="874370"/>
+            <a:ext cx="279918" cy="289866"/>
+          </a:xfrm>
+          <a:prstGeom prst="ellipse">
+            <a:avLst/>
+          </a:prstGeom>
+          <a:noFill/>
+          <a:ln w="28575">
             <a:solidFill>
-              <a:schemeClr val="bg1"/>
+              <a:schemeClr val="tx1"/>
             </a:solidFill>
           </a:ln>
         </p:spPr>
@@ -4077,166 +6263,32 @@
           </a:fontRef>
         </p:style>
         <p:txBody>
-          <a:bodyPr rtlCol="0" anchor="ctr"/>
+          <a:bodyPr rot="0" spcFirstLastPara="0" vertOverflow="overflow" horzOverflow="overflow" vert="horz" wrap="square" lIns="91440" tIns="45720" rIns="91440" bIns="45720" numCol="1" spcCol="0" rtlCol="0" fromWordArt="0" anchor="ctr" anchorCtr="0" forceAA="0" compatLnSpc="1">
+            <a:prstTxWarp prst="textNoShape">
+              <a:avLst/>
+            </a:prstTxWarp>
+            <a:noAutofit/>
+          </a:bodyPr>
           <a:lstStyle/>
           <a:p>
             <a:pPr algn="ctr"/>
-            <a:endParaRPr lang="en-US"/>
-          </a:p>
-        </p:txBody>
-      </p:sp>
-      <p:pic>
-        <p:nvPicPr>
-          <p:cNvPr id="22" name="Picture 21">
-            <a:extLst>
-              <a:ext uri="{FF2B5EF4-FFF2-40B4-BE49-F238E27FC236}">
-                <a16:creationId xmlns:a16="http://schemas.microsoft.com/office/drawing/2014/main" id="{0E0BDA6A-FF75-49C3-BDD2-A39F826F91F5}"/>
-              </a:ext>
-            </a:extLst>
-          </p:cNvPr>
-          <p:cNvPicPr>
-            <a:picLocks noChangeAspect="1"/>
-          </p:cNvPicPr>
-          <p:nvPr/>
-        </p:nvPicPr>
-        <p:blipFill>
-          <a:blip r:embed="rId2">
-            <a:extLst>
-              <a:ext uri="{28A0092B-C50C-407E-A947-70E740481C1C}">
-                <a14:useLocalDpi xmlns:a14="http://schemas.microsoft.com/office/drawing/2010/main" val="0"/>
-              </a:ext>
-            </a:extLst>
-          </a:blip>
-          <a:stretch>
-            <a:fillRect/>
-          </a:stretch>
-        </p:blipFill>
-        <p:spPr>
-          <a:xfrm>
-            <a:off x="3999854" y="4571435"/>
-            <a:ext cx="4282440" cy="1905000"/>
-          </a:xfrm>
-          <a:prstGeom prst="rect">
-            <a:avLst/>
-          </a:prstGeom>
-        </p:spPr>
-      </p:pic>
-      <p:pic>
-        <p:nvPicPr>
-          <p:cNvPr id="20" name="Picture 19">
-            <a:extLst>
-              <a:ext uri="{FF2B5EF4-FFF2-40B4-BE49-F238E27FC236}">
-                <a16:creationId xmlns:a16="http://schemas.microsoft.com/office/drawing/2014/main" id="{11718164-1612-4315-AE05-26CEF6567243}"/>
-              </a:ext>
-            </a:extLst>
-          </p:cNvPr>
-          <p:cNvPicPr>
-            <a:picLocks noChangeAspect="1"/>
-          </p:cNvPicPr>
-          <p:nvPr/>
-        </p:nvPicPr>
-        <p:blipFill>
-          <a:blip r:embed="rId3">
-            <a:extLst>
-              <a:ext uri="{28A0092B-C50C-407E-A947-70E740481C1C}">
-                <a14:useLocalDpi xmlns:a14="http://schemas.microsoft.com/office/drawing/2010/main" val="0"/>
-              </a:ext>
-            </a:extLst>
-          </a:blip>
-          <a:stretch>
-            <a:fillRect/>
-          </a:stretch>
-        </p:blipFill>
-        <p:spPr>
-          <a:xfrm>
-            <a:off x="3999854" y="2195801"/>
-            <a:ext cx="4282440" cy="1905000"/>
-          </a:xfrm>
-          <a:prstGeom prst="rect">
-            <a:avLst/>
-          </a:prstGeom>
-        </p:spPr>
-      </p:pic>
-      <p:pic>
-        <p:nvPicPr>
-          <p:cNvPr id="16" name="Picture 15">
-            <a:extLst>
-              <a:ext uri="{FF2B5EF4-FFF2-40B4-BE49-F238E27FC236}">
-                <a16:creationId xmlns:a16="http://schemas.microsoft.com/office/drawing/2014/main" id="{1D4407F3-8C59-4A65-8860-D28B16A6C639}"/>
-              </a:ext>
-            </a:extLst>
-          </p:cNvPr>
-          <p:cNvPicPr>
-            <a:picLocks noChangeAspect="1"/>
-          </p:cNvPicPr>
-          <p:nvPr/>
-        </p:nvPicPr>
-        <p:blipFill>
-          <a:blip r:embed="rId4">
-            <a:extLst>
-              <a:ext uri="{28A0092B-C50C-407E-A947-70E740481C1C}">
-                <a14:useLocalDpi xmlns:a14="http://schemas.microsoft.com/office/drawing/2010/main" val="0"/>
-              </a:ext>
-            </a:extLst>
-          </a:blip>
-          <a:stretch>
-            <a:fillRect/>
-          </a:stretch>
-        </p:blipFill>
-        <p:spPr>
-          <a:xfrm>
-            <a:off x="3999855" y="245510"/>
-            <a:ext cx="4282440" cy="1905000"/>
-          </a:xfrm>
-          <a:prstGeom prst="rect">
-            <a:avLst/>
-          </a:prstGeom>
-        </p:spPr>
-      </p:pic>
-      <p:sp>
-        <p:nvSpPr>
-          <p:cNvPr id="26" name="TextBox 25">
-            <a:extLst>
-              <a:ext uri="{FF2B5EF4-FFF2-40B4-BE49-F238E27FC236}">
-                <a16:creationId xmlns:a16="http://schemas.microsoft.com/office/drawing/2014/main" id="{D34C47F3-F2BA-4F4B-AD35-AB2638C842AF}"/>
-              </a:ext>
-            </a:extLst>
-          </p:cNvPr>
-          <p:cNvSpPr txBox="1"/>
-          <p:nvPr/>
-        </p:nvSpPr>
-        <p:spPr>
-          <a:xfrm>
-            <a:off x="4987738" y="4128870"/>
-            <a:ext cx="862759" cy="276999"/>
-          </a:xfrm>
-          <a:prstGeom prst="rect">
-            <a:avLst/>
-          </a:prstGeom>
-          <a:noFill/>
-        </p:spPr>
-        <p:txBody>
-          <a:bodyPr wrap="square" rtlCol="0">
-            <a:spAutoFit/>
-          </a:bodyPr>
-          <a:lstStyle/>
-          <a:p>
-            <a:r>
-              <a:rPr lang="en-US" sz="1200" dirty="0">
-                <a:latin typeface="Times New Roman" panose="02020603050405020304" pitchFamily="18" charset="0"/>
-                <a:cs typeface="Times New Roman" panose="02020603050405020304" pitchFamily="18" charset="0"/>
+            <a:r>
+              <a:rPr lang="en-US" dirty="0">
+                <a:solidFill>
+                  <a:schemeClr val="tx1"/>
+                </a:solidFill>
               </a:rPr>
-              <a:t>Zoom</a:t>
-            </a:r>
-          </a:p>
-        </p:txBody>
-      </p:sp>
-      <p:sp>
-        <p:nvSpPr>
-          <p:cNvPr id="30" name="Right Brace 29">
-            <a:extLst>
-              <a:ext uri="{FF2B5EF4-FFF2-40B4-BE49-F238E27FC236}">
-                <a16:creationId xmlns:a16="http://schemas.microsoft.com/office/drawing/2014/main" id="{39C286CD-2492-4AD6-B92D-02C104E45B2A}"/>
+              <a:t>A</a:t>
+            </a:r>
+          </a:p>
+        </p:txBody>
+      </p:sp>
+      <p:sp>
+        <p:nvSpPr>
+          <p:cNvPr id="17" name="Oval 16">
+            <a:extLst>
+              <a:ext uri="{FF2B5EF4-FFF2-40B4-BE49-F238E27FC236}">
+                <a16:creationId xmlns:a16="http://schemas.microsoft.com/office/drawing/2014/main" id="{63D69C4F-0FD4-403F-BD76-36CBAAEF40BE}"/>
               </a:ext>
             </a:extLst>
           </p:cNvPr>
@@ -4244,203 +6296,19 @@
           <p:nvPr/>
         </p:nvSpPr>
         <p:spPr>
-          <a:xfrm rot="5400000">
-            <a:off x="5121150" y="3739805"/>
-            <a:ext cx="234583" cy="1224111"/>
-          </a:xfrm>
-          <a:prstGeom prst="rightBrace">
-            <a:avLst/>
-          </a:prstGeom>
-          <a:ln w="19050">
+          <a:xfrm>
+            <a:off x="9637050" y="813335"/>
+            <a:ext cx="279918" cy="289866"/>
+          </a:xfrm>
+          <a:prstGeom prst="ellipse">
+            <a:avLst/>
+          </a:prstGeom>
+          <a:noFill/>
+          <a:ln w="28575">
             <a:solidFill>
-              <a:schemeClr val="tx1">
-                <a:lumMod val="65000"/>
-                <a:lumOff val="35000"/>
-              </a:schemeClr>
+              <a:schemeClr val="tx1"/>
             </a:solidFill>
           </a:ln>
-        </p:spPr>
-        <p:style>
-          <a:lnRef idx="1">
-            <a:schemeClr val="accent1"/>
-          </a:lnRef>
-          <a:fillRef idx="0">
-            <a:schemeClr val="accent1"/>
-          </a:fillRef>
-          <a:effectRef idx="0">
-            <a:schemeClr val="accent1"/>
-          </a:effectRef>
-          <a:fontRef idx="minor">
-            <a:schemeClr val="tx1"/>
-          </a:fontRef>
-        </p:style>
-        <p:txBody>
-          <a:bodyPr rtlCol="0" anchor="ctr"/>
-          <a:lstStyle/>
-          <a:p>
-            <a:pPr algn="ctr"/>
-            <a:endParaRPr lang="en-US"/>
-          </a:p>
-        </p:txBody>
-      </p:sp>
-      <p:sp>
-        <p:nvSpPr>
-          <p:cNvPr id="31" name="Right Brace 30">
-            <a:extLst>
-              <a:ext uri="{FF2B5EF4-FFF2-40B4-BE49-F238E27FC236}">
-                <a16:creationId xmlns:a16="http://schemas.microsoft.com/office/drawing/2014/main" id="{45AABD34-09EE-41B6-B9EE-C5ABE48164FD}"/>
-              </a:ext>
-            </a:extLst>
-          </p:cNvPr>
-          <p:cNvSpPr/>
-          <p:nvPr/>
-        </p:nvSpPr>
-        <p:spPr>
-          <a:xfrm rot="5400000">
-            <a:off x="7076701" y="3733400"/>
-            <a:ext cx="234583" cy="1224111"/>
-          </a:xfrm>
-          <a:prstGeom prst="rightBrace">
-            <a:avLst/>
-          </a:prstGeom>
-          <a:ln w="19050">
-            <a:solidFill>
-              <a:schemeClr val="tx1">
-                <a:lumMod val="65000"/>
-                <a:lumOff val="35000"/>
-              </a:schemeClr>
-            </a:solidFill>
-          </a:ln>
-        </p:spPr>
-        <p:style>
-          <a:lnRef idx="1">
-            <a:schemeClr val="accent1"/>
-          </a:lnRef>
-          <a:fillRef idx="0">
-            <a:schemeClr val="accent1"/>
-          </a:fillRef>
-          <a:effectRef idx="0">
-            <a:schemeClr val="accent1"/>
-          </a:effectRef>
-          <a:fontRef idx="minor">
-            <a:schemeClr val="tx1"/>
-          </a:fontRef>
-        </p:style>
-        <p:txBody>
-          <a:bodyPr rtlCol="0" anchor="ctr"/>
-          <a:lstStyle/>
-          <a:p>
-            <a:pPr algn="ctr"/>
-            <a:endParaRPr lang="en-US"/>
-          </a:p>
-        </p:txBody>
-      </p:sp>
-      <p:sp>
-        <p:nvSpPr>
-          <p:cNvPr id="32" name="TextBox 31">
-            <a:extLst>
-              <a:ext uri="{FF2B5EF4-FFF2-40B4-BE49-F238E27FC236}">
-                <a16:creationId xmlns:a16="http://schemas.microsoft.com/office/drawing/2014/main" id="{3CA8E243-CBFD-4FA4-B602-A82004D54655}"/>
-              </a:ext>
-            </a:extLst>
-          </p:cNvPr>
-          <p:cNvSpPr txBox="1"/>
-          <p:nvPr/>
-        </p:nvSpPr>
-        <p:spPr>
-          <a:xfrm>
-            <a:off x="6940493" y="4119476"/>
-            <a:ext cx="862759" cy="276999"/>
-          </a:xfrm>
-          <a:prstGeom prst="rect">
-            <a:avLst/>
-          </a:prstGeom>
-          <a:noFill/>
-        </p:spPr>
-        <p:txBody>
-          <a:bodyPr wrap="square" rtlCol="0">
-            <a:spAutoFit/>
-          </a:bodyPr>
-          <a:lstStyle/>
-          <a:p>
-            <a:r>
-              <a:rPr lang="en-US" sz="1200" dirty="0">
-                <a:latin typeface="Times New Roman" panose="02020603050405020304" pitchFamily="18" charset="0"/>
-                <a:cs typeface="Times New Roman" panose="02020603050405020304" pitchFamily="18" charset="0"/>
-              </a:rPr>
-              <a:t>Zoom</a:t>
-            </a:r>
-          </a:p>
-        </p:txBody>
-      </p:sp>
-      <p:sp>
-        <p:nvSpPr>
-          <p:cNvPr id="17" name="TextBox 16">
-            <a:extLst>
-              <a:ext uri="{FF2B5EF4-FFF2-40B4-BE49-F238E27FC236}">
-                <a16:creationId xmlns:a16="http://schemas.microsoft.com/office/drawing/2014/main" id="{13D3D558-BEF4-4EF4-84EB-F268FD734E13}"/>
-              </a:ext>
-            </a:extLst>
-          </p:cNvPr>
-          <p:cNvSpPr txBox="1"/>
-          <p:nvPr/>
-        </p:nvSpPr>
-        <p:spPr>
-          <a:xfrm>
-            <a:off x="10586434" y="386366"/>
-            <a:ext cx="1236372" cy="923330"/>
-          </a:xfrm>
-          <a:prstGeom prst="rect">
-            <a:avLst/>
-          </a:prstGeom>
-          <a:noFill/>
-        </p:spPr>
-        <p:txBody>
-          <a:bodyPr wrap="square" rtlCol="0">
-            <a:spAutoFit/>
-          </a:bodyPr>
-          <a:lstStyle/>
-          <a:p>
-            <a:r>
-              <a:rPr lang="en-US" dirty="0"/>
-              <a:t>D=0.6</a:t>
-            </a:r>
-          </a:p>
-          <a:p>
-            <a:r>
-              <a:rPr lang="en-US" dirty="0"/>
-              <a:t>F=86</a:t>
-            </a:r>
-          </a:p>
-          <a:p>
-            <a:r>
-              <a:rPr lang="en-US" dirty="0"/>
-              <a:t>L1</a:t>
-            </a:r>
-          </a:p>
-        </p:txBody>
-      </p:sp>
-      <p:sp>
-        <p:nvSpPr>
-          <p:cNvPr id="36" name="Rectangle 35">
-            <a:extLst>
-              <a:ext uri="{FF2B5EF4-FFF2-40B4-BE49-F238E27FC236}">
-                <a16:creationId xmlns:a16="http://schemas.microsoft.com/office/drawing/2014/main" id="{6111EFF9-5FB6-4EF3-AA97-3A38A1A35F18}"/>
-              </a:ext>
-            </a:extLst>
-          </p:cNvPr>
-          <p:cNvSpPr/>
-          <p:nvPr/>
-        </p:nvSpPr>
-        <p:spPr>
-          <a:xfrm>
-            <a:off x="3999854" y="245510"/>
-            <a:ext cx="4282440" cy="1905000"/>
-          </a:xfrm>
-          <a:prstGeom prst="rect">
-            <a:avLst/>
-          </a:prstGeom>
-          <a:noFill/>
         </p:spPr>
         <p:style>
           <a:lnRef idx="2">
@@ -4459,20 +6327,32 @@
           </a:fontRef>
         </p:style>
         <p:txBody>
-          <a:bodyPr rtlCol="0" anchor="ctr"/>
+          <a:bodyPr rot="0" spcFirstLastPara="0" vertOverflow="overflow" horzOverflow="overflow" vert="horz" wrap="square" lIns="91440" tIns="45720" rIns="91440" bIns="45720" numCol="1" spcCol="0" rtlCol="0" fromWordArt="0" anchor="ctr" anchorCtr="0" forceAA="0" compatLnSpc="1">
+            <a:prstTxWarp prst="textNoShape">
+              <a:avLst/>
+            </a:prstTxWarp>
+            <a:noAutofit/>
+          </a:bodyPr>
           <a:lstStyle/>
           <a:p>
             <a:pPr algn="ctr"/>
-            <a:endParaRPr lang="en-US"/>
-          </a:p>
-        </p:txBody>
-      </p:sp>
-      <p:sp>
-        <p:nvSpPr>
-          <p:cNvPr id="37" name="Rectangle 36">
-            <a:extLst>
-              <a:ext uri="{FF2B5EF4-FFF2-40B4-BE49-F238E27FC236}">
-                <a16:creationId xmlns:a16="http://schemas.microsoft.com/office/drawing/2014/main" id="{91962178-E751-4E2C-9B7E-B99EBC27141E}"/>
+            <a:r>
+              <a:rPr lang="en-US" dirty="0">
+                <a:solidFill>
+                  <a:schemeClr val="tx1"/>
+                </a:solidFill>
+              </a:rPr>
+              <a:t>B</a:t>
+            </a:r>
+          </a:p>
+        </p:txBody>
+      </p:sp>
+      <p:sp>
+        <p:nvSpPr>
+          <p:cNvPr id="18" name="Oval 17">
+            <a:extLst>
+              <a:ext uri="{FF2B5EF4-FFF2-40B4-BE49-F238E27FC236}">
+                <a16:creationId xmlns:a16="http://schemas.microsoft.com/office/drawing/2014/main" id="{E80663BC-884F-40A9-BFF3-6B1BB4329374}"/>
               </a:ext>
             </a:extLst>
           </p:cNvPr>
@@ -4481,13 +6361,18 @@
         </p:nvSpPr>
         <p:spPr>
           <a:xfrm>
-            <a:off x="3999854" y="2192428"/>
-            <a:ext cx="4282440" cy="1905000"/>
-          </a:xfrm>
-          <a:prstGeom prst="rect">
+            <a:off x="9637050" y="3327808"/>
+            <a:ext cx="279918" cy="289866"/>
+          </a:xfrm>
+          <a:prstGeom prst="ellipse">
             <a:avLst/>
           </a:prstGeom>
           <a:noFill/>
+          <a:ln w="28575">
+            <a:solidFill>
+              <a:schemeClr val="tx1"/>
+            </a:solidFill>
+          </a:ln>
         </p:spPr>
         <p:style>
           <a:lnRef idx="2">
@@ -4506,20 +6391,32 @@
           </a:fontRef>
         </p:style>
         <p:txBody>
-          <a:bodyPr rtlCol="0" anchor="ctr"/>
+          <a:bodyPr rot="0" spcFirstLastPara="0" vertOverflow="overflow" horzOverflow="overflow" vert="horz" wrap="square" lIns="91440" tIns="45720" rIns="91440" bIns="45720" numCol="1" spcCol="0" rtlCol="0" fromWordArt="0" anchor="ctr" anchorCtr="0" forceAA="0" compatLnSpc="1">
+            <a:prstTxWarp prst="textNoShape">
+              <a:avLst/>
+            </a:prstTxWarp>
+            <a:noAutofit/>
+          </a:bodyPr>
           <a:lstStyle/>
           <a:p>
             <a:pPr algn="ctr"/>
-            <a:endParaRPr lang="en-US"/>
-          </a:p>
-        </p:txBody>
-      </p:sp>
-      <p:sp>
-        <p:nvSpPr>
-          <p:cNvPr id="38" name="Rectangle 37">
-            <a:extLst>
-              <a:ext uri="{FF2B5EF4-FFF2-40B4-BE49-F238E27FC236}">
-                <a16:creationId xmlns:a16="http://schemas.microsoft.com/office/drawing/2014/main" id="{2A6C7F60-48CA-44CC-90BA-9B86EE7A110E}"/>
+            <a:r>
+              <a:rPr lang="en-US" dirty="0">
+                <a:solidFill>
+                  <a:schemeClr val="tx1"/>
+                </a:solidFill>
+              </a:rPr>
+              <a:t>C</a:t>
+            </a:r>
+          </a:p>
+        </p:txBody>
+      </p:sp>
+      <p:sp>
+        <p:nvSpPr>
+          <p:cNvPr id="19" name="Oval 18">
+            <a:extLst>
+              <a:ext uri="{FF2B5EF4-FFF2-40B4-BE49-F238E27FC236}">
+                <a16:creationId xmlns:a16="http://schemas.microsoft.com/office/drawing/2014/main" id="{35ABA06D-147E-4402-8CA9-A1E2EF690E6C}"/>
               </a:ext>
             </a:extLst>
           </p:cNvPr>
@@ -4528,13 +6425,18 @@
         </p:nvSpPr>
         <p:spPr>
           <a:xfrm>
-            <a:off x="3999854" y="4562041"/>
-            <a:ext cx="4282440" cy="1905000"/>
-          </a:xfrm>
-          <a:prstGeom prst="rect">
+            <a:off x="9637050" y="5430383"/>
+            <a:ext cx="279918" cy="289866"/>
+          </a:xfrm>
+          <a:prstGeom prst="ellipse">
             <a:avLst/>
           </a:prstGeom>
           <a:noFill/>
+          <a:ln w="28575">
+            <a:solidFill>
+              <a:schemeClr val="tx1"/>
+            </a:solidFill>
+          </a:ln>
         </p:spPr>
         <p:style>
           <a:lnRef idx="2">
@@ -4553,18 +6455,691 @@
           </a:fontRef>
         </p:style>
         <p:txBody>
-          <a:bodyPr rtlCol="0" anchor="ctr"/>
+          <a:bodyPr rot="0" spcFirstLastPara="0" vertOverflow="overflow" horzOverflow="overflow" vert="horz" wrap="square" lIns="91440" tIns="45720" rIns="91440" bIns="45720" numCol="1" spcCol="0" rtlCol="0" fromWordArt="0" anchor="ctr" anchorCtr="0" forceAA="0" compatLnSpc="1">
+            <a:prstTxWarp prst="textNoShape">
+              <a:avLst/>
+            </a:prstTxWarp>
+            <a:noAutofit/>
+          </a:bodyPr>
           <a:lstStyle/>
           <a:p>
             <a:pPr algn="ctr"/>
-            <a:endParaRPr lang="en-US"/>
+            <a:r>
+              <a:rPr lang="en-US" dirty="0">
+                <a:solidFill>
+                  <a:schemeClr val="tx1"/>
+                </a:solidFill>
+              </a:rPr>
+              <a:t>D</a:t>
+            </a:r>
+          </a:p>
+        </p:txBody>
+      </p:sp>
+      <p:sp>
+        <p:nvSpPr>
+          <p:cNvPr id="20" name="Oval 19">
+            <a:extLst>
+              <a:ext uri="{FF2B5EF4-FFF2-40B4-BE49-F238E27FC236}">
+                <a16:creationId xmlns:a16="http://schemas.microsoft.com/office/drawing/2014/main" id="{58784130-EC43-45D6-BC3B-83664DB42D75}"/>
+              </a:ext>
+            </a:extLst>
+          </p:cNvPr>
+          <p:cNvSpPr/>
+          <p:nvPr/>
+        </p:nvSpPr>
+        <p:spPr>
+          <a:xfrm>
+            <a:off x="2619645" y="5427584"/>
+            <a:ext cx="279918" cy="289866"/>
+          </a:xfrm>
+          <a:prstGeom prst="ellipse">
+            <a:avLst/>
+          </a:prstGeom>
+          <a:noFill/>
+          <a:ln w="28575">
+            <a:solidFill>
+              <a:schemeClr val="tx1"/>
+            </a:solidFill>
+          </a:ln>
+        </p:spPr>
+        <p:style>
+          <a:lnRef idx="2">
+            <a:schemeClr val="accent1">
+              <a:shade val="50000"/>
+            </a:schemeClr>
+          </a:lnRef>
+          <a:fillRef idx="1">
+            <a:schemeClr val="accent1"/>
+          </a:fillRef>
+          <a:effectRef idx="0">
+            <a:schemeClr val="accent1"/>
+          </a:effectRef>
+          <a:fontRef idx="minor">
+            <a:schemeClr val="lt1"/>
+          </a:fontRef>
+        </p:style>
+        <p:txBody>
+          <a:bodyPr rot="0" spcFirstLastPara="0" vertOverflow="overflow" horzOverflow="overflow" vert="horz" wrap="square" lIns="91440" tIns="45720" rIns="91440" bIns="45720" numCol="1" spcCol="0" rtlCol="0" fromWordArt="0" anchor="ctr" anchorCtr="0" forceAA="0" compatLnSpc="1">
+            <a:prstTxWarp prst="textNoShape">
+              <a:avLst/>
+            </a:prstTxWarp>
+            <a:noAutofit/>
+          </a:bodyPr>
+          <a:lstStyle/>
+          <a:p>
+            <a:pPr algn="ctr"/>
+            <a:r>
+              <a:rPr lang="en-US" dirty="0">
+                <a:solidFill>
+                  <a:schemeClr val="tx1"/>
+                </a:solidFill>
+              </a:rPr>
+              <a:t>E</a:t>
+            </a:r>
+          </a:p>
+        </p:txBody>
+      </p:sp>
+      <mc:AlternateContent xmlns:mc="http://schemas.openxmlformats.org/markup-compatibility/2006" xmlns:a14="http://schemas.microsoft.com/office/drawing/2010/main">
+        <mc:Choice Requires="a14">
+          <p:sp>
+            <p:nvSpPr>
+              <p:cNvPr id="21" name="Rectangle 20">
+                <a:extLst>
+                  <a:ext uri="{FF2B5EF4-FFF2-40B4-BE49-F238E27FC236}">
+                    <a16:creationId xmlns:a16="http://schemas.microsoft.com/office/drawing/2014/main" id="{B6E6577F-CD11-41BC-9408-44BB2AD2D500}"/>
+                  </a:ext>
+                </a:extLst>
+              </p:cNvPr>
+              <p:cNvSpPr/>
+              <p:nvPr/>
+            </p:nvSpPr>
+            <p:spPr>
+              <a:xfrm>
+                <a:off x="3171964" y="2603734"/>
+                <a:ext cx="2435290" cy="1352939"/>
+              </a:xfrm>
+              <a:prstGeom prst="rect">
+                <a:avLst/>
+              </a:prstGeom>
+              <a:noFill/>
+              <a:ln w="38100">
+                <a:solidFill>
+                  <a:schemeClr val="tx1"/>
+                </a:solidFill>
+              </a:ln>
+            </p:spPr>
+            <p:style>
+              <a:lnRef idx="2">
+                <a:schemeClr val="accent1">
+                  <a:shade val="50000"/>
+                </a:schemeClr>
+              </a:lnRef>
+              <a:fillRef idx="1">
+                <a:schemeClr val="accent1"/>
+              </a:fillRef>
+              <a:effectRef idx="0">
+                <a:schemeClr val="accent1"/>
+              </a:effectRef>
+              <a:fontRef idx="minor">
+                <a:schemeClr val="lt1"/>
+              </a:fontRef>
+            </p:style>
+            <p:txBody>
+              <a:bodyPr rtlCol="0" anchor="ctr"/>
+              <a:lstStyle/>
+              <a:p>
+                <a:pPr algn="ctr"/>
+                <a:endParaRPr lang="en-US" dirty="0">
+                  <a:solidFill>
+                    <a:schemeClr val="tx1"/>
+                  </a:solidFill>
+                  <a:latin typeface="Times New Roman" panose="02020603050405020304" pitchFamily="18" charset="0"/>
+                  <a:cs typeface="Times New Roman" panose="02020603050405020304" pitchFamily="18" charset="0"/>
+                </a:endParaRPr>
+              </a:p>
+              <a:p>
+                <a:pPr algn="ctr"/>
+                <a:r>
+                  <a:rPr lang="en-US" dirty="0">
+                    <a:solidFill>
+                      <a:schemeClr val="tx1"/>
+                    </a:solidFill>
+                    <a:latin typeface="Times New Roman" panose="02020603050405020304" pitchFamily="18" charset="0"/>
+                    <a:cs typeface="Times New Roman" panose="02020603050405020304" pitchFamily="18" charset="0"/>
+                  </a:rPr>
+                  <a:t>Constant Motor Power</a:t>
+                </a:r>
+              </a:p>
+              <a:p>
+                <a:pPr algn="ctr"/>
+                <a:r>
+                  <a:rPr lang="en-US" dirty="0">
+                    <a:solidFill>
+                      <a:schemeClr val="tx1"/>
+                    </a:solidFill>
+                    <a:latin typeface="Times New Roman" panose="02020603050405020304" pitchFamily="18" charset="0"/>
+                    <a:cs typeface="Times New Roman" panose="02020603050405020304" pitchFamily="18" charset="0"/>
+                  </a:rPr>
+                  <a:t>(</a:t>
+                </a:r>
+                <a14:m>
+                  <m:oMath xmlns:m="http://schemas.openxmlformats.org/officeDocument/2006/math">
+                    <m:sSub>
+                      <m:sSubPr>
+                        <m:ctrlPr>
+                          <a:rPr lang="en-US" i="1">
+                            <a:solidFill>
+                              <a:schemeClr val="tx1"/>
+                            </a:solidFill>
+                            <a:latin typeface="Cambria Math" panose="02040503050406030204" pitchFamily="18" charset="0"/>
+                            <a:cs typeface="Times New Roman" panose="02020603050405020304" pitchFamily="18" charset="0"/>
+                          </a:rPr>
+                        </m:ctrlPr>
+                      </m:sSubPr>
+                      <m:e>
+                        <m:r>
+                          <a:rPr lang="en-US" i="1">
+                            <a:solidFill>
+                              <a:schemeClr val="tx1"/>
+                            </a:solidFill>
+                            <a:latin typeface="Cambria Math" panose="02040503050406030204" pitchFamily="18" charset="0"/>
+                            <a:cs typeface="Times New Roman" panose="02020603050405020304" pitchFamily="18" charset="0"/>
+                          </a:rPr>
+                          <m:t>𝑓</m:t>
+                        </m:r>
+                      </m:e>
+                      <m:sub>
+                        <m:r>
+                          <a:rPr lang="en-US" i="1">
+                            <a:solidFill>
+                              <a:schemeClr val="tx1"/>
+                            </a:solidFill>
+                            <a:latin typeface="Cambria Math" panose="02040503050406030204" pitchFamily="18" charset="0"/>
+                            <a:cs typeface="Times New Roman" panose="02020603050405020304" pitchFamily="18" charset="0"/>
+                          </a:rPr>
+                          <m:t>𝑜𝑝</m:t>
+                        </m:r>
+                      </m:sub>
+                    </m:sSub>
+                  </m:oMath>
+                </a14:m>
+                <a:r>
+                  <a:rPr lang="en-US" dirty="0">
+                    <a:solidFill>
+                      <a:schemeClr val="tx1"/>
+                    </a:solidFill>
+                    <a:latin typeface="Times New Roman" panose="02020603050405020304" pitchFamily="18" charset="0"/>
+                    <a:cs typeface="Times New Roman" panose="02020603050405020304" pitchFamily="18" charset="0"/>
+                  </a:rPr>
+                  <a:t>=80kHz)</a:t>
+                </a:r>
+              </a:p>
+              <a:p>
+                <a:pPr algn="ctr"/>
+                <a:r>
+                  <a:rPr lang="en-US" dirty="0">
+                    <a:solidFill>
+                      <a:schemeClr val="tx1"/>
+                    </a:solidFill>
+                    <a:latin typeface="Times New Roman" panose="02020603050405020304" pitchFamily="18" charset="0"/>
+                    <a:cs typeface="Times New Roman" panose="02020603050405020304" pitchFamily="18" charset="0"/>
+                  </a:rPr>
+                  <a:t>(</a:t>
+                </a:r>
+                <a14:m>
+                  <m:oMath xmlns:m="http://schemas.openxmlformats.org/officeDocument/2006/math">
+                    <m:r>
+                      <a:rPr lang="en-US" i="1">
+                        <a:solidFill>
+                          <a:schemeClr val="tx1"/>
+                        </a:solidFill>
+                        <a:latin typeface="Cambria Math" panose="02040503050406030204" pitchFamily="18" charset="0"/>
+                        <a:cs typeface="Times New Roman" panose="02020603050405020304" pitchFamily="18" charset="0"/>
+                      </a:rPr>
+                      <m:t>𝐷</m:t>
+                    </m:r>
+                  </m:oMath>
+                </a14:m>
+                <a:r>
+                  <a:rPr lang="en-US" dirty="0">
+                    <a:solidFill>
+                      <a:schemeClr val="tx1"/>
+                    </a:solidFill>
+                    <a:latin typeface="Times New Roman" panose="02020603050405020304" pitchFamily="18" charset="0"/>
+                    <a:cs typeface="Times New Roman" panose="02020603050405020304" pitchFamily="18" charset="0"/>
+                  </a:rPr>
+                  <a:t>=0.6)</a:t>
+                </a:r>
+              </a:p>
+              <a:p>
+                <a:pPr algn="ctr"/>
+                <a:r>
+                  <a:rPr lang="en-US" dirty="0">
+                    <a:solidFill>
+                      <a:schemeClr val="tx1"/>
+                    </a:solidFill>
+                    <a:latin typeface="Times New Roman" panose="02020603050405020304" pitchFamily="18" charset="0"/>
+                    <a:cs typeface="Times New Roman" panose="02020603050405020304" pitchFamily="18" charset="0"/>
+                  </a:rPr>
+                  <a:t>(</a:t>
+                </a:r>
+                <a14:m>
+                  <m:oMath xmlns:m="http://schemas.openxmlformats.org/officeDocument/2006/math">
+                    <m:sSub>
+                      <m:sSubPr>
+                        <m:ctrlPr>
+                          <a:rPr lang="en-US" i="1">
+                            <a:solidFill>
+                              <a:schemeClr val="tx1"/>
+                            </a:solidFill>
+                            <a:latin typeface="Cambria Math" panose="02040503050406030204" pitchFamily="18" charset="0"/>
+                            <a:cs typeface="Times New Roman" panose="02020603050405020304" pitchFamily="18" charset="0"/>
+                          </a:rPr>
+                        </m:ctrlPr>
+                      </m:sSubPr>
+                      <m:e>
+                        <m:r>
+                          <a:rPr lang="en-US" i="1">
+                            <a:solidFill>
+                              <a:schemeClr val="tx1"/>
+                            </a:solidFill>
+                            <a:latin typeface="Cambria Math" panose="02040503050406030204" pitchFamily="18" charset="0"/>
+                            <a:cs typeface="Times New Roman" panose="02020603050405020304" pitchFamily="18" charset="0"/>
+                          </a:rPr>
+                          <m:t>𝑇</m:t>
+                        </m:r>
+                      </m:e>
+                      <m:sub>
+                        <m:r>
+                          <a:rPr lang="en-US" i="1">
+                            <a:solidFill>
+                              <a:schemeClr val="tx1"/>
+                            </a:solidFill>
+                            <a:latin typeface="Cambria Math" panose="02040503050406030204" pitchFamily="18" charset="0"/>
+                            <a:cs typeface="Times New Roman" panose="02020603050405020304" pitchFamily="18" charset="0"/>
+                          </a:rPr>
+                          <m:t>𝐿</m:t>
+                        </m:r>
+                      </m:sub>
+                    </m:sSub>
+                  </m:oMath>
+                </a14:m>
+                <a:r>
+                  <a:rPr lang="en-US" dirty="0">
+                    <a:solidFill>
+                      <a:schemeClr val="tx1"/>
+                    </a:solidFill>
+                    <a:latin typeface="Times New Roman" panose="02020603050405020304" pitchFamily="18" charset="0"/>
+                    <a:cs typeface="Times New Roman" panose="02020603050405020304" pitchFamily="18" charset="0"/>
+                  </a:rPr>
+                  <a:t>= x1)</a:t>
+                </a:r>
+              </a:p>
+              <a:p>
+                <a:pPr algn="ctr"/>
+                <a:endParaRPr lang="en-US" dirty="0">
+                  <a:solidFill>
+                    <a:schemeClr val="tx1"/>
+                  </a:solidFill>
+                  <a:latin typeface="Times New Roman" panose="02020603050405020304" pitchFamily="18" charset="0"/>
+                  <a:cs typeface="Times New Roman" panose="02020603050405020304" pitchFamily="18" charset="0"/>
+                </a:endParaRPr>
+              </a:p>
+              <a:p>
+                <a:pPr algn="ctr"/>
+                <a:endParaRPr lang="en-US" dirty="0">
+                  <a:solidFill>
+                    <a:schemeClr val="tx1"/>
+                  </a:solidFill>
+                  <a:latin typeface="Times New Roman" panose="02020603050405020304" pitchFamily="18" charset="0"/>
+                  <a:cs typeface="Times New Roman" panose="02020603050405020304" pitchFamily="18" charset="0"/>
+                </a:endParaRPr>
+              </a:p>
+            </p:txBody>
+          </p:sp>
+        </mc:Choice>
+        <mc:Fallback xmlns="">
+          <p:sp>
+            <p:nvSpPr>
+              <p:cNvPr id="21" name="Rectangle 20">
+                <a:extLst>
+                  <a:ext uri="{FF2B5EF4-FFF2-40B4-BE49-F238E27FC236}">
+                    <a16:creationId xmlns:a16="http://schemas.microsoft.com/office/drawing/2014/main" id="{B6E6577F-CD11-41BC-9408-44BB2AD2D500}"/>
+                  </a:ext>
+                </a:extLst>
+              </p:cNvPr>
+              <p:cNvSpPr>
+                <a:spLocks noRot="1" noChangeAspect="1" noMove="1" noResize="1" noEditPoints="1" noAdjustHandles="1" noChangeArrowheads="1" noChangeShapeType="1" noTextEdit="1"/>
+              </p:cNvSpPr>
+              <p:nvPr/>
+            </p:nvSpPr>
+            <p:spPr>
+              <a:xfrm>
+                <a:off x="3171964" y="2603734"/>
+                <a:ext cx="2435290" cy="1352939"/>
+              </a:xfrm>
+              <a:prstGeom prst="rect">
+                <a:avLst/>
+              </a:prstGeom>
+              <a:blipFill>
+                <a:blip r:embed="rId7"/>
+                <a:stretch>
+                  <a:fillRect t="-5702"/>
+                </a:stretch>
+              </a:blipFill>
+              <a:ln w="38100">
+                <a:solidFill>
+                  <a:schemeClr val="tx1"/>
+                </a:solidFill>
+              </a:ln>
+            </p:spPr>
+            <p:txBody>
+              <a:bodyPr/>
+              <a:lstStyle/>
+              <a:p>
+                <a:r>
+                  <a:rPr lang="en-US">
+                    <a:noFill/>
+                  </a:rPr>
+                  <a:t> </a:t>
+                </a:r>
+              </a:p>
+            </p:txBody>
+          </p:sp>
+        </mc:Fallback>
+      </mc:AlternateContent>
+      <p:sp>
+        <p:nvSpPr>
+          <p:cNvPr id="22" name="Oval 21">
+            <a:extLst>
+              <a:ext uri="{FF2B5EF4-FFF2-40B4-BE49-F238E27FC236}">
+                <a16:creationId xmlns:a16="http://schemas.microsoft.com/office/drawing/2014/main" id="{DB20C2F6-50AF-4E7C-9A55-073802265D3C}"/>
+              </a:ext>
+            </a:extLst>
+          </p:cNvPr>
+          <p:cNvSpPr/>
+          <p:nvPr/>
+        </p:nvSpPr>
+        <p:spPr>
+          <a:xfrm>
+            <a:off x="2674840" y="3182875"/>
+            <a:ext cx="279918" cy="289866"/>
+          </a:xfrm>
+          <a:prstGeom prst="ellipse">
+            <a:avLst/>
+          </a:prstGeom>
+          <a:noFill/>
+          <a:ln w="28575">
+            <a:solidFill>
+              <a:schemeClr val="tx1"/>
+            </a:solidFill>
+          </a:ln>
+        </p:spPr>
+        <p:style>
+          <a:lnRef idx="2">
+            <a:schemeClr val="accent1">
+              <a:shade val="50000"/>
+            </a:schemeClr>
+          </a:lnRef>
+          <a:fillRef idx="1">
+            <a:schemeClr val="accent1"/>
+          </a:fillRef>
+          <a:effectRef idx="0">
+            <a:schemeClr val="accent1"/>
+          </a:effectRef>
+          <a:fontRef idx="minor">
+            <a:schemeClr val="lt1"/>
+          </a:fontRef>
+        </p:style>
+        <p:txBody>
+          <a:bodyPr rot="0" spcFirstLastPara="0" vertOverflow="overflow" horzOverflow="overflow" vert="horz" wrap="square" lIns="91440" tIns="45720" rIns="91440" bIns="45720" numCol="1" spcCol="0" rtlCol="0" fromWordArt="0" anchor="ctr" anchorCtr="0" forceAA="0" compatLnSpc="1">
+            <a:prstTxWarp prst="textNoShape">
+              <a:avLst/>
+            </a:prstTxWarp>
+            <a:noAutofit/>
+          </a:bodyPr>
+          <a:lstStyle/>
+          <a:p>
+            <a:pPr algn="ctr"/>
+            <a:r>
+              <a:rPr lang="en-US" dirty="0">
+                <a:solidFill>
+                  <a:schemeClr val="tx1"/>
+                </a:solidFill>
+              </a:rPr>
+              <a:t>F</a:t>
+            </a:r>
+          </a:p>
+        </p:txBody>
+      </p:sp>
+      <p:cxnSp>
+        <p:nvCxnSpPr>
+          <p:cNvPr id="23" name="Straight Arrow Connector 22">
+            <a:extLst>
+              <a:ext uri="{FF2B5EF4-FFF2-40B4-BE49-F238E27FC236}">
+                <a16:creationId xmlns:a16="http://schemas.microsoft.com/office/drawing/2014/main" id="{82AE65A4-DD88-482E-9ACD-815AE12C1480}"/>
+              </a:ext>
+            </a:extLst>
+          </p:cNvPr>
+          <p:cNvCxnSpPr>
+            <a:cxnSpLocks/>
+            <a:stCxn id="12" idx="1"/>
+            <a:endCxn id="14" idx="3"/>
+          </p:cNvCxnSpPr>
+          <p:nvPr/>
+        </p:nvCxnSpPr>
+        <p:spPr>
+          <a:xfrm flipH="1" flipV="1">
+            <a:off x="5607253" y="5525069"/>
+            <a:ext cx="1344424" cy="3675"/>
+          </a:xfrm>
+          <a:prstGeom prst="straightConnector1">
+            <a:avLst/>
+          </a:prstGeom>
+          <a:ln w="28575">
+            <a:solidFill>
+              <a:schemeClr val="tx1"/>
+            </a:solidFill>
+            <a:tailEnd type="triangle"/>
+          </a:ln>
+        </p:spPr>
+        <p:style>
+          <a:lnRef idx="1">
+            <a:schemeClr val="accent1"/>
+          </a:lnRef>
+          <a:fillRef idx="0">
+            <a:schemeClr val="accent1"/>
+          </a:fillRef>
+          <a:effectRef idx="0">
+            <a:schemeClr val="accent1"/>
+          </a:effectRef>
+          <a:fontRef idx="minor">
+            <a:schemeClr val="tx1"/>
+          </a:fontRef>
+        </p:style>
+      </p:cxnSp>
+      <p:cxnSp>
+        <p:nvCxnSpPr>
+          <p:cNvPr id="24" name="Straight Arrow Connector 23">
+            <a:extLst>
+              <a:ext uri="{FF2B5EF4-FFF2-40B4-BE49-F238E27FC236}">
+                <a16:creationId xmlns:a16="http://schemas.microsoft.com/office/drawing/2014/main" id="{650D2521-1C30-4022-82A5-D3721DF62CA5}"/>
+              </a:ext>
+            </a:extLst>
+          </p:cNvPr>
+          <p:cNvCxnSpPr>
+            <a:cxnSpLocks/>
+            <a:stCxn id="14" idx="0"/>
+            <a:endCxn id="21" idx="2"/>
+          </p:cNvCxnSpPr>
+          <p:nvPr/>
+        </p:nvCxnSpPr>
+        <p:spPr>
+          <a:xfrm flipV="1">
+            <a:off x="4389608" y="3956673"/>
+            <a:ext cx="1" cy="891926"/>
+          </a:xfrm>
+          <a:prstGeom prst="straightConnector1">
+            <a:avLst/>
+          </a:prstGeom>
+          <a:ln w="28575">
+            <a:solidFill>
+              <a:schemeClr val="tx1"/>
+            </a:solidFill>
+            <a:tailEnd type="triangle"/>
+          </a:ln>
+        </p:spPr>
+        <p:style>
+          <a:lnRef idx="1">
+            <a:schemeClr val="accent1"/>
+          </a:lnRef>
+          <a:fillRef idx="0">
+            <a:schemeClr val="accent1"/>
+          </a:fillRef>
+          <a:effectRef idx="0">
+            <a:schemeClr val="accent1"/>
+          </a:effectRef>
+          <a:fontRef idx="minor">
+            <a:schemeClr val="tx1"/>
+          </a:fontRef>
+        </p:style>
+      </p:cxnSp>
+      <p:sp>
+        <p:nvSpPr>
+          <p:cNvPr id="25" name="TextBox 24">
+            <a:extLst>
+              <a:ext uri="{FF2B5EF4-FFF2-40B4-BE49-F238E27FC236}">
+                <a16:creationId xmlns:a16="http://schemas.microsoft.com/office/drawing/2014/main" id="{AB90F132-6A2C-423B-A170-442A9994C096}"/>
+              </a:ext>
+            </a:extLst>
+          </p:cNvPr>
+          <p:cNvSpPr txBox="1"/>
+          <p:nvPr/>
+        </p:nvSpPr>
+        <p:spPr>
+          <a:xfrm rot="10800000" flipV="1">
+            <a:off x="3702288" y="4129344"/>
+            <a:ext cx="2393712" cy="523220"/>
+          </a:xfrm>
+          <a:prstGeom prst="rect">
+            <a:avLst/>
+          </a:prstGeom>
+          <a:noFill/>
+        </p:spPr>
+        <p:txBody>
+          <a:bodyPr wrap="square" rtlCol="0">
+            <a:spAutoFit/>
+          </a:bodyPr>
+          <a:lstStyle/>
+          <a:p>
+            <a:pPr algn="ctr"/>
+            <a:r>
+              <a:rPr lang="en-US" sz="1400" dirty="0"/>
+              <a:t>Motor Load </a:t>
+            </a:r>
+          </a:p>
+          <a:p>
+            <a:pPr algn="ctr"/>
+            <a:r>
+              <a:rPr lang="en-US" sz="1400" dirty="0"/>
+              <a:t>Changes</a:t>
+            </a:r>
+          </a:p>
+        </p:txBody>
+      </p:sp>
+      <p:cxnSp>
+        <p:nvCxnSpPr>
+          <p:cNvPr id="26" name="Straight Arrow Connector 25">
+            <a:extLst>
+              <a:ext uri="{FF2B5EF4-FFF2-40B4-BE49-F238E27FC236}">
+                <a16:creationId xmlns:a16="http://schemas.microsoft.com/office/drawing/2014/main" id="{9416346D-A894-4C19-B77D-F8F7463F4613}"/>
+              </a:ext>
+            </a:extLst>
+          </p:cNvPr>
+          <p:cNvCxnSpPr>
+            <a:cxnSpLocks/>
+            <a:stCxn id="21" idx="0"/>
+            <a:endCxn id="5" idx="2"/>
+          </p:cNvCxnSpPr>
+          <p:nvPr/>
+        </p:nvCxnSpPr>
+        <p:spPr>
+          <a:xfrm flipH="1" flipV="1">
+            <a:off x="4389608" y="1673063"/>
+            <a:ext cx="1" cy="930671"/>
+          </a:xfrm>
+          <a:prstGeom prst="straightConnector1">
+            <a:avLst/>
+          </a:prstGeom>
+          <a:ln w="28575">
+            <a:solidFill>
+              <a:schemeClr val="tx1"/>
+            </a:solidFill>
+            <a:tailEnd type="triangle"/>
+          </a:ln>
+        </p:spPr>
+        <p:style>
+          <a:lnRef idx="1">
+            <a:schemeClr val="accent1"/>
+          </a:lnRef>
+          <a:fillRef idx="0">
+            <a:schemeClr val="accent1"/>
+          </a:fillRef>
+          <a:effectRef idx="0">
+            <a:schemeClr val="accent1"/>
+          </a:effectRef>
+          <a:fontRef idx="minor">
+            <a:schemeClr val="tx1"/>
+          </a:fontRef>
+        </p:style>
+      </p:cxnSp>
+      <p:sp>
+        <p:nvSpPr>
+          <p:cNvPr id="27" name="TextBox 26">
+            <a:extLst>
+              <a:ext uri="{FF2B5EF4-FFF2-40B4-BE49-F238E27FC236}">
+                <a16:creationId xmlns:a16="http://schemas.microsoft.com/office/drawing/2014/main" id="{E315308D-C905-4F58-AD99-732A46BF43D8}"/>
+              </a:ext>
+            </a:extLst>
+          </p:cNvPr>
+          <p:cNvSpPr txBox="1"/>
+          <p:nvPr/>
+        </p:nvSpPr>
+        <p:spPr>
+          <a:xfrm>
+            <a:off x="4022679" y="1893791"/>
+            <a:ext cx="1698463" cy="523220"/>
+          </a:xfrm>
+          <a:prstGeom prst="rect">
+            <a:avLst/>
+          </a:prstGeom>
+          <a:noFill/>
+        </p:spPr>
+        <p:txBody>
+          <a:bodyPr wrap="square" rtlCol="0">
+            <a:spAutoFit/>
+          </a:bodyPr>
+          <a:lstStyle/>
+          <a:p>
+            <a:pPr algn="ctr"/>
+            <a:r>
+              <a:rPr lang="en-US" sz="1400" dirty="0"/>
+              <a:t>IPT Power</a:t>
+            </a:r>
+          </a:p>
+          <a:p>
+            <a:pPr algn="ctr"/>
+            <a:r>
+              <a:rPr lang="en-US" sz="1400" dirty="0"/>
+              <a:t> Control</a:t>
+            </a:r>
           </a:p>
         </p:txBody>
       </p:sp>
     </p:spTree>
     <p:extLst>
       <p:ext uri="{BB962C8B-B14F-4D97-AF65-F5344CB8AC3E}">
-        <p14:creationId xmlns:p14="http://schemas.microsoft.com/office/powerpoint/2010/main" val="3952232485"/>
+        <p14:creationId xmlns:p14="http://schemas.microsoft.com/office/powerpoint/2010/main" val="2803404998"/>
       </p:ext>
     </p:extLst>
   </p:cSld>
@@ -4591,66 +7166,12 @@
           <a:chExt cx="0" cy="0"/>
         </a:xfrm>
       </p:grpSpPr>
-      <p:sp>
-        <p:nvSpPr>
-          <p:cNvPr id="27" name="Rectangle 26">
-            <a:extLst>
-              <a:ext uri="{FF2B5EF4-FFF2-40B4-BE49-F238E27FC236}">
-                <a16:creationId xmlns:a16="http://schemas.microsoft.com/office/drawing/2014/main" id="{7AA556A3-1515-4015-BBBE-EAB2CF64DC47}"/>
-              </a:ext>
-            </a:extLst>
-          </p:cNvPr>
-          <p:cNvSpPr/>
-          <p:nvPr/>
-        </p:nvSpPr>
-        <p:spPr>
-          <a:xfrm>
-            <a:off x="3782590" y="78941"/>
-            <a:ext cx="4637784" cy="6611309"/>
-          </a:xfrm>
-          <a:prstGeom prst="rect">
-            <a:avLst/>
-          </a:prstGeom>
-          <a:solidFill>
-            <a:schemeClr val="bg1"/>
-          </a:solidFill>
-          <a:ln>
-            <a:solidFill>
-              <a:schemeClr val="bg1"/>
-            </a:solidFill>
-          </a:ln>
-        </p:spPr>
-        <p:style>
-          <a:lnRef idx="2">
-            <a:schemeClr val="accent1">
-              <a:shade val="50000"/>
-            </a:schemeClr>
-          </a:lnRef>
-          <a:fillRef idx="1">
-            <a:schemeClr val="accent1"/>
-          </a:fillRef>
-          <a:effectRef idx="0">
-            <a:schemeClr val="accent1"/>
-          </a:effectRef>
-          <a:fontRef idx="minor">
-            <a:schemeClr val="lt1"/>
-          </a:fontRef>
-        </p:style>
-        <p:txBody>
-          <a:bodyPr rtlCol="0" anchor="ctr"/>
-          <a:lstStyle/>
-          <a:p>
-            <a:pPr algn="ctr"/>
-            <a:endParaRPr lang="en-US"/>
-          </a:p>
-        </p:txBody>
-      </p:sp>
       <p:pic>
         <p:nvPicPr>
-          <p:cNvPr id="7" name="Picture 6">
-            <a:extLst>
-              <a:ext uri="{FF2B5EF4-FFF2-40B4-BE49-F238E27FC236}">
-                <a16:creationId xmlns:a16="http://schemas.microsoft.com/office/drawing/2014/main" id="{91FCF679-71D1-4409-92EB-6C2C13207307}"/>
+          <p:cNvPr id="5" name="Picture 4">
+            <a:extLst>
+              <a:ext uri="{FF2B5EF4-FFF2-40B4-BE49-F238E27FC236}">
+                <a16:creationId xmlns:a16="http://schemas.microsoft.com/office/drawing/2014/main" id="{6BB6E542-07B3-400C-824E-F819249AD8DE}"/>
               </a:ext>
             </a:extLst>
           </p:cNvPr>
@@ -4660,366 +7181,25 @@
           <p:nvPr/>
         </p:nvPicPr>
         <p:blipFill>
-          <a:blip r:embed="rId2">
-            <a:extLst>
-              <a:ext uri="{28A0092B-C50C-407E-A947-70E740481C1C}">
-                <a14:useLocalDpi xmlns:a14="http://schemas.microsoft.com/office/drawing/2010/main" val="0"/>
-              </a:ext>
-            </a:extLst>
-          </a:blip>
+          <a:blip r:embed="rId2"/>
           <a:stretch>
             <a:fillRect/>
           </a:stretch>
         </p:blipFill>
         <p:spPr>
           <a:xfrm>
-            <a:off x="3999854" y="4562041"/>
-            <a:ext cx="4282440" cy="1905000"/>
+            <a:off x="2682024" y="617380"/>
+            <a:ext cx="6391141" cy="4793356"/>
           </a:xfrm>
           <a:prstGeom prst="rect">
             <a:avLst/>
           </a:prstGeom>
         </p:spPr>
       </p:pic>
-      <p:pic>
-        <p:nvPicPr>
-          <p:cNvPr id="5" name="Picture 4">
-            <a:extLst>
-              <a:ext uri="{FF2B5EF4-FFF2-40B4-BE49-F238E27FC236}">
-                <a16:creationId xmlns:a16="http://schemas.microsoft.com/office/drawing/2014/main" id="{A57A7D24-F34D-45DE-913F-BAF3E2558A85}"/>
-              </a:ext>
-            </a:extLst>
-          </p:cNvPr>
-          <p:cNvPicPr>
-            <a:picLocks noChangeAspect="1"/>
-          </p:cNvPicPr>
-          <p:nvPr/>
-        </p:nvPicPr>
-        <p:blipFill>
-          <a:blip r:embed="rId3">
-            <a:extLst>
-              <a:ext uri="{28A0092B-C50C-407E-A947-70E740481C1C}">
-                <a14:useLocalDpi xmlns:a14="http://schemas.microsoft.com/office/drawing/2010/main" val="0"/>
-              </a:ext>
-            </a:extLst>
-          </a:blip>
-          <a:stretch>
-            <a:fillRect/>
-          </a:stretch>
-        </p:blipFill>
-        <p:spPr>
-          <a:xfrm>
-            <a:off x="3999854" y="2184127"/>
-            <a:ext cx="4282440" cy="1905000"/>
-          </a:xfrm>
-          <a:prstGeom prst="rect">
-            <a:avLst/>
-          </a:prstGeom>
-        </p:spPr>
-      </p:pic>
-      <p:pic>
-        <p:nvPicPr>
-          <p:cNvPr id="3" name="Picture 2">
-            <a:extLst>
-              <a:ext uri="{FF2B5EF4-FFF2-40B4-BE49-F238E27FC236}">
-                <a16:creationId xmlns:a16="http://schemas.microsoft.com/office/drawing/2014/main" id="{00801B07-732E-4146-80EF-5098BC3F4232}"/>
-              </a:ext>
-            </a:extLst>
-          </p:cNvPr>
-          <p:cNvPicPr>
-            <a:picLocks noChangeAspect="1"/>
-          </p:cNvPicPr>
-          <p:nvPr/>
-        </p:nvPicPr>
-        <p:blipFill>
-          <a:blip r:embed="rId4">
-            <a:extLst>
-              <a:ext uri="{28A0092B-C50C-407E-A947-70E740481C1C}">
-                <a14:useLocalDpi xmlns:a14="http://schemas.microsoft.com/office/drawing/2010/main" val="0"/>
-              </a:ext>
-            </a:extLst>
-          </a:blip>
-          <a:stretch>
-            <a:fillRect/>
-          </a:stretch>
-        </p:blipFill>
-        <p:spPr>
-          <a:xfrm>
-            <a:off x="3999854" y="245510"/>
-            <a:ext cx="4282440" cy="1905000"/>
-          </a:xfrm>
-          <a:prstGeom prst="rect">
-            <a:avLst/>
-          </a:prstGeom>
-        </p:spPr>
-      </p:pic>
-      <p:sp>
-        <p:nvSpPr>
-          <p:cNvPr id="26" name="TextBox 25">
-            <a:extLst>
-              <a:ext uri="{FF2B5EF4-FFF2-40B4-BE49-F238E27FC236}">
-                <a16:creationId xmlns:a16="http://schemas.microsoft.com/office/drawing/2014/main" id="{D34C47F3-F2BA-4F4B-AD35-AB2638C842AF}"/>
-              </a:ext>
-            </a:extLst>
-          </p:cNvPr>
-          <p:cNvSpPr txBox="1"/>
-          <p:nvPr/>
-        </p:nvSpPr>
-        <p:spPr>
-          <a:xfrm>
-            <a:off x="4987738" y="4128870"/>
-            <a:ext cx="862759" cy="276999"/>
-          </a:xfrm>
-          <a:prstGeom prst="rect">
-            <a:avLst/>
-          </a:prstGeom>
-          <a:noFill/>
-        </p:spPr>
-        <p:txBody>
-          <a:bodyPr wrap="square" rtlCol="0">
-            <a:spAutoFit/>
-          </a:bodyPr>
-          <a:lstStyle/>
-          <a:p>
-            <a:r>
-              <a:rPr lang="en-US" sz="1200" dirty="0">
-                <a:latin typeface="Times New Roman" panose="02020603050405020304" pitchFamily="18" charset="0"/>
-                <a:cs typeface="Times New Roman" panose="02020603050405020304" pitchFamily="18" charset="0"/>
-              </a:rPr>
-              <a:t>Zoom</a:t>
-            </a:r>
-          </a:p>
-        </p:txBody>
-      </p:sp>
-      <p:sp>
-        <p:nvSpPr>
-          <p:cNvPr id="30" name="Right Brace 29">
-            <a:extLst>
-              <a:ext uri="{FF2B5EF4-FFF2-40B4-BE49-F238E27FC236}">
-                <a16:creationId xmlns:a16="http://schemas.microsoft.com/office/drawing/2014/main" id="{39C286CD-2492-4AD6-B92D-02C104E45B2A}"/>
-              </a:ext>
-            </a:extLst>
-          </p:cNvPr>
-          <p:cNvSpPr/>
-          <p:nvPr/>
-        </p:nvSpPr>
-        <p:spPr>
-          <a:xfrm rot="5400000">
-            <a:off x="5121150" y="3739805"/>
-            <a:ext cx="234583" cy="1224111"/>
-          </a:xfrm>
-          <a:prstGeom prst="rightBrace">
-            <a:avLst/>
-          </a:prstGeom>
-          <a:ln w="19050">
-            <a:solidFill>
-              <a:schemeClr val="tx1">
-                <a:lumMod val="65000"/>
-                <a:lumOff val="35000"/>
-              </a:schemeClr>
-            </a:solidFill>
-          </a:ln>
-        </p:spPr>
-        <p:style>
-          <a:lnRef idx="1">
-            <a:schemeClr val="accent1"/>
-          </a:lnRef>
-          <a:fillRef idx="0">
-            <a:schemeClr val="accent1"/>
-          </a:fillRef>
-          <a:effectRef idx="0">
-            <a:schemeClr val="accent1"/>
-          </a:effectRef>
-          <a:fontRef idx="minor">
-            <a:schemeClr val="tx1"/>
-          </a:fontRef>
-        </p:style>
-        <p:txBody>
-          <a:bodyPr rtlCol="0" anchor="ctr"/>
-          <a:lstStyle/>
-          <a:p>
-            <a:pPr algn="ctr"/>
-            <a:endParaRPr lang="en-US"/>
-          </a:p>
-        </p:txBody>
-      </p:sp>
-      <p:sp>
-        <p:nvSpPr>
-          <p:cNvPr id="31" name="Right Brace 30">
-            <a:extLst>
-              <a:ext uri="{FF2B5EF4-FFF2-40B4-BE49-F238E27FC236}">
-                <a16:creationId xmlns:a16="http://schemas.microsoft.com/office/drawing/2014/main" id="{45AABD34-09EE-41B6-B9EE-C5ABE48164FD}"/>
-              </a:ext>
-            </a:extLst>
-          </p:cNvPr>
-          <p:cNvSpPr/>
-          <p:nvPr/>
-        </p:nvSpPr>
-        <p:spPr>
-          <a:xfrm rot="5400000">
-            <a:off x="7076701" y="3733400"/>
-            <a:ext cx="234583" cy="1224111"/>
-          </a:xfrm>
-          <a:prstGeom prst="rightBrace">
-            <a:avLst/>
-          </a:prstGeom>
-          <a:ln w="19050">
-            <a:solidFill>
-              <a:schemeClr val="tx1">
-                <a:lumMod val="65000"/>
-                <a:lumOff val="35000"/>
-              </a:schemeClr>
-            </a:solidFill>
-          </a:ln>
-        </p:spPr>
-        <p:style>
-          <a:lnRef idx="1">
-            <a:schemeClr val="accent1"/>
-          </a:lnRef>
-          <a:fillRef idx="0">
-            <a:schemeClr val="accent1"/>
-          </a:fillRef>
-          <a:effectRef idx="0">
-            <a:schemeClr val="accent1"/>
-          </a:effectRef>
-          <a:fontRef idx="minor">
-            <a:schemeClr val="tx1"/>
-          </a:fontRef>
-        </p:style>
-        <p:txBody>
-          <a:bodyPr rtlCol="0" anchor="ctr"/>
-          <a:lstStyle/>
-          <a:p>
-            <a:pPr algn="ctr"/>
-            <a:endParaRPr lang="en-US"/>
-          </a:p>
-        </p:txBody>
-      </p:sp>
-      <p:sp>
-        <p:nvSpPr>
-          <p:cNvPr id="32" name="TextBox 31">
-            <a:extLst>
-              <a:ext uri="{FF2B5EF4-FFF2-40B4-BE49-F238E27FC236}">
-                <a16:creationId xmlns:a16="http://schemas.microsoft.com/office/drawing/2014/main" id="{3CA8E243-CBFD-4FA4-B602-A82004D54655}"/>
-              </a:ext>
-            </a:extLst>
-          </p:cNvPr>
-          <p:cNvSpPr txBox="1"/>
-          <p:nvPr/>
-        </p:nvSpPr>
-        <p:spPr>
-          <a:xfrm>
-            <a:off x="6940493" y="4119476"/>
-            <a:ext cx="862759" cy="276999"/>
-          </a:xfrm>
-          <a:prstGeom prst="rect">
-            <a:avLst/>
-          </a:prstGeom>
-          <a:noFill/>
-        </p:spPr>
-        <p:txBody>
-          <a:bodyPr wrap="square" rtlCol="0">
-            <a:spAutoFit/>
-          </a:bodyPr>
-          <a:lstStyle/>
-          <a:p>
-            <a:r>
-              <a:rPr lang="en-US" sz="1200" dirty="0">
-                <a:latin typeface="Times New Roman" panose="02020603050405020304" pitchFamily="18" charset="0"/>
-                <a:cs typeface="Times New Roman" panose="02020603050405020304" pitchFamily="18" charset="0"/>
-              </a:rPr>
-              <a:t>Zoom</a:t>
-            </a:r>
-          </a:p>
-        </p:txBody>
-      </p:sp>
-      <p:sp>
-        <p:nvSpPr>
-          <p:cNvPr id="17" name="TextBox 16">
-            <a:extLst>
-              <a:ext uri="{FF2B5EF4-FFF2-40B4-BE49-F238E27FC236}">
-                <a16:creationId xmlns:a16="http://schemas.microsoft.com/office/drawing/2014/main" id="{13D3D558-BEF4-4EF4-84EB-F268FD734E13}"/>
-              </a:ext>
-            </a:extLst>
-          </p:cNvPr>
-          <p:cNvSpPr txBox="1"/>
-          <p:nvPr/>
-        </p:nvSpPr>
-        <p:spPr>
-          <a:xfrm>
-            <a:off x="10586434" y="386366"/>
-            <a:ext cx="1236372" cy="923330"/>
-          </a:xfrm>
-          <a:prstGeom prst="rect">
-            <a:avLst/>
-          </a:prstGeom>
-          <a:noFill/>
-        </p:spPr>
-        <p:txBody>
-          <a:bodyPr wrap="square" rtlCol="0">
-            <a:spAutoFit/>
-          </a:bodyPr>
-          <a:lstStyle/>
-          <a:p>
-            <a:r>
-              <a:rPr lang="en-US" dirty="0"/>
-              <a:t>D=0.6</a:t>
-            </a:r>
-          </a:p>
-          <a:p>
-            <a:r>
-              <a:rPr lang="en-US" dirty="0"/>
-              <a:t>F=86</a:t>
-            </a:r>
-          </a:p>
-          <a:p>
-            <a:r>
-              <a:rPr lang="en-US" dirty="0"/>
-              <a:t>L1</a:t>
-            </a:r>
-          </a:p>
-        </p:txBody>
-      </p:sp>
-      <p:sp>
-        <p:nvSpPr>
-          <p:cNvPr id="8" name="TextBox 7">
-            <a:extLst>
-              <a:ext uri="{FF2B5EF4-FFF2-40B4-BE49-F238E27FC236}">
-                <a16:creationId xmlns:a16="http://schemas.microsoft.com/office/drawing/2014/main" id="{36125896-0AE8-4220-9B46-70B0A3E46347}"/>
-              </a:ext>
-            </a:extLst>
-          </p:cNvPr>
-          <p:cNvSpPr txBox="1"/>
-          <p:nvPr/>
-        </p:nvSpPr>
-        <p:spPr>
-          <a:xfrm>
-            <a:off x="10643879" y="1611712"/>
-            <a:ext cx="848616" cy="369332"/>
-          </a:xfrm>
-          <a:prstGeom prst="rect">
-            <a:avLst/>
-          </a:prstGeom>
-          <a:noFill/>
-        </p:spPr>
-        <p:txBody>
-          <a:bodyPr wrap="square" rtlCol="0">
-            <a:spAutoFit/>
-          </a:bodyPr>
-          <a:lstStyle/>
-          <a:p>
-            <a:r>
-              <a:rPr lang="en-US" dirty="0" err="1"/>
-              <a:t>caseA</a:t>
-            </a:r>
-            <a:endParaRPr lang="en-US" dirty="0"/>
-          </a:p>
-        </p:txBody>
-      </p:sp>
     </p:spTree>
     <p:extLst>
       <p:ext uri="{BB962C8B-B14F-4D97-AF65-F5344CB8AC3E}">
-        <p14:creationId xmlns:p14="http://schemas.microsoft.com/office/powerpoint/2010/main" val="2252512604"/>
+        <p14:creationId xmlns:p14="http://schemas.microsoft.com/office/powerpoint/2010/main" val="1581095793"/>
       </p:ext>
     </p:extLst>
   </p:cSld>
@@ -5048,168 +7228,6 @@
       </p:grpSpPr>
       <p:sp>
         <p:nvSpPr>
-          <p:cNvPr id="27" name="Rectangle 26">
-            <a:extLst>
-              <a:ext uri="{FF2B5EF4-FFF2-40B4-BE49-F238E27FC236}">
-                <a16:creationId xmlns:a16="http://schemas.microsoft.com/office/drawing/2014/main" id="{7AA556A3-1515-4015-BBBE-EAB2CF64DC47}"/>
-              </a:ext>
-            </a:extLst>
-          </p:cNvPr>
-          <p:cNvSpPr/>
-          <p:nvPr/>
-        </p:nvSpPr>
-        <p:spPr>
-          <a:xfrm>
-            <a:off x="3782590" y="78941"/>
-            <a:ext cx="4637784" cy="6611309"/>
-          </a:xfrm>
-          <a:prstGeom prst="rect">
-            <a:avLst/>
-          </a:prstGeom>
-          <a:solidFill>
-            <a:schemeClr val="bg1"/>
-          </a:solidFill>
-          <a:ln>
-            <a:solidFill>
-              <a:schemeClr val="bg1"/>
-            </a:solidFill>
-          </a:ln>
-        </p:spPr>
-        <p:style>
-          <a:lnRef idx="2">
-            <a:schemeClr val="accent1">
-              <a:shade val="50000"/>
-            </a:schemeClr>
-          </a:lnRef>
-          <a:fillRef idx="1">
-            <a:schemeClr val="accent1"/>
-          </a:fillRef>
-          <a:effectRef idx="0">
-            <a:schemeClr val="accent1"/>
-          </a:effectRef>
-          <a:fontRef idx="minor">
-            <a:schemeClr val="lt1"/>
-          </a:fontRef>
-        </p:style>
-        <p:txBody>
-          <a:bodyPr rtlCol="0" anchor="ctr"/>
-          <a:lstStyle/>
-          <a:p>
-            <a:pPr algn="ctr"/>
-            <a:endParaRPr lang="en-US"/>
-          </a:p>
-        </p:txBody>
-      </p:sp>
-      <p:pic>
-        <p:nvPicPr>
-          <p:cNvPr id="8" name="Picture 7">
-            <a:extLst>
-              <a:ext uri="{FF2B5EF4-FFF2-40B4-BE49-F238E27FC236}">
-                <a16:creationId xmlns:a16="http://schemas.microsoft.com/office/drawing/2014/main" id="{3B7B61C6-645B-462F-B00B-72B30462E774}"/>
-              </a:ext>
-            </a:extLst>
-          </p:cNvPr>
-          <p:cNvPicPr>
-            <a:picLocks noChangeAspect="1"/>
-          </p:cNvPicPr>
-          <p:nvPr/>
-        </p:nvPicPr>
-        <p:blipFill>
-          <a:blip r:embed="rId2">
-            <a:extLst>
-              <a:ext uri="{28A0092B-C50C-407E-A947-70E740481C1C}">
-                <a14:useLocalDpi xmlns:a14="http://schemas.microsoft.com/office/drawing/2010/main" val="0"/>
-              </a:ext>
-            </a:extLst>
-          </a:blip>
-          <a:stretch>
-            <a:fillRect/>
-          </a:stretch>
-        </p:blipFill>
-        <p:spPr>
-          <a:xfrm>
-            <a:off x="3996535" y="4556934"/>
-            <a:ext cx="4282440" cy="1905000"/>
-          </a:xfrm>
-          <a:prstGeom prst="rect">
-            <a:avLst/>
-          </a:prstGeom>
-        </p:spPr>
-      </p:pic>
-      <p:pic>
-        <p:nvPicPr>
-          <p:cNvPr id="6" name="Picture 5">
-            <a:extLst>
-              <a:ext uri="{FF2B5EF4-FFF2-40B4-BE49-F238E27FC236}">
-                <a16:creationId xmlns:a16="http://schemas.microsoft.com/office/drawing/2014/main" id="{7DB5FAC9-C108-49D3-963D-EF4C4436D823}"/>
-              </a:ext>
-            </a:extLst>
-          </p:cNvPr>
-          <p:cNvPicPr>
-            <a:picLocks noChangeAspect="1"/>
-          </p:cNvPicPr>
-          <p:nvPr/>
-        </p:nvPicPr>
-        <p:blipFill>
-          <a:blip r:embed="rId3">
-            <a:extLst>
-              <a:ext uri="{28A0092B-C50C-407E-A947-70E740481C1C}">
-                <a14:useLocalDpi xmlns:a14="http://schemas.microsoft.com/office/drawing/2010/main" val="0"/>
-              </a:ext>
-            </a:extLst>
-          </a:blip>
-          <a:stretch>
-            <a:fillRect/>
-          </a:stretch>
-        </p:blipFill>
-        <p:spPr>
-          <a:xfrm>
-            <a:off x="3996535" y="2192428"/>
-            <a:ext cx="4282440" cy="1905000"/>
-          </a:xfrm>
-          <a:prstGeom prst="rect">
-            <a:avLst/>
-          </a:prstGeom>
-        </p:spPr>
-      </p:pic>
-      <p:pic>
-        <p:nvPicPr>
-          <p:cNvPr id="4" name="Picture 3">
-            <a:extLst>
-              <a:ext uri="{FF2B5EF4-FFF2-40B4-BE49-F238E27FC236}">
-                <a16:creationId xmlns:a16="http://schemas.microsoft.com/office/drawing/2014/main" id="{C04CCE03-E94D-4BCD-A232-F8EA4B9FBA81}"/>
-              </a:ext>
-            </a:extLst>
-          </p:cNvPr>
-          <p:cNvPicPr>
-            <a:picLocks noChangeAspect="1"/>
-          </p:cNvPicPr>
-          <p:nvPr/>
-        </p:nvPicPr>
-        <p:blipFill>
-          <a:blip r:embed="rId4">
-            <a:extLst>
-              <a:ext uri="{28A0092B-C50C-407E-A947-70E740481C1C}">
-                <a14:useLocalDpi xmlns:a14="http://schemas.microsoft.com/office/drawing/2010/main" val="0"/>
-              </a:ext>
-            </a:extLst>
-          </a:blip>
-          <a:stretch>
-            <a:fillRect/>
-          </a:stretch>
-        </p:blipFill>
-        <p:spPr>
-          <a:xfrm>
-            <a:off x="3996535" y="245510"/>
-            <a:ext cx="4282440" cy="1905000"/>
-          </a:xfrm>
-          <a:prstGeom prst="rect">
-            <a:avLst/>
-          </a:prstGeom>
-        </p:spPr>
-      </p:pic>
-      <p:sp>
-        <p:nvSpPr>
           <p:cNvPr id="26" name="TextBox 25">
             <a:extLst>
               <a:ext uri="{FF2B5EF4-FFF2-40B4-BE49-F238E27FC236}">
@@ -5222,7 +7240,7 @@
         </p:nvSpPr>
         <p:spPr>
           <a:xfrm>
-            <a:off x="4987738" y="4128870"/>
+            <a:off x="4765950" y="3794173"/>
             <a:ext cx="862759" cy="276999"/>
           </a:xfrm>
           <a:prstGeom prst="rect">
@@ -5260,7 +7278,7 @@
         </p:nvSpPr>
         <p:spPr>
           <a:xfrm rot="5400000">
-            <a:off x="5121150" y="3739805"/>
+            <a:off x="4899362" y="3460389"/>
             <a:ext cx="234583" cy="1224111"/>
           </a:xfrm>
           <a:prstGeom prst="rightBrace">
@@ -5312,7 +7330,7 @@
         </p:nvSpPr>
         <p:spPr>
           <a:xfrm rot="5400000">
-            <a:off x="7076701" y="3733400"/>
+            <a:off x="7348181" y="3459118"/>
             <a:ext cx="234583" cy="1224111"/>
           </a:xfrm>
           <a:prstGeom prst="rightBrace">
@@ -5364,7 +7382,7 @@
         </p:nvSpPr>
         <p:spPr>
           <a:xfrm>
-            <a:off x="6940493" y="4119476"/>
+            <a:off x="7214769" y="3800580"/>
             <a:ext cx="862759" cy="276999"/>
           </a:xfrm>
           <a:prstGeom prst="rect">
@@ -5388,6 +7406,186 @@
           </a:p>
         </p:txBody>
       </p:sp>
+      <p:pic>
+        <p:nvPicPr>
+          <p:cNvPr id="4" name="Picture 3">
+            <a:extLst>
+              <a:ext uri="{FF2B5EF4-FFF2-40B4-BE49-F238E27FC236}">
+                <a16:creationId xmlns:a16="http://schemas.microsoft.com/office/drawing/2014/main" id="{B4E19EF0-CBFC-45DE-A251-5990D3EE55B3}"/>
+              </a:ext>
+            </a:extLst>
+          </p:cNvPr>
+          <p:cNvPicPr>
+            <a:picLocks noChangeAspect="1"/>
+          </p:cNvPicPr>
+          <p:nvPr/>
+        </p:nvPicPr>
+        <p:blipFill>
+          <a:blip r:embed="rId2">
+            <a:extLst>
+              <a:ext uri="{28A0092B-C50C-407E-A947-70E740481C1C}">
+                <a14:useLocalDpi xmlns:a14="http://schemas.microsoft.com/office/drawing/2010/main" val="0"/>
+              </a:ext>
+            </a:extLst>
+          </a:blip>
+          <a:stretch>
+            <a:fillRect/>
+          </a:stretch>
+        </p:blipFill>
+        <p:spPr>
+          <a:xfrm>
+            <a:off x="3808614" y="657634"/>
+            <a:ext cx="4762500" cy="1905000"/>
+          </a:xfrm>
+          <a:prstGeom prst="rect">
+            <a:avLst/>
+          </a:prstGeom>
+        </p:spPr>
+      </p:pic>
+      <p:pic>
+        <p:nvPicPr>
+          <p:cNvPr id="7" name="Picture 6">
+            <a:extLst>
+              <a:ext uri="{FF2B5EF4-FFF2-40B4-BE49-F238E27FC236}">
+                <a16:creationId xmlns:a16="http://schemas.microsoft.com/office/drawing/2014/main" id="{23ADE1E3-4988-4DBC-9DA8-69B23886F6C3}"/>
+              </a:ext>
+            </a:extLst>
+          </p:cNvPr>
+          <p:cNvPicPr>
+            <a:picLocks noChangeAspect="1"/>
+          </p:cNvPicPr>
+          <p:nvPr/>
+        </p:nvPicPr>
+        <p:blipFill>
+          <a:blip r:embed="rId3">
+            <a:extLst>
+              <a:ext uri="{28A0092B-C50C-407E-A947-70E740481C1C}">
+                <a14:useLocalDpi xmlns:a14="http://schemas.microsoft.com/office/drawing/2010/main" val="0"/>
+              </a:ext>
+            </a:extLst>
+          </a:blip>
+          <a:stretch>
+            <a:fillRect/>
+          </a:stretch>
+        </p:blipFill>
+        <p:spPr>
+          <a:xfrm>
+            <a:off x="3781464" y="2598751"/>
+            <a:ext cx="2377440" cy="1188720"/>
+          </a:xfrm>
+          <a:prstGeom prst="rect">
+            <a:avLst/>
+          </a:prstGeom>
+        </p:spPr>
+      </p:pic>
+      <p:pic>
+        <p:nvPicPr>
+          <p:cNvPr id="9" name="Picture 8">
+            <a:extLst>
+              <a:ext uri="{FF2B5EF4-FFF2-40B4-BE49-F238E27FC236}">
+                <a16:creationId xmlns:a16="http://schemas.microsoft.com/office/drawing/2014/main" id="{1C221754-8143-446A-AE41-5A7FFDAAA024}"/>
+              </a:ext>
+            </a:extLst>
+          </p:cNvPr>
+          <p:cNvPicPr>
+            <a:picLocks noChangeAspect="1"/>
+          </p:cNvPicPr>
+          <p:nvPr/>
+        </p:nvPicPr>
+        <p:blipFill>
+          <a:blip r:embed="rId4">
+            <a:extLst>
+              <a:ext uri="{28A0092B-C50C-407E-A947-70E740481C1C}">
+                <a14:useLocalDpi xmlns:a14="http://schemas.microsoft.com/office/drawing/2010/main" val="0"/>
+              </a:ext>
+            </a:extLst>
+          </a:blip>
+          <a:stretch>
+            <a:fillRect/>
+          </a:stretch>
+        </p:blipFill>
+        <p:spPr>
+          <a:xfrm>
+            <a:off x="6206654" y="2598750"/>
+            <a:ext cx="2377440" cy="1188720"/>
+          </a:xfrm>
+          <a:prstGeom prst="rect">
+            <a:avLst/>
+          </a:prstGeom>
+        </p:spPr>
+      </p:pic>
+      <p:pic>
+        <p:nvPicPr>
+          <p:cNvPr id="12" name="Picture 11">
+            <a:extLst>
+              <a:ext uri="{FF2B5EF4-FFF2-40B4-BE49-F238E27FC236}">
+                <a16:creationId xmlns:a16="http://schemas.microsoft.com/office/drawing/2014/main" id="{F7FEA451-39DB-400F-AB8F-D1B6C0E3666D}"/>
+              </a:ext>
+            </a:extLst>
+          </p:cNvPr>
+          <p:cNvPicPr>
+            <a:picLocks noChangeAspect="1"/>
+          </p:cNvPicPr>
+          <p:nvPr/>
+        </p:nvPicPr>
+        <p:blipFill>
+          <a:blip r:embed="rId5">
+            <a:extLst>
+              <a:ext uri="{28A0092B-C50C-407E-A947-70E740481C1C}">
+                <a14:useLocalDpi xmlns:a14="http://schemas.microsoft.com/office/drawing/2010/main" val="0"/>
+              </a:ext>
+            </a:extLst>
+          </a:blip>
+          <a:stretch>
+            <a:fillRect/>
+          </a:stretch>
+        </p:blipFill>
+        <p:spPr>
+          <a:xfrm>
+            <a:off x="6233804" y="4339996"/>
+            <a:ext cx="2377440" cy="1188720"/>
+          </a:xfrm>
+          <a:prstGeom prst="rect">
+            <a:avLst/>
+          </a:prstGeom>
+        </p:spPr>
+      </p:pic>
+      <p:pic>
+        <p:nvPicPr>
+          <p:cNvPr id="15" name="Picture 14">
+            <a:extLst>
+              <a:ext uri="{FF2B5EF4-FFF2-40B4-BE49-F238E27FC236}">
+                <a16:creationId xmlns:a16="http://schemas.microsoft.com/office/drawing/2014/main" id="{8EE36984-5D26-4FE4-9E41-4C8249092E11}"/>
+              </a:ext>
+            </a:extLst>
+          </p:cNvPr>
+          <p:cNvPicPr>
+            <a:picLocks noChangeAspect="1"/>
+          </p:cNvPicPr>
+          <p:nvPr/>
+        </p:nvPicPr>
+        <p:blipFill>
+          <a:blip r:embed="rId6">
+            <a:extLst>
+              <a:ext uri="{28A0092B-C50C-407E-A947-70E740481C1C}">
+                <a14:useLocalDpi xmlns:a14="http://schemas.microsoft.com/office/drawing/2010/main" val="0"/>
+              </a:ext>
+            </a:extLst>
+          </a:blip>
+          <a:stretch>
+            <a:fillRect/>
+          </a:stretch>
+        </p:blipFill>
+        <p:spPr>
+          <a:xfrm>
+            <a:off x="3768340" y="4345865"/>
+            <a:ext cx="2377440" cy="1188720"/>
+          </a:xfrm>
+          <a:prstGeom prst="rect">
+            <a:avLst/>
+          </a:prstGeom>
+        </p:spPr>
+      </p:pic>
       <p:sp>
         <p:nvSpPr>
           <p:cNvPr id="17" name="TextBox 16">
@@ -5418,13 +7616,13 @@
           <a:p>
             <a:r>
               <a:rPr lang="en-US" dirty="0"/>
-              <a:t>D=0.75</a:t>
+              <a:t>D=0.6</a:t>
             </a:r>
           </a:p>
           <a:p>
             <a:r>
               <a:rPr lang="en-US" dirty="0"/>
-              <a:t>F=77</a:t>
+              <a:t>F=80</a:t>
             </a:r>
           </a:p>
           <a:p>
@@ -5437,43 +7635,268 @@
       </p:sp>
       <p:sp>
         <p:nvSpPr>
-          <p:cNvPr id="2" name="TextBox 1">
-            <a:extLst>
-              <a:ext uri="{FF2B5EF4-FFF2-40B4-BE49-F238E27FC236}">
-                <a16:creationId xmlns:a16="http://schemas.microsoft.com/office/drawing/2014/main" id="{A670D499-4C2D-47A3-9DAD-B80643EB0664}"/>
-              </a:ext>
-            </a:extLst>
-          </p:cNvPr>
-          <p:cNvSpPr txBox="1"/>
+          <p:cNvPr id="19" name="Rectangle 18">
+            <a:extLst>
+              <a:ext uri="{FF2B5EF4-FFF2-40B4-BE49-F238E27FC236}">
+                <a16:creationId xmlns:a16="http://schemas.microsoft.com/office/drawing/2014/main" id="{4CC925EF-5EAF-474A-B475-5529B544A6B1}"/>
+              </a:ext>
+            </a:extLst>
+          </p:cNvPr>
+          <p:cNvSpPr/>
           <p:nvPr/>
         </p:nvSpPr>
         <p:spPr>
           <a:xfrm>
-            <a:off x="10586434" y="1559085"/>
-            <a:ext cx="1045968" cy="369332"/>
+            <a:off x="3781463" y="2595426"/>
+            <a:ext cx="2377440" cy="1188720"/>
           </a:xfrm>
           <a:prstGeom prst="rect">
             <a:avLst/>
           </a:prstGeom>
           <a:noFill/>
-        </p:spPr>
-        <p:txBody>
-          <a:bodyPr wrap="square" rtlCol="0">
-            <a:spAutoFit/>
-          </a:bodyPr>
-          <a:lstStyle/>
-          <a:p>
-            <a:r>
-              <a:rPr lang="en-US" dirty="0"/>
-              <a:t>Case B</a:t>
-            </a:r>
+          <a:ln>
+            <a:solidFill>
+              <a:schemeClr val="tx1"/>
+            </a:solidFill>
+          </a:ln>
+        </p:spPr>
+        <p:style>
+          <a:lnRef idx="2">
+            <a:schemeClr val="accent1">
+              <a:shade val="50000"/>
+            </a:schemeClr>
+          </a:lnRef>
+          <a:fillRef idx="1">
+            <a:schemeClr val="accent1"/>
+          </a:fillRef>
+          <a:effectRef idx="0">
+            <a:schemeClr val="accent1"/>
+          </a:effectRef>
+          <a:fontRef idx="minor">
+            <a:schemeClr val="lt1"/>
+          </a:fontRef>
+        </p:style>
+        <p:txBody>
+          <a:bodyPr rtlCol="0" anchor="ctr"/>
+          <a:lstStyle/>
+          <a:p>
+            <a:pPr algn="ctr"/>
+            <a:endParaRPr lang="en-US"/>
+          </a:p>
+        </p:txBody>
+      </p:sp>
+      <p:sp>
+        <p:nvSpPr>
+          <p:cNvPr id="24" name="Rectangle 23">
+            <a:extLst>
+              <a:ext uri="{FF2B5EF4-FFF2-40B4-BE49-F238E27FC236}">
+                <a16:creationId xmlns:a16="http://schemas.microsoft.com/office/drawing/2014/main" id="{726C0D7B-61C7-422B-A92A-7D10303D237D}"/>
+              </a:ext>
+            </a:extLst>
+          </p:cNvPr>
+          <p:cNvSpPr/>
+          <p:nvPr/>
+        </p:nvSpPr>
+        <p:spPr>
+          <a:xfrm>
+            <a:off x="3781463" y="657634"/>
+            <a:ext cx="4789651" cy="1905000"/>
+          </a:xfrm>
+          <a:prstGeom prst="rect">
+            <a:avLst/>
+          </a:prstGeom>
+          <a:noFill/>
+          <a:ln>
+            <a:solidFill>
+              <a:schemeClr val="tx1"/>
+            </a:solidFill>
+          </a:ln>
+        </p:spPr>
+        <p:style>
+          <a:lnRef idx="2">
+            <a:schemeClr val="accent1">
+              <a:shade val="50000"/>
+            </a:schemeClr>
+          </a:lnRef>
+          <a:fillRef idx="1">
+            <a:schemeClr val="accent1"/>
+          </a:fillRef>
+          <a:effectRef idx="0">
+            <a:schemeClr val="accent1"/>
+          </a:effectRef>
+          <a:fontRef idx="minor">
+            <a:schemeClr val="lt1"/>
+          </a:fontRef>
+        </p:style>
+        <p:txBody>
+          <a:bodyPr rtlCol="0" anchor="ctr"/>
+          <a:lstStyle/>
+          <a:p>
+            <a:pPr algn="ctr"/>
+            <a:endParaRPr lang="en-US"/>
+          </a:p>
+        </p:txBody>
+      </p:sp>
+      <p:sp>
+        <p:nvSpPr>
+          <p:cNvPr id="28" name="Rectangle 27">
+            <a:extLst>
+              <a:ext uri="{FF2B5EF4-FFF2-40B4-BE49-F238E27FC236}">
+                <a16:creationId xmlns:a16="http://schemas.microsoft.com/office/drawing/2014/main" id="{41DE0E1B-CC0F-4209-AF24-240157C85658}"/>
+              </a:ext>
+            </a:extLst>
+          </p:cNvPr>
+          <p:cNvSpPr/>
+          <p:nvPr/>
+        </p:nvSpPr>
+        <p:spPr>
+          <a:xfrm>
+            <a:off x="6206654" y="2595426"/>
+            <a:ext cx="2377440" cy="1188720"/>
+          </a:xfrm>
+          <a:prstGeom prst="rect">
+            <a:avLst/>
+          </a:prstGeom>
+          <a:noFill/>
+          <a:ln>
+            <a:solidFill>
+              <a:schemeClr val="tx1"/>
+            </a:solidFill>
+          </a:ln>
+        </p:spPr>
+        <p:style>
+          <a:lnRef idx="2">
+            <a:schemeClr val="accent1">
+              <a:shade val="50000"/>
+            </a:schemeClr>
+          </a:lnRef>
+          <a:fillRef idx="1">
+            <a:schemeClr val="accent1"/>
+          </a:fillRef>
+          <a:effectRef idx="0">
+            <a:schemeClr val="accent1"/>
+          </a:effectRef>
+          <a:fontRef idx="minor">
+            <a:schemeClr val="lt1"/>
+          </a:fontRef>
+        </p:style>
+        <p:txBody>
+          <a:bodyPr rtlCol="0" anchor="ctr"/>
+          <a:lstStyle/>
+          <a:p>
+            <a:pPr algn="ctr"/>
+            <a:endParaRPr lang="en-US"/>
+          </a:p>
+        </p:txBody>
+      </p:sp>
+      <p:sp>
+        <p:nvSpPr>
+          <p:cNvPr id="29" name="Rectangle 28">
+            <a:extLst>
+              <a:ext uri="{FF2B5EF4-FFF2-40B4-BE49-F238E27FC236}">
+                <a16:creationId xmlns:a16="http://schemas.microsoft.com/office/drawing/2014/main" id="{C8625AF3-0E60-4FD7-AE2D-C1AE322A3858}"/>
+              </a:ext>
+            </a:extLst>
+          </p:cNvPr>
+          <p:cNvSpPr/>
+          <p:nvPr/>
+        </p:nvSpPr>
+        <p:spPr>
+          <a:xfrm>
+            <a:off x="3768340" y="4339996"/>
+            <a:ext cx="2377440" cy="1188720"/>
+          </a:xfrm>
+          <a:prstGeom prst="rect">
+            <a:avLst/>
+          </a:prstGeom>
+          <a:noFill/>
+          <a:ln>
+            <a:solidFill>
+              <a:schemeClr val="tx1"/>
+            </a:solidFill>
+          </a:ln>
+        </p:spPr>
+        <p:style>
+          <a:lnRef idx="2">
+            <a:schemeClr val="accent1">
+              <a:shade val="50000"/>
+            </a:schemeClr>
+          </a:lnRef>
+          <a:fillRef idx="1">
+            <a:schemeClr val="accent1"/>
+          </a:fillRef>
+          <a:effectRef idx="0">
+            <a:schemeClr val="accent1"/>
+          </a:effectRef>
+          <a:fontRef idx="minor">
+            <a:schemeClr val="lt1"/>
+          </a:fontRef>
+        </p:style>
+        <p:txBody>
+          <a:bodyPr rtlCol="0" anchor="ctr"/>
+          <a:lstStyle/>
+          <a:p>
+            <a:pPr algn="ctr"/>
+            <a:endParaRPr lang="en-US"/>
+          </a:p>
+        </p:txBody>
+      </p:sp>
+      <p:sp>
+        <p:nvSpPr>
+          <p:cNvPr id="33" name="Rectangle 32">
+            <a:extLst>
+              <a:ext uri="{FF2B5EF4-FFF2-40B4-BE49-F238E27FC236}">
+                <a16:creationId xmlns:a16="http://schemas.microsoft.com/office/drawing/2014/main" id="{02C813AC-B562-494A-A877-BD44E10FF476}"/>
+              </a:ext>
+            </a:extLst>
+          </p:cNvPr>
+          <p:cNvSpPr/>
+          <p:nvPr/>
+        </p:nvSpPr>
+        <p:spPr>
+          <a:xfrm>
+            <a:off x="6233804" y="4336672"/>
+            <a:ext cx="2377440" cy="1188720"/>
+          </a:xfrm>
+          <a:prstGeom prst="rect">
+            <a:avLst/>
+          </a:prstGeom>
+          <a:noFill/>
+          <a:ln>
+            <a:solidFill>
+              <a:schemeClr val="tx1"/>
+            </a:solidFill>
+          </a:ln>
+        </p:spPr>
+        <p:style>
+          <a:lnRef idx="2">
+            <a:schemeClr val="accent1">
+              <a:shade val="50000"/>
+            </a:schemeClr>
+          </a:lnRef>
+          <a:fillRef idx="1">
+            <a:schemeClr val="accent1"/>
+          </a:fillRef>
+          <a:effectRef idx="0">
+            <a:schemeClr val="accent1"/>
+          </a:effectRef>
+          <a:fontRef idx="minor">
+            <a:schemeClr val="lt1"/>
+          </a:fontRef>
+        </p:style>
+        <p:txBody>
+          <a:bodyPr rtlCol="0" anchor="ctr"/>
+          <a:lstStyle/>
+          <a:p>
+            <a:pPr algn="ctr"/>
+            <a:endParaRPr lang="en-US"/>
           </a:p>
         </p:txBody>
       </p:sp>
     </p:spTree>
     <p:extLst>
       <p:ext uri="{BB962C8B-B14F-4D97-AF65-F5344CB8AC3E}">
-        <p14:creationId xmlns:p14="http://schemas.microsoft.com/office/powerpoint/2010/main" val="2502620289"/>
+        <p14:creationId xmlns:p14="http://schemas.microsoft.com/office/powerpoint/2010/main" val="731901455"/>
       </p:ext>
     </p:extLst>
   </p:cSld>
@@ -5502,10 +7925,10 @@
       </p:grpSpPr>
       <p:sp>
         <p:nvSpPr>
-          <p:cNvPr id="21" name="Rectangle 20">
-            <a:extLst>
-              <a:ext uri="{FF2B5EF4-FFF2-40B4-BE49-F238E27FC236}">
-                <a16:creationId xmlns:a16="http://schemas.microsoft.com/office/drawing/2014/main" id="{482E8C72-6E22-4EFF-AFE4-E49EB2FFCCA1}"/>
+          <p:cNvPr id="27" name="Rectangle 26">
+            <a:extLst>
+              <a:ext uri="{FF2B5EF4-FFF2-40B4-BE49-F238E27FC236}">
+                <a16:creationId xmlns:a16="http://schemas.microsoft.com/office/drawing/2014/main" id="{7AA556A3-1515-4015-BBBE-EAB2CF64DC47}"/>
               </a:ext>
             </a:extLst>
           </p:cNvPr>
@@ -5556,10 +7979,10 @@
       </p:sp>
       <p:pic>
         <p:nvPicPr>
-          <p:cNvPr id="7" name="Picture 6">
-            <a:extLst>
-              <a:ext uri="{FF2B5EF4-FFF2-40B4-BE49-F238E27FC236}">
-                <a16:creationId xmlns:a16="http://schemas.microsoft.com/office/drawing/2014/main" id="{3FDAB99A-954B-4144-BF9A-B35A4A95DBC4}"/>
+          <p:cNvPr id="22" name="Picture 21">
+            <a:extLst>
+              <a:ext uri="{FF2B5EF4-FFF2-40B4-BE49-F238E27FC236}">
+                <a16:creationId xmlns:a16="http://schemas.microsoft.com/office/drawing/2014/main" id="{0E0BDA6A-FF75-49C3-BDD2-A39F826F91F5}"/>
               </a:ext>
             </a:extLst>
           </p:cNvPr>
@@ -5582,7 +8005,7 @@
         </p:blipFill>
         <p:spPr>
           <a:xfrm>
-            <a:off x="3999854" y="4562041"/>
+            <a:off x="3999854" y="4571435"/>
             <a:ext cx="4282440" cy="1905000"/>
           </a:xfrm>
           <a:prstGeom prst="rect">
@@ -5592,10 +8015,10 @@
       </p:pic>
       <p:pic>
         <p:nvPicPr>
-          <p:cNvPr id="5" name="Picture 4">
-            <a:extLst>
-              <a:ext uri="{FF2B5EF4-FFF2-40B4-BE49-F238E27FC236}">
-                <a16:creationId xmlns:a16="http://schemas.microsoft.com/office/drawing/2014/main" id="{886FD746-2E42-4EA6-BB22-18CF07D02DB3}"/>
+          <p:cNvPr id="20" name="Picture 19">
+            <a:extLst>
+              <a:ext uri="{FF2B5EF4-FFF2-40B4-BE49-F238E27FC236}">
+                <a16:creationId xmlns:a16="http://schemas.microsoft.com/office/drawing/2014/main" id="{11718164-1612-4315-AE05-26CEF6567243}"/>
               </a:ext>
             </a:extLst>
           </p:cNvPr>
@@ -5618,7 +8041,7 @@
         </p:blipFill>
         <p:spPr>
           <a:xfrm>
-            <a:off x="3999854" y="2191021"/>
+            <a:off x="3999854" y="2195801"/>
             <a:ext cx="4282440" cy="1905000"/>
           </a:xfrm>
           <a:prstGeom prst="rect">
@@ -5628,10 +8051,10 @@
       </p:pic>
       <p:pic>
         <p:nvPicPr>
-          <p:cNvPr id="3" name="Picture 2">
-            <a:extLst>
-              <a:ext uri="{FF2B5EF4-FFF2-40B4-BE49-F238E27FC236}">
-                <a16:creationId xmlns:a16="http://schemas.microsoft.com/office/drawing/2014/main" id="{0335F3E2-0AD7-4FC9-9820-98A61DC9D53A}"/>
+          <p:cNvPr id="16" name="Picture 15">
+            <a:extLst>
+              <a:ext uri="{FF2B5EF4-FFF2-40B4-BE49-F238E27FC236}">
+                <a16:creationId xmlns:a16="http://schemas.microsoft.com/office/drawing/2014/main" id="{1D4407F3-8C59-4A65-8860-D28B16A6C639}"/>
               </a:ext>
             </a:extLst>
           </p:cNvPr>
@@ -5654,7 +8077,7 @@
         </p:blipFill>
         <p:spPr>
           <a:xfrm>
-            <a:off x="3999854" y="245510"/>
+            <a:off x="3999855" y="245510"/>
             <a:ext cx="4282440" cy="1905000"/>
           </a:xfrm>
           <a:prstGeom prst="rect">
@@ -5857,7 +8280,7 @@
         <p:spPr>
           <a:xfrm>
             <a:off x="10586434" y="386366"/>
-            <a:ext cx="1236372" cy="1200329"/>
+            <a:ext cx="1236372" cy="923330"/>
           </a:xfrm>
           <a:prstGeom prst="rect">
             <a:avLst/>
@@ -5872,34 +8295,168 @@
           <a:p>
             <a:r>
               <a:rPr lang="en-US" dirty="0"/>
-              <a:t>D=0.75</a:t>
+              <a:t>D=0.6</a:t>
             </a:r>
           </a:p>
           <a:p>
             <a:r>
               <a:rPr lang="en-US" dirty="0"/>
-              <a:t>F=77</a:t>
+              <a:t>F=86</a:t>
             </a:r>
           </a:p>
           <a:p>
             <a:r>
               <a:rPr lang="en-US" dirty="0"/>
-              <a:t>L2</a:t>
-            </a:r>
-          </a:p>
-          <a:p>
-            <a:r>
-              <a:rPr lang="en-US" dirty="0" err="1"/>
-              <a:t>CaseC</a:t>
-            </a:r>
-            <a:endParaRPr lang="en-US" dirty="0"/>
+              <a:t>L1</a:t>
+            </a:r>
+          </a:p>
+        </p:txBody>
+      </p:sp>
+      <p:sp>
+        <p:nvSpPr>
+          <p:cNvPr id="36" name="Rectangle 35">
+            <a:extLst>
+              <a:ext uri="{FF2B5EF4-FFF2-40B4-BE49-F238E27FC236}">
+                <a16:creationId xmlns:a16="http://schemas.microsoft.com/office/drawing/2014/main" id="{6111EFF9-5FB6-4EF3-AA97-3A38A1A35F18}"/>
+              </a:ext>
+            </a:extLst>
+          </p:cNvPr>
+          <p:cNvSpPr/>
+          <p:nvPr/>
+        </p:nvSpPr>
+        <p:spPr>
+          <a:xfrm>
+            <a:off x="3999854" y="245510"/>
+            <a:ext cx="4282440" cy="1905000"/>
+          </a:xfrm>
+          <a:prstGeom prst="rect">
+            <a:avLst/>
+          </a:prstGeom>
+          <a:noFill/>
+        </p:spPr>
+        <p:style>
+          <a:lnRef idx="2">
+            <a:schemeClr val="accent1">
+              <a:shade val="50000"/>
+            </a:schemeClr>
+          </a:lnRef>
+          <a:fillRef idx="1">
+            <a:schemeClr val="accent1"/>
+          </a:fillRef>
+          <a:effectRef idx="0">
+            <a:schemeClr val="accent1"/>
+          </a:effectRef>
+          <a:fontRef idx="minor">
+            <a:schemeClr val="lt1"/>
+          </a:fontRef>
+        </p:style>
+        <p:txBody>
+          <a:bodyPr rtlCol="0" anchor="ctr"/>
+          <a:lstStyle/>
+          <a:p>
+            <a:pPr algn="ctr"/>
+            <a:endParaRPr lang="en-US"/>
+          </a:p>
+        </p:txBody>
+      </p:sp>
+      <p:sp>
+        <p:nvSpPr>
+          <p:cNvPr id="37" name="Rectangle 36">
+            <a:extLst>
+              <a:ext uri="{FF2B5EF4-FFF2-40B4-BE49-F238E27FC236}">
+                <a16:creationId xmlns:a16="http://schemas.microsoft.com/office/drawing/2014/main" id="{91962178-E751-4E2C-9B7E-B99EBC27141E}"/>
+              </a:ext>
+            </a:extLst>
+          </p:cNvPr>
+          <p:cNvSpPr/>
+          <p:nvPr/>
+        </p:nvSpPr>
+        <p:spPr>
+          <a:xfrm>
+            <a:off x="3999854" y="2192428"/>
+            <a:ext cx="4282440" cy="1905000"/>
+          </a:xfrm>
+          <a:prstGeom prst="rect">
+            <a:avLst/>
+          </a:prstGeom>
+          <a:noFill/>
+        </p:spPr>
+        <p:style>
+          <a:lnRef idx="2">
+            <a:schemeClr val="accent1">
+              <a:shade val="50000"/>
+            </a:schemeClr>
+          </a:lnRef>
+          <a:fillRef idx="1">
+            <a:schemeClr val="accent1"/>
+          </a:fillRef>
+          <a:effectRef idx="0">
+            <a:schemeClr val="accent1"/>
+          </a:effectRef>
+          <a:fontRef idx="minor">
+            <a:schemeClr val="lt1"/>
+          </a:fontRef>
+        </p:style>
+        <p:txBody>
+          <a:bodyPr rtlCol="0" anchor="ctr"/>
+          <a:lstStyle/>
+          <a:p>
+            <a:pPr algn="ctr"/>
+            <a:endParaRPr lang="en-US"/>
+          </a:p>
+        </p:txBody>
+      </p:sp>
+      <p:sp>
+        <p:nvSpPr>
+          <p:cNvPr id="38" name="Rectangle 37">
+            <a:extLst>
+              <a:ext uri="{FF2B5EF4-FFF2-40B4-BE49-F238E27FC236}">
+                <a16:creationId xmlns:a16="http://schemas.microsoft.com/office/drawing/2014/main" id="{2A6C7F60-48CA-44CC-90BA-9B86EE7A110E}"/>
+              </a:ext>
+            </a:extLst>
+          </p:cNvPr>
+          <p:cNvSpPr/>
+          <p:nvPr/>
+        </p:nvSpPr>
+        <p:spPr>
+          <a:xfrm>
+            <a:off x="3999854" y="4562041"/>
+            <a:ext cx="4282440" cy="1905000"/>
+          </a:xfrm>
+          <a:prstGeom prst="rect">
+            <a:avLst/>
+          </a:prstGeom>
+          <a:noFill/>
+        </p:spPr>
+        <p:style>
+          <a:lnRef idx="2">
+            <a:schemeClr val="accent1">
+              <a:shade val="50000"/>
+            </a:schemeClr>
+          </a:lnRef>
+          <a:fillRef idx="1">
+            <a:schemeClr val="accent1"/>
+          </a:fillRef>
+          <a:effectRef idx="0">
+            <a:schemeClr val="accent1"/>
+          </a:effectRef>
+          <a:fontRef idx="minor">
+            <a:schemeClr val="lt1"/>
+          </a:fontRef>
+        </p:style>
+        <p:txBody>
+          <a:bodyPr rtlCol="0" anchor="ctr"/>
+          <a:lstStyle/>
+          <a:p>
+            <a:pPr algn="ctr"/>
+            <a:endParaRPr lang="en-US"/>
           </a:p>
         </p:txBody>
       </p:sp>
     </p:spTree>
     <p:extLst>
       <p:ext uri="{BB962C8B-B14F-4D97-AF65-F5344CB8AC3E}">
-        <p14:creationId xmlns:p14="http://schemas.microsoft.com/office/powerpoint/2010/main" val="735502078"/>
+        <p14:creationId xmlns:p14="http://schemas.microsoft.com/office/powerpoint/2010/main" val="3952232485"/>
       </p:ext>
     </p:extLst>
   </p:cSld>
@@ -5985,7 +8542,7 @@
           <p:cNvPr id="7" name="Picture 6">
             <a:extLst>
               <a:ext uri="{FF2B5EF4-FFF2-40B4-BE49-F238E27FC236}">
-                <a16:creationId xmlns:a16="http://schemas.microsoft.com/office/drawing/2014/main" id="{751A01D0-52F2-42C0-ADDA-EFCA0D48D9D5}"/>
+                <a16:creationId xmlns:a16="http://schemas.microsoft.com/office/drawing/2014/main" id="{91FCF679-71D1-4409-92EB-6C2C13207307}"/>
               </a:ext>
             </a:extLst>
           </p:cNvPr>
@@ -6021,7 +8578,7 @@
           <p:cNvPr id="5" name="Picture 4">
             <a:extLst>
               <a:ext uri="{FF2B5EF4-FFF2-40B4-BE49-F238E27FC236}">
-                <a16:creationId xmlns:a16="http://schemas.microsoft.com/office/drawing/2014/main" id="{82382C0F-6431-4AFF-8EAE-0D41C24815AD}"/>
+                <a16:creationId xmlns:a16="http://schemas.microsoft.com/office/drawing/2014/main" id="{A57A7D24-F34D-45DE-913F-BAF3E2558A85}"/>
               </a:ext>
             </a:extLst>
           </p:cNvPr>
@@ -6044,7 +8601,7 @@
         </p:blipFill>
         <p:spPr>
           <a:xfrm>
-            <a:off x="3999854" y="2181952"/>
+            <a:off x="3999854" y="2184127"/>
             <a:ext cx="4282440" cy="1905000"/>
           </a:xfrm>
           <a:prstGeom prst="rect">
@@ -6057,7 +8614,7 @@
           <p:cNvPr id="3" name="Picture 2">
             <a:extLst>
               <a:ext uri="{FF2B5EF4-FFF2-40B4-BE49-F238E27FC236}">
-                <a16:creationId xmlns:a16="http://schemas.microsoft.com/office/drawing/2014/main" id="{01F5903F-2238-4FD2-BCD9-CAF55D9C31DE}"/>
+                <a16:creationId xmlns:a16="http://schemas.microsoft.com/office/drawing/2014/main" id="{00801B07-732E-4146-80EF-5098BC3F4232}"/>
               </a:ext>
             </a:extLst>
           </p:cNvPr>
@@ -6283,7 +8840,7 @@
         <p:spPr>
           <a:xfrm>
             <a:off x="10586434" y="386366"/>
-            <a:ext cx="1236372" cy="1200329"/>
+            <a:ext cx="1236372" cy="923330"/>
           </a:xfrm>
           <a:prstGeom prst="rect">
             <a:avLst/>
@@ -6310,21 +8867,51 @@
           <a:p>
             <a:r>
               <a:rPr lang="en-US" dirty="0"/>
-              <a:t>L2</a:t>
-            </a:r>
-          </a:p>
-          <a:p>
-            <a:r>
-              <a:rPr lang="en-US" dirty="0"/>
-              <a:t>Case D</a:t>
-            </a:r>
+              <a:t>L1</a:t>
+            </a:r>
+          </a:p>
+        </p:txBody>
+      </p:sp>
+      <p:sp>
+        <p:nvSpPr>
+          <p:cNvPr id="8" name="TextBox 7">
+            <a:extLst>
+              <a:ext uri="{FF2B5EF4-FFF2-40B4-BE49-F238E27FC236}">
+                <a16:creationId xmlns:a16="http://schemas.microsoft.com/office/drawing/2014/main" id="{36125896-0AE8-4220-9B46-70B0A3E46347}"/>
+              </a:ext>
+            </a:extLst>
+          </p:cNvPr>
+          <p:cNvSpPr txBox="1"/>
+          <p:nvPr/>
+        </p:nvSpPr>
+        <p:spPr>
+          <a:xfrm>
+            <a:off x="10643879" y="1611712"/>
+            <a:ext cx="848616" cy="369332"/>
+          </a:xfrm>
+          <a:prstGeom prst="rect">
+            <a:avLst/>
+          </a:prstGeom>
+          <a:noFill/>
+        </p:spPr>
+        <p:txBody>
+          <a:bodyPr wrap="square" rtlCol="0">
+            <a:spAutoFit/>
+          </a:bodyPr>
+          <a:lstStyle/>
+          <a:p>
+            <a:r>
+              <a:rPr lang="en-US" dirty="0" err="1"/>
+              <a:t>caseA</a:t>
+            </a:r>
+            <a:endParaRPr lang="en-US" dirty="0"/>
           </a:p>
         </p:txBody>
       </p:sp>
     </p:spTree>
     <p:extLst>
       <p:ext uri="{BB962C8B-B14F-4D97-AF65-F5344CB8AC3E}">
-        <p14:creationId xmlns:p14="http://schemas.microsoft.com/office/powerpoint/2010/main" val="1686150422"/>
+        <p14:creationId xmlns:p14="http://schemas.microsoft.com/office/powerpoint/2010/main" val="2252512604"/>
       </p:ext>
     </p:extLst>
   </p:cSld>
@@ -6407,10 +8994,10 @@
       </p:sp>
       <p:pic>
         <p:nvPicPr>
-          <p:cNvPr id="7" name="Picture 6">
-            <a:extLst>
-              <a:ext uri="{FF2B5EF4-FFF2-40B4-BE49-F238E27FC236}">
-                <a16:creationId xmlns:a16="http://schemas.microsoft.com/office/drawing/2014/main" id="{ABF3F6DA-7E29-4E8A-8B08-E48AFA9B8BA2}"/>
+          <p:cNvPr id="8" name="Picture 7">
+            <a:extLst>
+              <a:ext uri="{FF2B5EF4-FFF2-40B4-BE49-F238E27FC236}">
+                <a16:creationId xmlns:a16="http://schemas.microsoft.com/office/drawing/2014/main" id="{3B7B61C6-645B-462F-B00B-72B30462E774}"/>
               </a:ext>
             </a:extLst>
           </p:cNvPr>
@@ -6433,7 +9020,7 @@
         </p:blipFill>
         <p:spPr>
           <a:xfrm>
-            <a:off x="3999854" y="4562041"/>
+            <a:off x="3996535" y="4556934"/>
             <a:ext cx="4282440" cy="1905000"/>
           </a:xfrm>
           <a:prstGeom prst="rect">
@@ -6443,10 +9030,10 @@
       </p:pic>
       <p:pic>
         <p:nvPicPr>
-          <p:cNvPr id="5" name="Picture 4">
-            <a:extLst>
-              <a:ext uri="{FF2B5EF4-FFF2-40B4-BE49-F238E27FC236}">
-                <a16:creationId xmlns:a16="http://schemas.microsoft.com/office/drawing/2014/main" id="{1028364E-CE7F-4639-9D02-6B341F68FD70}"/>
+          <p:cNvPr id="6" name="Picture 5">
+            <a:extLst>
+              <a:ext uri="{FF2B5EF4-FFF2-40B4-BE49-F238E27FC236}">
+                <a16:creationId xmlns:a16="http://schemas.microsoft.com/office/drawing/2014/main" id="{7DB5FAC9-C108-49D3-963D-EF4C4436D823}"/>
               </a:ext>
             </a:extLst>
           </p:cNvPr>
@@ -6469,7 +9056,7 @@
         </p:blipFill>
         <p:spPr>
           <a:xfrm>
-            <a:off x="3999854" y="2192428"/>
+            <a:off x="3996535" y="2192428"/>
             <a:ext cx="4282440" cy="1905000"/>
           </a:xfrm>
           <a:prstGeom prst="rect">
@@ -6479,10 +9066,10 @@
       </p:pic>
       <p:pic>
         <p:nvPicPr>
-          <p:cNvPr id="3" name="Picture 2">
-            <a:extLst>
-              <a:ext uri="{FF2B5EF4-FFF2-40B4-BE49-F238E27FC236}">
-                <a16:creationId xmlns:a16="http://schemas.microsoft.com/office/drawing/2014/main" id="{A43A30D8-C826-435F-ABD8-8AE14AC0FDD2}"/>
+          <p:cNvPr id="4" name="Picture 3">
+            <a:extLst>
+              <a:ext uri="{FF2B5EF4-FFF2-40B4-BE49-F238E27FC236}">
+                <a16:creationId xmlns:a16="http://schemas.microsoft.com/office/drawing/2014/main" id="{C04CCE03-E94D-4BCD-A232-F8EA4B9FBA81}"/>
               </a:ext>
             </a:extLst>
           </p:cNvPr>
@@ -6505,7 +9092,7 @@
         </p:blipFill>
         <p:spPr>
           <a:xfrm>
-            <a:off x="3999854" y="245510"/>
+            <a:off x="3996535" y="245510"/>
             <a:ext cx="4282440" cy="1905000"/>
           </a:xfrm>
           <a:prstGeom prst="rect">
@@ -6695,10 +9282,10 @@
       </p:sp>
       <p:sp>
         <p:nvSpPr>
-          <p:cNvPr id="14" name="TextBox 13">
-            <a:extLst>
-              <a:ext uri="{FF2B5EF4-FFF2-40B4-BE49-F238E27FC236}">
-                <a16:creationId xmlns:a16="http://schemas.microsoft.com/office/drawing/2014/main" id="{1E3BE4A2-C302-4235-AA09-BC0613C21FEF}"/>
+          <p:cNvPr id="17" name="TextBox 16">
+            <a:extLst>
+              <a:ext uri="{FF2B5EF4-FFF2-40B4-BE49-F238E27FC236}">
+                <a16:creationId xmlns:a16="http://schemas.microsoft.com/office/drawing/2014/main" id="{13D3D558-BEF4-4EF4-84EB-F268FD734E13}"/>
               </a:ext>
             </a:extLst>
           </p:cNvPr>
@@ -6707,8 +9294,8 @@
         </p:nvSpPr>
         <p:spPr>
           <a:xfrm>
-            <a:off x="10618631" y="386366"/>
-            <a:ext cx="1236372" cy="1200329"/>
+            <a:off x="10586434" y="386366"/>
+            <a:ext cx="1236372" cy="923330"/>
           </a:xfrm>
           <a:prstGeom prst="rect">
             <a:avLst/>
@@ -6723,25 +9310,54 @@
           <a:p>
             <a:r>
               <a:rPr lang="en-US" dirty="0"/>
-              <a:t>D=0.6</a:t>
+              <a:t>D=0.75</a:t>
             </a:r>
           </a:p>
           <a:p>
             <a:r>
               <a:rPr lang="en-US" dirty="0"/>
-              <a:t>F=80</a:t>
+              <a:t>F=77</a:t>
             </a:r>
           </a:p>
           <a:p>
             <a:r>
               <a:rPr lang="en-US" dirty="0"/>
-              <a:t>L2</a:t>
-            </a:r>
-          </a:p>
+              <a:t>L1</a:t>
+            </a:r>
+          </a:p>
+        </p:txBody>
+      </p:sp>
+      <p:sp>
+        <p:nvSpPr>
+          <p:cNvPr id="2" name="TextBox 1">
+            <a:extLst>
+              <a:ext uri="{FF2B5EF4-FFF2-40B4-BE49-F238E27FC236}">
+                <a16:creationId xmlns:a16="http://schemas.microsoft.com/office/drawing/2014/main" id="{A670D499-4C2D-47A3-9DAD-B80643EB0664}"/>
+              </a:ext>
+            </a:extLst>
+          </p:cNvPr>
+          <p:cNvSpPr txBox="1"/>
+          <p:nvPr/>
+        </p:nvSpPr>
+        <p:spPr>
+          <a:xfrm>
+            <a:off x="10586434" y="1559085"/>
+            <a:ext cx="1045968" cy="369332"/>
+          </a:xfrm>
+          <a:prstGeom prst="rect">
+            <a:avLst/>
+          </a:prstGeom>
+          <a:noFill/>
+        </p:spPr>
+        <p:txBody>
+          <a:bodyPr wrap="square" rtlCol="0">
+            <a:spAutoFit/>
+          </a:bodyPr>
+          <a:lstStyle/>
           <a:p>
             <a:r>
               <a:rPr lang="en-US" dirty="0"/>
-              <a:t>Case E</a:t>
+              <a:t>Case B</a:t>
             </a:r>
           </a:p>
         </p:txBody>
@@ -6749,7 +9365,7 @@
     </p:spTree>
     <p:extLst>
       <p:ext uri="{BB962C8B-B14F-4D97-AF65-F5344CB8AC3E}">
-        <p14:creationId xmlns:p14="http://schemas.microsoft.com/office/powerpoint/2010/main" val="26212360"/>
+        <p14:creationId xmlns:p14="http://schemas.microsoft.com/office/powerpoint/2010/main" val="2502620289"/>
       </p:ext>
     </p:extLst>
   </p:cSld>
@@ -6778,10 +9394,10 @@
       </p:grpSpPr>
       <p:sp>
         <p:nvSpPr>
-          <p:cNvPr id="27" name="Rectangle 26">
-            <a:extLst>
-              <a:ext uri="{FF2B5EF4-FFF2-40B4-BE49-F238E27FC236}">
-                <a16:creationId xmlns:a16="http://schemas.microsoft.com/office/drawing/2014/main" id="{7AA556A3-1515-4015-BBBE-EAB2CF64DC47}"/>
+          <p:cNvPr id="21" name="Rectangle 20">
+            <a:extLst>
+              <a:ext uri="{FF2B5EF4-FFF2-40B4-BE49-F238E27FC236}">
+                <a16:creationId xmlns:a16="http://schemas.microsoft.com/office/drawing/2014/main" id="{482E8C72-6E22-4EFF-AFE4-E49EB2FFCCA1}"/>
               </a:ext>
             </a:extLst>
           </p:cNvPr>
@@ -6835,7 +9451,7 @@
           <p:cNvPr id="7" name="Picture 6">
             <a:extLst>
               <a:ext uri="{FF2B5EF4-FFF2-40B4-BE49-F238E27FC236}">
-                <a16:creationId xmlns:a16="http://schemas.microsoft.com/office/drawing/2014/main" id="{22849C23-E55D-4F03-B74C-FD9B02B4B1F2}"/>
+                <a16:creationId xmlns:a16="http://schemas.microsoft.com/office/drawing/2014/main" id="{3FDAB99A-954B-4144-BF9A-B35A4A95DBC4}"/>
               </a:ext>
             </a:extLst>
           </p:cNvPr>
@@ -6871,7 +9487,7 @@
           <p:cNvPr id="5" name="Picture 4">
             <a:extLst>
               <a:ext uri="{FF2B5EF4-FFF2-40B4-BE49-F238E27FC236}">
-                <a16:creationId xmlns:a16="http://schemas.microsoft.com/office/drawing/2014/main" id="{978F9F87-D92E-4CA9-9CEE-9247A6DE49FC}"/>
+                <a16:creationId xmlns:a16="http://schemas.microsoft.com/office/drawing/2014/main" id="{886FD746-2E42-4EA6-BB22-18CF07D02DB3}"/>
               </a:ext>
             </a:extLst>
           </p:cNvPr>
@@ -6894,7 +9510,7 @@
         </p:blipFill>
         <p:spPr>
           <a:xfrm>
-            <a:off x="3999854" y="2192428"/>
+            <a:off x="3999854" y="2191021"/>
             <a:ext cx="4282440" cy="1905000"/>
           </a:xfrm>
           <a:prstGeom prst="rect">
@@ -6907,7 +9523,7 @@
           <p:cNvPr id="3" name="Picture 2">
             <a:extLst>
               <a:ext uri="{FF2B5EF4-FFF2-40B4-BE49-F238E27FC236}">
-                <a16:creationId xmlns:a16="http://schemas.microsoft.com/office/drawing/2014/main" id="{E33D798A-AAC7-4EFE-99ED-B60B89BF9BAB}"/>
+                <a16:creationId xmlns:a16="http://schemas.microsoft.com/office/drawing/2014/main" id="{0335F3E2-0AD7-4FC9-9820-98A61DC9D53A}"/>
               </a:ext>
             </a:extLst>
           </p:cNvPr>
@@ -7120,10 +9736,10 @@
       </p:sp>
       <p:sp>
         <p:nvSpPr>
-          <p:cNvPr id="14" name="TextBox 13">
-            <a:extLst>
-              <a:ext uri="{FF2B5EF4-FFF2-40B4-BE49-F238E27FC236}">
-                <a16:creationId xmlns:a16="http://schemas.microsoft.com/office/drawing/2014/main" id="{1E3BE4A2-C302-4235-AA09-BC0613C21FEF}"/>
+          <p:cNvPr id="17" name="TextBox 16">
+            <a:extLst>
+              <a:ext uri="{FF2B5EF4-FFF2-40B4-BE49-F238E27FC236}">
+                <a16:creationId xmlns:a16="http://schemas.microsoft.com/office/drawing/2014/main" id="{13D3D558-BEF4-4EF4-84EB-F268FD734E13}"/>
               </a:ext>
             </a:extLst>
           </p:cNvPr>
@@ -7132,7 +9748,7 @@
         </p:nvSpPr>
         <p:spPr>
           <a:xfrm>
-            <a:off x="10618631" y="386366"/>
+            <a:off x="10586434" y="386366"/>
             <a:ext cx="1236372" cy="1200329"/>
           </a:xfrm>
           <a:prstGeom prst="rect">
@@ -7148,33 +9764,34 @@
           <a:p>
             <a:r>
               <a:rPr lang="en-US" dirty="0"/>
-              <a:t>D=0.6</a:t>
+              <a:t>D=0.75</a:t>
             </a:r>
           </a:p>
           <a:p>
             <a:r>
               <a:rPr lang="en-US" dirty="0"/>
-              <a:t>F=80</a:t>
+              <a:t>F=77</a:t>
             </a:r>
           </a:p>
           <a:p>
             <a:r>
               <a:rPr lang="en-US" dirty="0"/>
-              <a:t>L1</a:t>
-            </a:r>
-          </a:p>
-          <a:p>
-            <a:r>
-              <a:rPr lang="en-US" dirty="0"/>
-              <a:t>Case F</a:t>
-            </a:r>
+              <a:t>L2</a:t>
+            </a:r>
+          </a:p>
+          <a:p>
+            <a:r>
+              <a:rPr lang="en-US" dirty="0" err="1"/>
+              <a:t>CaseC</a:t>
+            </a:r>
+            <a:endParaRPr lang="en-US" dirty="0"/>
           </a:p>
         </p:txBody>
       </p:sp>
     </p:spTree>
     <p:extLst>
       <p:ext uri="{BB962C8B-B14F-4D97-AF65-F5344CB8AC3E}">
-        <p14:creationId xmlns:p14="http://schemas.microsoft.com/office/powerpoint/2010/main" val="3535557337"/>
+        <p14:creationId xmlns:p14="http://schemas.microsoft.com/office/powerpoint/2010/main" val="735502078"/>
       </p:ext>
     </p:extLst>
   </p:cSld>
@@ -7203,58 +9820,403 @@
       </p:grpSpPr>
       <p:sp>
         <p:nvSpPr>
-          <p:cNvPr id="2" name="Title 1">
-            <a:extLst>
-              <a:ext uri="{FF2B5EF4-FFF2-40B4-BE49-F238E27FC236}">
-                <a16:creationId xmlns:a16="http://schemas.microsoft.com/office/drawing/2014/main" id="{01CDCCF0-9AE5-4853-9B9D-361F4A690DFC}"/>
-              </a:ext>
-            </a:extLst>
-          </p:cNvPr>
-          <p:cNvSpPr>
-            <a:spLocks noGrp="1"/>
-          </p:cNvSpPr>
-          <p:nvPr>
-            <p:ph type="title"/>
-          </p:nvPr>
-        </p:nvSpPr>
-        <p:spPr/>
-        <p:txBody>
-          <a:bodyPr/>
-          <a:lstStyle/>
-          <a:p>
+          <p:cNvPr id="27" name="Rectangle 26">
+            <a:extLst>
+              <a:ext uri="{FF2B5EF4-FFF2-40B4-BE49-F238E27FC236}">
+                <a16:creationId xmlns:a16="http://schemas.microsoft.com/office/drawing/2014/main" id="{7AA556A3-1515-4015-BBBE-EAB2CF64DC47}"/>
+              </a:ext>
+            </a:extLst>
+          </p:cNvPr>
+          <p:cNvSpPr/>
+          <p:nvPr/>
+        </p:nvSpPr>
+        <p:spPr>
+          <a:xfrm>
+            <a:off x="3782590" y="78941"/>
+            <a:ext cx="4637784" cy="6611309"/>
+          </a:xfrm>
+          <a:prstGeom prst="rect">
+            <a:avLst/>
+          </a:prstGeom>
+          <a:solidFill>
+            <a:schemeClr val="bg1"/>
+          </a:solidFill>
+          <a:ln>
+            <a:solidFill>
+              <a:schemeClr val="bg1"/>
+            </a:solidFill>
+          </a:ln>
+        </p:spPr>
+        <p:style>
+          <a:lnRef idx="2">
+            <a:schemeClr val="accent1">
+              <a:shade val="50000"/>
+            </a:schemeClr>
+          </a:lnRef>
+          <a:fillRef idx="1">
+            <a:schemeClr val="accent1"/>
+          </a:fillRef>
+          <a:effectRef idx="0">
+            <a:schemeClr val="accent1"/>
+          </a:effectRef>
+          <a:fontRef idx="minor">
+            <a:schemeClr val="lt1"/>
+          </a:fontRef>
+        </p:style>
+        <p:txBody>
+          <a:bodyPr rtlCol="0" anchor="ctr"/>
+          <a:lstStyle/>
+          <a:p>
+            <a:pPr algn="ctr"/>
             <a:endParaRPr lang="en-US"/>
           </a:p>
         </p:txBody>
       </p:sp>
-      <p:sp>
-        <p:nvSpPr>
-          <p:cNvPr id="3" name="Content Placeholder 2">
-            <a:extLst>
-              <a:ext uri="{FF2B5EF4-FFF2-40B4-BE49-F238E27FC236}">
-                <a16:creationId xmlns:a16="http://schemas.microsoft.com/office/drawing/2014/main" id="{A10D37D5-24B1-4272-AA23-9BA6475E5BEA}"/>
-              </a:ext>
-            </a:extLst>
-          </p:cNvPr>
-          <p:cNvSpPr>
-            <a:spLocks noGrp="1"/>
-          </p:cNvSpPr>
-          <p:nvPr>
-            <p:ph idx="1"/>
-          </p:nvPr>
-        </p:nvSpPr>
-        <p:spPr/>
-        <p:txBody>
-          <a:bodyPr/>
-          <a:lstStyle/>
-          <a:p>
+      <p:pic>
+        <p:nvPicPr>
+          <p:cNvPr id="7" name="Picture 6">
+            <a:extLst>
+              <a:ext uri="{FF2B5EF4-FFF2-40B4-BE49-F238E27FC236}">
+                <a16:creationId xmlns:a16="http://schemas.microsoft.com/office/drawing/2014/main" id="{751A01D0-52F2-42C0-ADDA-EFCA0D48D9D5}"/>
+              </a:ext>
+            </a:extLst>
+          </p:cNvPr>
+          <p:cNvPicPr>
+            <a:picLocks noChangeAspect="1"/>
+          </p:cNvPicPr>
+          <p:nvPr/>
+        </p:nvPicPr>
+        <p:blipFill>
+          <a:blip r:embed="rId2">
+            <a:extLst>
+              <a:ext uri="{28A0092B-C50C-407E-A947-70E740481C1C}">
+                <a14:useLocalDpi xmlns:a14="http://schemas.microsoft.com/office/drawing/2010/main" val="0"/>
+              </a:ext>
+            </a:extLst>
+          </a:blip>
+          <a:stretch>
+            <a:fillRect/>
+          </a:stretch>
+        </p:blipFill>
+        <p:spPr>
+          <a:xfrm>
+            <a:off x="3999854" y="4562041"/>
+            <a:ext cx="4282440" cy="1905000"/>
+          </a:xfrm>
+          <a:prstGeom prst="rect">
+            <a:avLst/>
+          </a:prstGeom>
+        </p:spPr>
+      </p:pic>
+      <p:pic>
+        <p:nvPicPr>
+          <p:cNvPr id="5" name="Picture 4">
+            <a:extLst>
+              <a:ext uri="{FF2B5EF4-FFF2-40B4-BE49-F238E27FC236}">
+                <a16:creationId xmlns:a16="http://schemas.microsoft.com/office/drawing/2014/main" id="{82382C0F-6431-4AFF-8EAE-0D41C24815AD}"/>
+              </a:ext>
+            </a:extLst>
+          </p:cNvPr>
+          <p:cNvPicPr>
+            <a:picLocks noChangeAspect="1"/>
+          </p:cNvPicPr>
+          <p:nvPr/>
+        </p:nvPicPr>
+        <p:blipFill>
+          <a:blip r:embed="rId3">
+            <a:extLst>
+              <a:ext uri="{28A0092B-C50C-407E-A947-70E740481C1C}">
+                <a14:useLocalDpi xmlns:a14="http://schemas.microsoft.com/office/drawing/2010/main" val="0"/>
+              </a:ext>
+            </a:extLst>
+          </a:blip>
+          <a:stretch>
+            <a:fillRect/>
+          </a:stretch>
+        </p:blipFill>
+        <p:spPr>
+          <a:xfrm>
+            <a:off x="3999854" y="2181952"/>
+            <a:ext cx="4282440" cy="1905000"/>
+          </a:xfrm>
+          <a:prstGeom prst="rect">
+            <a:avLst/>
+          </a:prstGeom>
+        </p:spPr>
+      </p:pic>
+      <p:pic>
+        <p:nvPicPr>
+          <p:cNvPr id="3" name="Picture 2">
+            <a:extLst>
+              <a:ext uri="{FF2B5EF4-FFF2-40B4-BE49-F238E27FC236}">
+                <a16:creationId xmlns:a16="http://schemas.microsoft.com/office/drawing/2014/main" id="{01F5903F-2238-4FD2-BCD9-CAF55D9C31DE}"/>
+              </a:ext>
+            </a:extLst>
+          </p:cNvPr>
+          <p:cNvPicPr>
+            <a:picLocks noChangeAspect="1"/>
+          </p:cNvPicPr>
+          <p:nvPr/>
+        </p:nvPicPr>
+        <p:blipFill>
+          <a:blip r:embed="rId4">
+            <a:extLst>
+              <a:ext uri="{28A0092B-C50C-407E-A947-70E740481C1C}">
+                <a14:useLocalDpi xmlns:a14="http://schemas.microsoft.com/office/drawing/2010/main" val="0"/>
+              </a:ext>
+            </a:extLst>
+          </a:blip>
+          <a:stretch>
+            <a:fillRect/>
+          </a:stretch>
+        </p:blipFill>
+        <p:spPr>
+          <a:xfrm>
+            <a:off x="3999854" y="245510"/>
+            <a:ext cx="4282440" cy="1905000"/>
+          </a:xfrm>
+          <a:prstGeom prst="rect">
+            <a:avLst/>
+          </a:prstGeom>
+        </p:spPr>
+      </p:pic>
+      <p:sp>
+        <p:nvSpPr>
+          <p:cNvPr id="26" name="TextBox 25">
+            <a:extLst>
+              <a:ext uri="{FF2B5EF4-FFF2-40B4-BE49-F238E27FC236}">
+                <a16:creationId xmlns:a16="http://schemas.microsoft.com/office/drawing/2014/main" id="{D34C47F3-F2BA-4F4B-AD35-AB2638C842AF}"/>
+              </a:ext>
+            </a:extLst>
+          </p:cNvPr>
+          <p:cNvSpPr txBox="1"/>
+          <p:nvPr/>
+        </p:nvSpPr>
+        <p:spPr>
+          <a:xfrm>
+            <a:off x="4987738" y="4128870"/>
+            <a:ext cx="862759" cy="276999"/>
+          </a:xfrm>
+          <a:prstGeom prst="rect">
+            <a:avLst/>
+          </a:prstGeom>
+          <a:noFill/>
+        </p:spPr>
+        <p:txBody>
+          <a:bodyPr wrap="square" rtlCol="0">
+            <a:spAutoFit/>
+          </a:bodyPr>
+          <a:lstStyle/>
+          <a:p>
+            <a:r>
+              <a:rPr lang="en-US" sz="1200" dirty="0">
+                <a:latin typeface="Times New Roman" panose="02020603050405020304" pitchFamily="18" charset="0"/>
+                <a:cs typeface="Times New Roman" panose="02020603050405020304" pitchFamily="18" charset="0"/>
+              </a:rPr>
+              <a:t>Zoom</a:t>
+            </a:r>
+          </a:p>
+        </p:txBody>
+      </p:sp>
+      <p:sp>
+        <p:nvSpPr>
+          <p:cNvPr id="30" name="Right Brace 29">
+            <a:extLst>
+              <a:ext uri="{FF2B5EF4-FFF2-40B4-BE49-F238E27FC236}">
+                <a16:creationId xmlns:a16="http://schemas.microsoft.com/office/drawing/2014/main" id="{39C286CD-2492-4AD6-B92D-02C104E45B2A}"/>
+              </a:ext>
+            </a:extLst>
+          </p:cNvPr>
+          <p:cNvSpPr/>
+          <p:nvPr/>
+        </p:nvSpPr>
+        <p:spPr>
+          <a:xfrm rot="5400000">
+            <a:off x="5121150" y="3739805"/>
+            <a:ext cx="234583" cy="1224111"/>
+          </a:xfrm>
+          <a:prstGeom prst="rightBrace">
+            <a:avLst/>
+          </a:prstGeom>
+          <a:ln w="19050">
+            <a:solidFill>
+              <a:schemeClr val="tx1">
+                <a:lumMod val="65000"/>
+                <a:lumOff val="35000"/>
+              </a:schemeClr>
+            </a:solidFill>
+          </a:ln>
+        </p:spPr>
+        <p:style>
+          <a:lnRef idx="1">
+            <a:schemeClr val="accent1"/>
+          </a:lnRef>
+          <a:fillRef idx="0">
+            <a:schemeClr val="accent1"/>
+          </a:fillRef>
+          <a:effectRef idx="0">
+            <a:schemeClr val="accent1"/>
+          </a:effectRef>
+          <a:fontRef idx="minor">
+            <a:schemeClr val="tx1"/>
+          </a:fontRef>
+        </p:style>
+        <p:txBody>
+          <a:bodyPr rtlCol="0" anchor="ctr"/>
+          <a:lstStyle/>
+          <a:p>
+            <a:pPr algn="ctr"/>
             <a:endParaRPr lang="en-US"/>
+          </a:p>
+        </p:txBody>
+      </p:sp>
+      <p:sp>
+        <p:nvSpPr>
+          <p:cNvPr id="31" name="Right Brace 30">
+            <a:extLst>
+              <a:ext uri="{FF2B5EF4-FFF2-40B4-BE49-F238E27FC236}">
+                <a16:creationId xmlns:a16="http://schemas.microsoft.com/office/drawing/2014/main" id="{45AABD34-09EE-41B6-B9EE-C5ABE48164FD}"/>
+              </a:ext>
+            </a:extLst>
+          </p:cNvPr>
+          <p:cNvSpPr/>
+          <p:nvPr/>
+        </p:nvSpPr>
+        <p:spPr>
+          <a:xfrm rot="5400000">
+            <a:off x="7076701" y="3733400"/>
+            <a:ext cx="234583" cy="1224111"/>
+          </a:xfrm>
+          <a:prstGeom prst="rightBrace">
+            <a:avLst/>
+          </a:prstGeom>
+          <a:ln w="19050">
+            <a:solidFill>
+              <a:schemeClr val="tx1">
+                <a:lumMod val="65000"/>
+                <a:lumOff val="35000"/>
+              </a:schemeClr>
+            </a:solidFill>
+          </a:ln>
+        </p:spPr>
+        <p:style>
+          <a:lnRef idx="1">
+            <a:schemeClr val="accent1"/>
+          </a:lnRef>
+          <a:fillRef idx="0">
+            <a:schemeClr val="accent1"/>
+          </a:fillRef>
+          <a:effectRef idx="0">
+            <a:schemeClr val="accent1"/>
+          </a:effectRef>
+          <a:fontRef idx="minor">
+            <a:schemeClr val="tx1"/>
+          </a:fontRef>
+        </p:style>
+        <p:txBody>
+          <a:bodyPr rtlCol="0" anchor="ctr"/>
+          <a:lstStyle/>
+          <a:p>
+            <a:pPr algn="ctr"/>
+            <a:endParaRPr lang="en-US"/>
+          </a:p>
+        </p:txBody>
+      </p:sp>
+      <p:sp>
+        <p:nvSpPr>
+          <p:cNvPr id="32" name="TextBox 31">
+            <a:extLst>
+              <a:ext uri="{FF2B5EF4-FFF2-40B4-BE49-F238E27FC236}">
+                <a16:creationId xmlns:a16="http://schemas.microsoft.com/office/drawing/2014/main" id="{3CA8E243-CBFD-4FA4-B602-A82004D54655}"/>
+              </a:ext>
+            </a:extLst>
+          </p:cNvPr>
+          <p:cNvSpPr txBox="1"/>
+          <p:nvPr/>
+        </p:nvSpPr>
+        <p:spPr>
+          <a:xfrm>
+            <a:off x="6940493" y="4119476"/>
+            <a:ext cx="862759" cy="276999"/>
+          </a:xfrm>
+          <a:prstGeom prst="rect">
+            <a:avLst/>
+          </a:prstGeom>
+          <a:noFill/>
+        </p:spPr>
+        <p:txBody>
+          <a:bodyPr wrap="square" rtlCol="0">
+            <a:spAutoFit/>
+          </a:bodyPr>
+          <a:lstStyle/>
+          <a:p>
+            <a:r>
+              <a:rPr lang="en-US" sz="1200" dirty="0">
+                <a:latin typeface="Times New Roman" panose="02020603050405020304" pitchFamily="18" charset="0"/>
+                <a:cs typeface="Times New Roman" panose="02020603050405020304" pitchFamily="18" charset="0"/>
+              </a:rPr>
+              <a:t>Zoom</a:t>
+            </a:r>
+          </a:p>
+        </p:txBody>
+      </p:sp>
+      <p:sp>
+        <p:nvSpPr>
+          <p:cNvPr id="17" name="TextBox 16">
+            <a:extLst>
+              <a:ext uri="{FF2B5EF4-FFF2-40B4-BE49-F238E27FC236}">
+                <a16:creationId xmlns:a16="http://schemas.microsoft.com/office/drawing/2014/main" id="{13D3D558-BEF4-4EF4-84EB-F268FD734E13}"/>
+              </a:ext>
+            </a:extLst>
+          </p:cNvPr>
+          <p:cNvSpPr txBox="1"/>
+          <p:nvPr/>
+        </p:nvSpPr>
+        <p:spPr>
+          <a:xfrm>
+            <a:off x="10586434" y="386366"/>
+            <a:ext cx="1236372" cy="1200329"/>
+          </a:xfrm>
+          <a:prstGeom prst="rect">
+            <a:avLst/>
+          </a:prstGeom>
+          <a:noFill/>
+        </p:spPr>
+        <p:txBody>
+          <a:bodyPr wrap="square" rtlCol="0">
+            <a:spAutoFit/>
+          </a:bodyPr>
+          <a:lstStyle/>
+          <a:p>
+            <a:r>
+              <a:rPr lang="en-US" dirty="0"/>
+              <a:t>D=0.6</a:t>
+            </a:r>
+          </a:p>
+          <a:p>
+            <a:r>
+              <a:rPr lang="en-US" dirty="0"/>
+              <a:t>F=86</a:t>
+            </a:r>
+          </a:p>
+          <a:p>
+            <a:r>
+              <a:rPr lang="en-US" dirty="0"/>
+              <a:t>L2</a:t>
+            </a:r>
+          </a:p>
+          <a:p>
+            <a:r>
+              <a:rPr lang="en-US" dirty="0"/>
+              <a:t>Case D</a:t>
+            </a:r>
           </a:p>
         </p:txBody>
       </p:sp>
     </p:spTree>
     <p:extLst>
       <p:ext uri="{BB962C8B-B14F-4D97-AF65-F5344CB8AC3E}">
-        <p14:creationId xmlns:p14="http://schemas.microsoft.com/office/powerpoint/2010/main" val="1581095793"/>
+        <p14:creationId xmlns:p14="http://schemas.microsoft.com/office/powerpoint/2010/main" val="1686150422"/>
       </p:ext>
     </p:extLst>
   </p:cSld>
